--- a/M5/inverse kinematics/denavit hartenberg kinematics.pptx
+++ b/M5/inverse kinematics/denavit hartenberg kinematics.pptx
@@ -5,7 +5,7 @@
     <p:sldMasterId id="2147483648" r:id="rId1"/>
   </p:sldMasterIdLst>
   <p:notesMasterIdLst>
-    <p:notesMasterId r:id="rId36"/>
+    <p:notesMasterId r:id="rId39"/>
   </p:notesMasterIdLst>
   <p:sldIdLst>
     <p:sldId id="257" r:id="rId2"/>
@@ -20,28 +20,31 @@
     <p:sldId id="304" r:id="rId11"/>
     <p:sldId id="316" r:id="rId12"/>
     <p:sldId id="349" r:id="rId13"/>
-    <p:sldId id="313" r:id="rId14"/>
-    <p:sldId id="348" r:id="rId15"/>
-    <p:sldId id="323" r:id="rId16"/>
-    <p:sldId id="324" r:id="rId17"/>
-    <p:sldId id="305" r:id="rId18"/>
-    <p:sldId id="306" r:id="rId19"/>
-    <p:sldId id="307" r:id="rId20"/>
-    <p:sldId id="308" r:id="rId21"/>
-    <p:sldId id="310" r:id="rId22"/>
-    <p:sldId id="311" r:id="rId23"/>
-    <p:sldId id="312" r:id="rId24"/>
-    <p:sldId id="309" r:id="rId25"/>
-    <p:sldId id="314" r:id="rId26"/>
-    <p:sldId id="315" r:id="rId27"/>
-    <p:sldId id="325" r:id="rId28"/>
-    <p:sldId id="317" r:id="rId29"/>
-    <p:sldId id="318" r:id="rId30"/>
-    <p:sldId id="321" r:id="rId31"/>
-    <p:sldId id="322" r:id="rId32"/>
-    <p:sldId id="320" r:id="rId33"/>
-    <p:sldId id="319" r:id="rId34"/>
-    <p:sldId id="262" r:id="rId35"/>
+    <p:sldId id="350" r:id="rId14"/>
+    <p:sldId id="351" r:id="rId15"/>
+    <p:sldId id="313" r:id="rId16"/>
+    <p:sldId id="348" r:id="rId17"/>
+    <p:sldId id="323" r:id="rId18"/>
+    <p:sldId id="324" r:id="rId19"/>
+    <p:sldId id="305" r:id="rId20"/>
+    <p:sldId id="352" r:id="rId21"/>
+    <p:sldId id="306" r:id="rId22"/>
+    <p:sldId id="307" r:id="rId23"/>
+    <p:sldId id="308" r:id="rId24"/>
+    <p:sldId id="310" r:id="rId25"/>
+    <p:sldId id="311" r:id="rId26"/>
+    <p:sldId id="312" r:id="rId27"/>
+    <p:sldId id="309" r:id="rId28"/>
+    <p:sldId id="314" r:id="rId29"/>
+    <p:sldId id="315" r:id="rId30"/>
+    <p:sldId id="325" r:id="rId31"/>
+    <p:sldId id="317" r:id="rId32"/>
+    <p:sldId id="318" r:id="rId33"/>
+    <p:sldId id="321" r:id="rId34"/>
+    <p:sldId id="322" r:id="rId35"/>
+    <p:sldId id="320" r:id="rId36"/>
+    <p:sldId id="319" r:id="rId37"/>
+    <p:sldId id="262" r:id="rId38"/>
   </p:sldIdLst>
   <p:sldSz cx="9144000" cy="6858000" type="screen4x3"/>
   <p:notesSz cx="6858000" cy="9144000"/>
@@ -242,7 +245,7 @@
             <a:fld id="{B26E7FAE-22AD-49BB-86F5-047CE39CD866}" type="datetimeFigureOut">
               <a:rPr lang="id-ID" smtClean="0"/>
               <a:pPr/>
-              <a:t>13/04/2019</a:t>
+              <a:t>18/04/2019</a:t>
             </a:fld>
             <a:endParaRPr lang="id-ID"/>
           </a:p>
@@ -4632,8 +4635,8 @@
         </p:blipFill>
         <p:spPr>
           <a:xfrm>
-            <a:off x="0" y="2057400"/>
-            <a:ext cx="9041369" cy="3886200"/>
+            <a:off x="405878" y="1828800"/>
+            <a:ext cx="8332243" cy="3581400"/>
           </a:xfrm>
           <a:prstGeom prst="rect">
             <a:avLst/>
@@ -4671,7 +4674,7 @@
                             </p:stCondLst>
                             <p:childTnLst>
                               <p:par>
-                                <p:cTn id="5" presetID="1" presetClass="entr" presetSubtype="0" fill="hold" nodeType="clickEffect">
+                                <p:cTn id="5" presetID="10" presetClass="entr" presetSubtype="0" fill="hold" nodeType="clickEffect">
                                   <p:stCondLst>
                                     <p:cond delay="0"/>
                                   </p:stCondLst>
@@ -4694,6 +4697,14 @@
                                         <p:strVal val="visible"/>
                                       </p:to>
                                     </p:set>
+                                    <p:animEffect transition="in" filter="fade">
+                                      <p:cBhvr>
+                                        <p:cTn id="7" dur="500"/>
+                                        <p:tgtEl>
+                                          <p:spTgt spid="9"/>
+                                        </p:tgtEl>
+                                      </p:cBhvr>
+                                    </p:animEffect>
                                   </p:childTnLst>
                                 </p:cTn>
                               </p:par>
@@ -4729,6 +4740,436 @@
 </file>
 
 <file path=ppt/slides/slide13.xml><?xml version="1.0" encoding="utf-8"?>
+<p:sld xmlns:a="http://schemas.openxmlformats.org/drawingml/2006/main" xmlns:r="http://schemas.openxmlformats.org/officeDocument/2006/relationships" xmlns:p="http://schemas.openxmlformats.org/presentationml/2006/main">
+  <p:cSld>
+    <p:spTree>
+      <p:nvGrpSpPr>
+        <p:cNvPr id="1" name=""/>
+        <p:cNvGrpSpPr/>
+        <p:nvPr/>
+      </p:nvGrpSpPr>
+      <p:grpSpPr>
+        <a:xfrm>
+          <a:off x="0" y="0"/>
+          <a:ext cx="0" cy="0"/>
+          <a:chOff x="0" y="0"/>
+          <a:chExt cx="0" cy="0"/>
+        </a:xfrm>
+      </p:grpSpPr>
+      <p:sp>
+        <p:nvSpPr>
+          <p:cNvPr id="7" name="Text Placeholder 6">
+            <a:extLst>
+              <a:ext uri="{FF2B5EF4-FFF2-40B4-BE49-F238E27FC236}">
+                <a16:creationId xmlns:a16="http://schemas.microsoft.com/office/drawing/2014/main" id="{AD4784ED-3608-4E69-92EA-F57E5EAD0EB2}"/>
+              </a:ext>
+            </a:extLst>
+          </p:cNvPr>
+          <p:cNvSpPr>
+            <a:spLocks noGrp="1"/>
+          </p:cNvSpPr>
+          <p:nvPr>
+            <p:ph type="body" sz="quarter" idx="10"/>
+          </p:nvPr>
+        </p:nvSpPr>
+        <p:spPr/>
+        <p:txBody>
+          <a:bodyPr/>
+          <a:lstStyle/>
+          <a:p>
+            <a:r>
+              <a:rPr lang="en-US" dirty="0"/>
+              <a:t>Example in 2DoF Robot </a:t>
+            </a:r>
+          </a:p>
+        </p:txBody>
+      </p:sp>
+      <p:sp>
+        <p:nvSpPr>
+          <p:cNvPr id="2" name="Rectangle 1">
+            <a:extLst>
+              <a:ext uri="{FF2B5EF4-FFF2-40B4-BE49-F238E27FC236}">
+                <a16:creationId xmlns:a16="http://schemas.microsoft.com/office/drawing/2014/main" id="{F194B519-4FBA-4EAF-8AD7-327B9BACBECC}"/>
+              </a:ext>
+            </a:extLst>
+          </p:cNvPr>
+          <p:cNvSpPr/>
+          <p:nvPr/>
+        </p:nvSpPr>
+        <p:spPr>
+          <a:xfrm>
+            <a:off x="152400" y="1143000"/>
+            <a:ext cx="8839200" cy="5562600"/>
+          </a:xfrm>
+          <a:prstGeom prst="rect">
+            <a:avLst/>
+          </a:prstGeom>
+        </p:spPr>
+        <p:style>
+          <a:lnRef idx="2">
+            <a:schemeClr val="dk1"/>
+          </a:lnRef>
+          <a:fillRef idx="1">
+            <a:schemeClr val="lt1"/>
+          </a:fillRef>
+          <a:effectRef idx="0">
+            <a:schemeClr val="dk1"/>
+          </a:effectRef>
+          <a:fontRef idx="minor">
+            <a:schemeClr val="dk1"/>
+          </a:fontRef>
+        </p:style>
+        <p:txBody>
+          <a:bodyPr rtlCol="0" anchor="ctr"/>
+          <a:lstStyle/>
+          <a:p>
+            <a:pPr algn="ctr"/>
+            <a:endParaRPr lang="en-US"/>
+          </a:p>
+        </p:txBody>
+      </p:sp>
+      <p:pic>
+        <p:nvPicPr>
+          <p:cNvPr id="6" name="Picture 5">
+            <a:extLst>
+              <a:ext uri="{FF2B5EF4-FFF2-40B4-BE49-F238E27FC236}">
+                <a16:creationId xmlns:a16="http://schemas.microsoft.com/office/drawing/2014/main" id="{6200CD30-43D4-4DAE-BD9C-B1167B3F59EA}"/>
+              </a:ext>
+            </a:extLst>
+          </p:cNvPr>
+          <p:cNvPicPr>
+            <a:picLocks noChangeAspect="1"/>
+          </p:cNvPicPr>
+          <p:nvPr/>
+        </p:nvPicPr>
+        <p:blipFill>
+          <a:blip r:embed="rId2"/>
+          <a:stretch>
+            <a:fillRect/>
+          </a:stretch>
+        </p:blipFill>
+        <p:spPr>
+          <a:xfrm>
+            <a:off x="838200" y="1161393"/>
+            <a:ext cx="7467600" cy="5295898"/>
+          </a:xfrm>
+          <a:prstGeom prst="rect">
+            <a:avLst/>
+          </a:prstGeom>
+        </p:spPr>
+      </p:pic>
+    </p:spTree>
+    <p:extLst>
+      <p:ext uri="{BB962C8B-B14F-4D97-AF65-F5344CB8AC3E}">
+        <p14:creationId xmlns:p14="http://schemas.microsoft.com/office/powerpoint/2010/main" val="1063051417"/>
+      </p:ext>
+    </p:extLst>
+  </p:cSld>
+  <p:clrMapOvr>
+    <a:masterClrMapping/>
+  </p:clrMapOvr>
+  <p:timing>
+    <p:tnLst>
+      <p:par>
+        <p:cTn id="1" dur="indefinite" restart="never" nodeType="tmRoot">
+          <p:childTnLst>
+            <p:seq concurrent="1" nextAc="seek">
+              <p:cTn id="2" dur="indefinite" nodeType="mainSeq">
+                <p:childTnLst>
+                  <p:par>
+                    <p:cTn id="3" fill="hold">
+                      <p:stCondLst>
+                        <p:cond delay="indefinite"/>
+                      </p:stCondLst>
+                      <p:childTnLst>
+                        <p:par>
+                          <p:cTn id="4" fill="hold">
+                            <p:stCondLst>
+                              <p:cond delay="0"/>
+                            </p:stCondLst>
+                            <p:childTnLst>
+                              <p:par>
+                                <p:cTn id="5" presetID="10" presetClass="entr" presetSubtype="0" fill="hold" nodeType="clickEffect">
+                                  <p:stCondLst>
+                                    <p:cond delay="0"/>
+                                  </p:stCondLst>
+                                  <p:childTnLst>
+                                    <p:set>
+                                      <p:cBhvr>
+                                        <p:cTn id="6" dur="1" fill="hold">
+                                          <p:stCondLst>
+                                            <p:cond delay="0"/>
+                                          </p:stCondLst>
+                                        </p:cTn>
+                                        <p:tgtEl>
+                                          <p:spTgt spid="6"/>
+                                        </p:tgtEl>
+                                        <p:attrNameLst>
+                                          <p:attrName>style.visibility</p:attrName>
+                                        </p:attrNameLst>
+                                      </p:cBhvr>
+                                      <p:to>
+                                        <p:strVal val="visible"/>
+                                      </p:to>
+                                    </p:set>
+                                    <p:animEffect transition="in" filter="fade">
+                                      <p:cBhvr>
+                                        <p:cTn id="7" dur="500"/>
+                                        <p:tgtEl>
+                                          <p:spTgt spid="6"/>
+                                        </p:tgtEl>
+                                      </p:cBhvr>
+                                    </p:animEffect>
+                                  </p:childTnLst>
+                                </p:cTn>
+                              </p:par>
+                            </p:childTnLst>
+                          </p:cTn>
+                        </p:par>
+                      </p:childTnLst>
+                    </p:cTn>
+                  </p:par>
+                </p:childTnLst>
+              </p:cTn>
+              <p:prevCondLst>
+                <p:cond evt="onPrev" delay="0">
+                  <p:tgtEl>
+                    <p:sldTgt/>
+                  </p:tgtEl>
+                </p:cond>
+              </p:prevCondLst>
+              <p:nextCondLst>
+                <p:cond evt="onNext" delay="0">
+                  <p:tgtEl>
+                    <p:sldTgt/>
+                  </p:tgtEl>
+                </p:cond>
+              </p:nextCondLst>
+            </p:seq>
+          </p:childTnLst>
+        </p:cTn>
+      </p:par>
+    </p:tnLst>
+  </p:timing>
+</p:sld>
+</file>
+
+<file path=ppt/slides/slide14.xml><?xml version="1.0" encoding="utf-8"?>
+<p:sld xmlns:a="http://schemas.openxmlformats.org/drawingml/2006/main" xmlns:r="http://schemas.openxmlformats.org/officeDocument/2006/relationships" xmlns:p="http://schemas.openxmlformats.org/presentationml/2006/main">
+  <p:cSld>
+    <p:spTree>
+      <p:nvGrpSpPr>
+        <p:cNvPr id="1" name=""/>
+        <p:cNvGrpSpPr/>
+        <p:nvPr/>
+      </p:nvGrpSpPr>
+      <p:grpSpPr>
+        <a:xfrm>
+          <a:off x="0" y="0"/>
+          <a:ext cx="0" cy="0"/>
+          <a:chOff x="0" y="0"/>
+          <a:chExt cx="0" cy="0"/>
+        </a:xfrm>
+      </p:grpSpPr>
+      <p:sp>
+        <p:nvSpPr>
+          <p:cNvPr id="7" name="Text Placeholder 6">
+            <a:extLst>
+              <a:ext uri="{FF2B5EF4-FFF2-40B4-BE49-F238E27FC236}">
+                <a16:creationId xmlns:a16="http://schemas.microsoft.com/office/drawing/2014/main" id="{AD4784ED-3608-4E69-92EA-F57E5EAD0EB2}"/>
+              </a:ext>
+            </a:extLst>
+          </p:cNvPr>
+          <p:cNvSpPr>
+            <a:spLocks noGrp="1"/>
+          </p:cNvSpPr>
+          <p:nvPr>
+            <p:ph type="body" sz="quarter" idx="10"/>
+          </p:nvPr>
+        </p:nvSpPr>
+        <p:spPr/>
+        <p:txBody>
+          <a:bodyPr/>
+          <a:lstStyle/>
+          <a:p>
+            <a:r>
+              <a:rPr lang="en-US" dirty="0"/>
+              <a:t>Example in 2DoF Robot </a:t>
+            </a:r>
+          </a:p>
+        </p:txBody>
+      </p:sp>
+      <p:sp>
+        <p:nvSpPr>
+          <p:cNvPr id="2" name="Rectangle 1">
+            <a:extLst>
+              <a:ext uri="{FF2B5EF4-FFF2-40B4-BE49-F238E27FC236}">
+                <a16:creationId xmlns:a16="http://schemas.microsoft.com/office/drawing/2014/main" id="{F194B519-4FBA-4EAF-8AD7-327B9BACBECC}"/>
+              </a:ext>
+            </a:extLst>
+          </p:cNvPr>
+          <p:cNvSpPr/>
+          <p:nvPr/>
+        </p:nvSpPr>
+        <p:spPr>
+          <a:xfrm>
+            <a:off x="152400" y="1143000"/>
+            <a:ext cx="8839200" cy="5562600"/>
+          </a:xfrm>
+          <a:prstGeom prst="rect">
+            <a:avLst/>
+          </a:prstGeom>
+        </p:spPr>
+        <p:style>
+          <a:lnRef idx="2">
+            <a:schemeClr val="dk1"/>
+          </a:lnRef>
+          <a:fillRef idx="1">
+            <a:schemeClr val="lt1"/>
+          </a:fillRef>
+          <a:effectRef idx="0">
+            <a:schemeClr val="dk1"/>
+          </a:effectRef>
+          <a:fontRef idx="minor">
+            <a:schemeClr val="dk1"/>
+          </a:fontRef>
+        </p:style>
+        <p:txBody>
+          <a:bodyPr rtlCol="0" anchor="ctr"/>
+          <a:lstStyle/>
+          <a:p>
+            <a:pPr algn="ctr"/>
+            <a:endParaRPr lang="en-US"/>
+          </a:p>
+        </p:txBody>
+      </p:sp>
+      <p:pic>
+        <p:nvPicPr>
+          <p:cNvPr id="5" name="Picture 4">
+            <a:extLst>
+              <a:ext uri="{FF2B5EF4-FFF2-40B4-BE49-F238E27FC236}">
+                <a16:creationId xmlns:a16="http://schemas.microsoft.com/office/drawing/2014/main" id="{F14280DE-1D35-494D-95E1-86191A87D5B2}"/>
+              </a:ext>
+            </a:extLst>
+          </p:cNvPr>
+          <p:cNvPicPr>
+            <a:picLocks noChangeAspect="1"/>
+          </p:cNvPicPr>
+          <p:nvPr/>
+        </p:nvPicPr>
+        <p:blipFill>
+          <a:blip r:embed="rId2"/>
+          <a:stretch>
+            <a:fillRect/>
+          </a:stretch>
+        </p:blipFill>
+        <p:spPr>
+          <a:xfrm>
+            <a:off x="341745" y="1485900"/>
+            <a:ext cx="8460509" cy="4876800"/>
+          </a:xfrm>
+          <a:prstGeom prst="rect">
+            <a:avLst/>
+          </a:prstGeom>
+        </p:spPr>
+      </p:pic>
+    </p:spTree>
+    <p:extLst>
+      <p:ext uri="{BB962C8B-B14F-4D97-AF65-F5344CB8AC3E}">
+        <p14:creationId xmlns:p14="http://schemas.microsoft.com/office/powerpoint/2010/main" val="2210790222"/>
+      </p:ext>
+    </p:extLst>
+  </p:cSld>
+  <p:clrMapOvr>
+    <a:masterClrMapping/>
+  </p:clrMapOvr>
+  <p:timing>
+    <p:tnLst>
+      <p:par>
+        <p:cTn id="1" dur="indefinite" restart="never" nodeType="tmRoot">
+          <p:childTnLst>
+            <p:seq concurrent="1" nextAc="seek">
+              <p:cTn id="2" dur="indefinite" nodeType="mainSeq">
+                <p:childTnLst>
+                  <p:par>
+                    <p:cTn id="3" fill="hold">
+                      <p:stCondLst>
+                        <p:cond delay="indefinite"/>
+                      </p:stCondLst>
+                      <p:childTnLst>
+                        <p:par>
+                          <p:cTn id="4" fill="hold">
+                            <p:stCondLst>
+                              <p:cond delay="0"/>
+                            </p:stCondLst>
+                            <p:childTnLst>
+                              <p:par>
+                                <p:cTn id="5" presetID="10" presetClass="entr" presetSubtype="0" fill="hold" nodeType="clickEffect">
+                                  <p:stCondLst>
+                                    <p:cond delay="0"/>
+                                  </p:stCondLst>
+                                  <p:childTnLst>
+                                    <p:set>
+                                      <p:cBhvr>
+                                        <p:cTn id="6" dur="1" fill="hold">
+                                          <p:stCondLst>
+                                            <p:cond delay="0"/>
+                                          </p:stCondLst>
+                                        </p:cTn>
+                                        <p:tgtEl>
+                                          <p:spTgt spid="5"/>
+                                        </p:tgtEl>
+                                        <p:attrNameLst>
+                                          <p:attrName>style.visibility</p:attrName>
+                                        </p:attrNameLst>
+                                      </p:cBhvr>
+                                      <p:to>
+                                        <p:strVal val="visible"/>
+                                      </p:to>
+                                    </p:set>
+                                    <p:animEffect transition="in" filter="fade">
+                                      <p:cBhvr>
+                                        <p:cTn id="7" dur="500"/>
+                                        <p:tgtEl>
+                                          <p:spTgt spid="5"/>
+                                        </p:tgtEl>
+                                      </p:cBhvr>
+                                    </p:animEffect>
+                                  </p:childTnLst>
+                                </p:cTn>
+                              </p:par>
+                            </p:childTnLst>
+                          </p:cTn>
+                        </p:par>
+                      </p:childTnLst>
+                    </p:cTn>
+                  </p:par>
+                </p:childTnLst>
+              </p:cTn>
+              <p:prevCondLst>
+                <p:cond evt="onPrev" delay="0">
+                  <p:tgtEl>
+                    <p:sldTgt/>
+                  </p:tgtEl>
+                </p:cond>
+              </p:prevCondLst>
+              <p:nextCondLst>
+                <p:cond evt="onNext" delay="0">
+                  <p:tgtEl>
+                    <p:sldTgt/>
+                  </p:tgtEl>
+                </p:cond>
+              </p:nextCondLst>
+            </p:seq>
+          </p:childTnLst>
+        </p:cTn>
+      </p:par>
+    </p:tnLst>
+  </p:timing>
+</p:sld>
+</file>
+
+<file path=ppt/slides/slide15.xml><?xml version="1.0" encoding="utf-8"?>
 <p:sld xmlns:a="http://schemas.openxmlformats.org/drawingml/2006/main" xmlns:r="http://schemas.openxmlformats.org/officeDocument/2006/relationships" xmlns:p="http://schemas.openxmlformats.org/presentationml/2006/main">
   <p:cSld>
     <p:spTree>
@@ -5231,7 +5672,7 @@
 </p:sld>
 </file>
 
-<file path=ppt/slides/slide14.xml><?xml version="1.0" encoding="utf-8"?>
+<file path=ppt/slides/slide16.xml><?xml version="1.0" encoding="utf-8"?>
 <p:sld xmlns:a="http://schemas.openxmlformats.org/drawingml/2006/main" xmlns:r="http://schemas.openxmlformats.org/officeDocument/2006/relationships" xmlns:p="http://schemas.openxmlformats.org/presentationml/2006/main">
   <p:cSld>
     <p:spTree>
@@ -5511,7 +5952,7 @@
 </p:sld>
 </file>
 
-<file path=ppt/slides/slide15.xml><?xml version="1.0" encoding="utf-8"?>
+<file path=ppt/slides/slide17.xml><?xml version="1.0" encoding="utf-8"?>
 <p:sld xmlns:a="http://schemas.openxmlformats.org/drawingml/2006/main" xmlns:r="http://schemas.openxmlformats.org/officeDocument/2006/relationships" xmlns:p="http://schemas.openxmlformats.org/presentationml/2006/main" show="0">
   <p:cSld>
     <p:spTree>
@@ -5673,7 +6114,7 @@
 </p:sld>
 </file>
 
-<file path=ppt/slides/slide16.xml><?xml version="1.0" encoding="utf-8"?>
+<file path=ppt/slides/slide18.xml><?xml version="1.0" encoding="utf-8"?>
 <p:sld xmlns:a="http://schemas.openxmlformats.org/drawingml/2006/main" xmlns:r="http://schemas.openxmlformats.org/officeDocument/2006/relationships" xmlns:p="http://schemas.openxmlformats.org/presentationml/2006/main" show="0">
   <p:cSld>
     <p:spTree>
@@ -5835,7 +6276,7 @@
 </p:sld>
 </file>
 
-<file path=ppt/slides/slide17.xml><?xml version="1.0" encoding="utf-8"?>
+<file path=ppt/slides/slide19.xml><?xml version="1.0" encoding="utf-8"?>
 <p:sld xmlns:a="http://schemas.openxmlformats.org/drawingml/2006/main" xmlns:r="http://schemas.openxmlformats.org/officeDocument/2006/relationships" xmlns:p="http://schemas.openxmlformats.org/presentationml/2006/main">
   <p:cSld>
     <p:spTree>
@@ -5988,632 +6429,6 @@
     <p:extLst>
       <p:ext uri="{BB962C8B-B14F-4D97-AF65-F5344CB8AC3E}">
         <p14:creationId xmlns:p14="http://schemas.microsoft.com/office/powerpoint/2010/main" val="2625675923"/>
-      </p:ext>
-    </p:extLst>
-  </p:cSld>
-  <p:clrMapOvr>
-    <a:masterClrMapping/>
-  </p:clrMapOvr>
-</p:sld>
-</file>
-
-<file path=ppt/slides/slide18.xml><?xml version="1.0" encoding="utf-8"?>
-<p:sld xmlns:a="http://schemas.openxmlformats.org/drawingml/2006/main" xmlns:r="http://schemas.openxmlformats.org/officeDocument/2006/relationships" xmlns:p="http://schemas.openxmlformats.org/presentationml/2006/main">
-  <p:cSld>
-    <p:spTree>
-      <p:nvGrpSpPr>
-        <p:cNvPr id="1" name=""/>
-        <p:cNvGrpSpPr/>
-        <p:nvPr/>
-      </p:nvGrpSpPr>
-      <p:grpSpPr>
-        <a:xfrm>
-          <a:off x="0" y="0"/>
-          <a:ext cx="0" cy="0"/>
-          <a:chOff x="0" y="0"/>
-          <a:chExt cx="0" cy="0"/>
-        </a:xfrm>
-      </p:grpSpPr>
-      <p:sp>
-        <p:nvSpPr>
-          <p:cNvPr id="7" name="Text Placeholder 6">
-            <a:extLst>
-              <a:ext uri="{FF2B5EF4-FFF2-40B4-BE49-F238E27FC236}">
-                <a16:creationId xmlns:a16="http://schemas.microsoft.com/office/drawing/2014/main" id="{AD4784ED-3608-4E69-92EA-F57E5EAD0EB2}"/>
-              </a:ext>
-            </a:extLst>
-          </p:cNvPr>
-          <p:cNvSpPr>
-            <a:spLocks noGrp="1"/>
-          </p:cNvSpPr>
-          <p:nvPr>
-            <p:ph type="body" sz="quarter" idx="10"/>
-          </p:nvPr>
-        </p:nvSpPr>
-        <p:spPr/>
-        <p:txBody>
-          <a:bodyPr/>
-          <a:lstStyle/>
-          <a:p>
-            <a:r>
-              <a:rPr lang="en-US" dirty="0"/>
-              <a:t>Example in 3DoF Robot </a:t>
-            </a:r>
-          </a:p>
-        </p:txBody>
-      </p:sp>
-      <p:sp>
-        <p:nvSpPr>
-          <p:cNvPr id="2" name="Rectangle 1">
-            <a:extLst>
-              <a:ext uri="{FF2B5EF4-FFF2-40B4-BE49-F238E27FC236}">
-                <a16:creationId xmlns:a16="http://schemas.microsoft.com/office/drawing/2014/main" id="{F194B519-4FBA-4EAF-8AD7-327B9BACBECC}"/>
-              </a:ext>
-            </a:extLst>
-          </p:cNvPr>
-          <p:cNvSpPr/>
-          <p:nvPr/>
-        </p:nvSpPr>
-        <p:spPr>
-          <a:xfrm>
-            <a:off x="152400" y="1143000"/>
-            <a:ext cx="8839200" cy="5562600"/>
-          </a:xfrm>
-          <a:prstGeom prst="rect">
-            <a:avLst/>
-          </a:prstGeom>
-        </p:spPr>
-        <p:style>
-          <a:lnRef idx="2">
-            <a:schemeClr val="dk1"/>
-          </a:lnRef>
-          <a:fillRef idx="1">
-            <a:schemeClr val="lt1"/>
-          </a:fillRef>
-          <a:effectRef idx="0">
-            <a:schemeClr val="dk1"/>
-          </a:effectRef>
-          <a:fontRef idx="minor">
-            <a:schemeClr val="dk1"/>
-          </a:fontRef>
-        </p:style>
-        <p:txBody>
-          <a:bodyPr rtlCol="0" anchor="ctr"/>
-          <a:lstStyle/>
-          <a:p>
-            <a:pPr algn="ctr"/>
-            <a:endParaRPr lang="en-US"/>
-          </a:p>
-        </p:txBody>
-      </p:sp>
-      <p:pic>
-        <p:nvPicPr>
-          <p:cNvPr id="3" name="Picture 2">
-            <a:extLst>
-              <a:ext uri="{FF2B5EF4-FFF2-40B4-BE49-F238E27FC236}">
-                <a16:creationId xmlns:a16="http://schemas.microsoft.com/office/drawing/2014/main" id="{68802AFF-2710-4B6C-9C21-0B5B006B6C35}"/>
-              </a:ext>
-            </a:extLst>
-          </p:cNvPr>
-          <p:cNvPicPr>
-            <a:picLocks noChangeAspect="1"/>
-          </p:cNvPicPr>
-          <p:nvPr/>
-        </p:nvPicPr>
-        <p:blipFill>
-          <a:blip r:embed="rId2"/>
-          <a:stretch>
-            <a:fillRect/>
-          </a:stretch>
-        </p:blipFill>
-        <p:spPr>
-          <a:xfrm>
-            <a:off x="304800" y="1307190"/>
-            <a:ext cx="8039269" cy="2073019"/>
-          </a:xfrm>
-          <a:prstGeom prst="rect">
-            <a:avLst/>
-          </a:prstGeom>
-        </p:spPr>
-      </p:pic>
-      <p:pic>
-        <p:nvPicPr>
-          <p:cNvPr id="4" name="Picture 3">
-            <a:extLst>
-              <a:ext uri="{FF2B5EF4-FFF2-40B4-BE49-F238E27FC236}">
-                <a16:creationId xmlns:a16="http://schemas.microsoft.com/office/drawing/2014/main" id="{2D4E6167-96CD-4303-BCCB-8963B7280AE2}"/>
-              </a:ext>
-            </a:extLst>
-          </p:cNvPr>
-          <p:cNvPicPr>
-            <a:picLocks noChangeAspect="1"/>
-          </p:cNvPicPr>
-          <p:nvPr/>
-        </p:nvPicPr>
-        <p:blipFill>
-          <a:blip r:embed="rId3"/>
-          <a:stretch>
-            <a:fillRect/>
-          </a:stretch>
-        </p:blipFill>
-        <p:spPr>
-          <a:xfrm>
-            <a:off x="2026107" y="3863758"/>
-            <a:ext cx="4596654" cy="2133600"/>
-          </a:xfrm>
-          <a:prstGeom prst="rect">
-            <a:avLst/>
-          </a:prstGeom>
-        </p:spPr>
-      </p:pic>
-      <p:pic>
-        <p:nvPicPr>
-          <p:cNvPr id="5" name="Picture 4">
-            <a:extLst>
-              <a:ext uri="{FF2B5EF4-FFF2-40B4-BE49-F238E27FC236}">
-                <a16:creationId xmlns:a16="http://schemas.microsoft.com/office/drawing/2014/main" id="{057E34F0-B83A-4ADD-BA7E-0D4AAADA992C}"/>
-              </a:ext>
-            </a:extLst>
-          </p:cNvPr>
-          <p:cNvPicPr>
-            <a:picLocks noChangeAspect="1"/>
-          </p:cNvPicPr>
-          <p:nvPr/>
-        </p:nvPicPr>
-        <p:blipFill>
-          <a:blip r:embed="rId4"/>
-          <a:stretch>
-            <a:fillRect/>
-          </a:stretch>
-        </p:blipFill>
-        <p:spPr>
-          <a:xfrm>
-            <a:off x="1831504" y="3689454"/>
-            <a:ext cx="5185620" cy="2340263"/>
-          </a:xfrm>
-          <a:prstGeom prst="rect">
-            <a:avLst/>
-          </a:prstGeom>
-        </p:spPr>
-      </p:pic>
-      <p:pic>
-        <p:nvPicPr>
-          <p:cNvPr id="9" name="Picture 8">
-            <a:extLst>
-              <a:ext uri="{FF2B5EF4-FFF2-40B4-BE49-F238E27FC236}">
-                <a16:creationId xmlns:a16="http://schemas.microsoft.com/office/drawing/2014/main" id="{2E387117-4343-4860-90A9-8DEBE4793CB2}"/>
-              </a:ext>
-            </a:extLst>
-          </p:cNvPr>
-          <p:cNvPicPr>
-            <a:picLocks noChangeAspect="1"/>
-          </p:cNvPicPr>
-          <p:nvPr/>
-        </p:nvPicPr>
-        <p:blipFill>
-          <a:blip r:embed="rId5"/>
-          <a:stretch>
-            <a:fillRect/>
-          </a:stretch>
-        </p:blipFill>
-        <p:spPr>
-          <a:xfrm>
-            <a:off x="2054038" y="3709287"/>
-            <a:ext cx="4963086" cy="2265032"/>
-          </a:xfrm>
-          <a:prstGeom prst="rect">
-            <a:avLst/>
-          </a:prstGeom>
-        </p:spPr>
-      </p:pic>
-    </p:spTree>
-    <p:extLst>
-      <p:ext uri="{BB962C8B-B14F-4D97-AF65-F5344CB8AC3E}">
-        <p14:creationId xmlns:p14="http://schemas.microsoft.com/office/powerpoint/2010/main" val="2138227001"/>
-      </p:ext>
-    </p:extLst>
-  </p:cSld>
-  <p:clrMapOvr>
-    <a:masterClrMapping/>
-  </p:clrMapOvr>
-  <p:timing>
-    <p:tnLst>
-      <p:par>
-        <p:cTn id="1" dur="indefinite" restart="never" nodeType="tmRoot">
-          <p:childTnLst>
-            <p:seq concurrent="1" nextAc="seek">
-              <p:cTn id="2" dur="indefinite" nodeType="mainSeq">
-                <p:childTnLst>
-                  <p:par>
-                    <p:cTn id="3" fill="hold">
-                      <p:stCondLst>
-                        <p:cond delay="indefinite"/>
-                      </p:stCondLst>
-                      <p:childTnLst>
-                        <p:par>
-                          <p:cTn id="4" fill="hold">
-                            <p:stCondLst>
-                              <p:cond delay="0"/>
-                            </p:stCondLst>
-                            <p:childTnLst>
-                              <p:par>
-                                <p:cTn id="5" presetID="10" presetClass="entr" presetSubtype="0" fill="hold" nodeType="clickEffect">
-                                  <p:stCondLst>
-                                    <p:cond delay="0"/>
-                                  </p:stCondLst>
-                                  <p:childTnLst>
-                                    <p:set>
-                                      <p:cBhvr>
-                                        <p:cTn id="6" dur="1" fill="hold">
-                                          <p:stCondLst>
-                                            <p:cond delay="0"/>
-                                          </p:stCondLst>
-                                        </p:cTn>
-                                        <p:tgtEl>
-                                          <p:spTgt spid="3"/>
-                                        </p:tgtEl>
-                                        <p:attrNameLst>
-                                          <p:attrName>style.visibility</p:attrName>
-                                        </p:attrNameLst>
-                                      </p:cBhvr>
-                                      <p:to>
-                                        <p:strVal val="visible"/>
-                                      </p:to>
-                                    </p:set>
-                                    <p:animEffect transition="in" filter="fade">
-                                      <p:cBhvr>
-                                        <p:cTn id="7" dur="500"/>
-                                        <p:tgtEl>
-                                          <p:spTgt spid="3"/>
-                                        </p:tgtEl>
-                                      </p:cBhvr>
-                                    </p:animEffect>
-                                  </p:childTnLst>
-                                </p:cTn>
-                              </p:par>
-                            </p:childTnLst>
-                          </p:cTn>
-                        </p:par>
-                      </p:childTnLst>
-                    </p:cTn>
-                  </p:par>
-                  <p:par>
-                    <p:cTn id="8" fill="hold">
-                      <p:stCondLst>
-                        <p:cond delay="indefinite"/>
-                      </p:stCondLst>
-                      <p:childTnLst>
-                        <p:par>
-                          <p:cTn id="9" fill="hold">
-                            <p:stCondLst>
-                              <p:cond delay="0"/>
-                            </p:stCondLst>
-                            <p:childTnLst>
-                              <p:par>
-                                <p:cTn id="10" presetID="10" presetClass="entr" presetSubtype="0" fill="hold" nodeType="clickEffect">
-                                  <p:stCondLst>
-                                    <p:cond delay="0"/>
-                                  </p:stCondLst>
-                                  <p:childTnLst>
-                                    <p:set>
-                                      <p:cBhvr>
-                                        <p:cTn id="11" dur="1" fill="hold">
-                                          <p:stCondLst>
-                                            <p:cond delay="0"/>
-                                          </p:stCondLst>
-                                        </p:cTn>
-                                        <p:tgtEl>
-                                          <p:spTgt spid="4"/>
-                                        </p:tgtEl>
-                                        <p:attrNameLst>
-                                          <p:attrName>style.visibility</p:attrName>
-                                        </p:attrNameLst>
-                                      </p:cBhvr>
-                                      <p:to>
-                                        <p:strVal val="visible"/>
-                                      </p:to>
-                                    </p:set>
-                                    <p:animEffect transition="in" filter="fade">
-                                      <p:cBhvr>
-                                        <p:cTn id="12" dur="500"/>
-                                        <p:tgtEl>
-                                          <p:spTgt spid="4"/>
-                                        </p:tgtEl>
-                                      </p:cBhvr>
-                                    </p:animEffect>
-                                  </p:childTnLst>
-                                </p:cTn>
-                              </p:par>
-                            </p:childTnLst>
-                          </p:cTn>
-                        </p:par>
-                      </p:childTnLst>
-                    </p:cTn>
-                  </p:par>
-                  <p:par>
-                    <p:cTn id="13" fill="hold">
-                      <p:stCondLst>
-                        <p:cond delay="indefinite"/>
-                      </p:stCondLst>
-                      <p:childTnLst>
-                        <p:par>
-                          <p:cTn id="14" fill="hold">
-                            <p:stCondLst>
-                              <p:cond delay="0"/>
-                            </p:stCondLst>
-                            <p:childTnLst>
-                              <p:par>
-                                <p:cTn id="15" presetID="10" presetClass="entr" presetSubtype="0" fill="hold" nodeType="clickEffect">
-                                  <p:stCondLst>
-                                    <p:cond delay="0"/>
-                                  </p:stCondLst>
-                                  <p:childTnLst>
-                                    <p:set>
-                                      <p:cBhvr>
-                                        <p:cTn id="16" dur="1" fill="hold">
-                                          <p:stCondLst>
-                                            <p:cond delay="0"/>
-                                          </p:stCondLst>
-                                        </p:cTn>
-                                        <p:tgtEl>
-                                          <p:spTgt spid="5"/>
-                                        </p:tgtEl>
-                                        <p:attrNameLst>
-                                          <p:attrName>style.visibility</p:attrName>
-                                        </p:attrNameLst>
-                                      </p:cBhvr>
-                                      <p:to>
-                                        <p:strVal val="visible"/>
-                                      </p:to>
-                                    </p:set>
-                                    <p:animEffect transition="in" filter="fade">
-                                      <p:cBhvr>
-                                        <p:cTn id="17" dur="500"/>
-                                        <p:tgtEl>
-                                          <p:spTgt spid="5"/>
-                                        </p:tgtEl>
-                                      </p:cBhvr>
-                                    </p:animEffect>
-                                  </p:childTnLst>
-                                </p:cTn>
-                              </p:par>
-                            </p:childTnLst>
-                          </p:cTn>
-                        </p:par>
-                      </p:childTnLst>
-                    </p:cTn>
-                  </p:par>
-                  <p:par>
-                    <p:cTn id="18" fill="hold">
-                      <p:stCondLst>
-                        <p:cond delay="indefinite"/>
-                      </p:stCondLst>
-                      <p:childTnLst>
-                        <p:par>
-                          <p:cTn id="19" fill="hold">
-                            <p:stCondLst>
-                              <p:cond delay="0"/>
-                            </p:stCondLst>
-                            <p:childTnLst>
-                              <p:par>
-                                <p:cTn id="20" presetID="10" presetClass="entr" presetSubtype="0" fill="hold" nodeType="clickEffect">
-                                  <p:stCondLst>
-                                    <p:cond delay="0"/>
-                                  </p:stCondLst>
-                                  <p:childTnLst>
-                                    <p:set>
-                                      <p:cBhvr>
-                                        <p:cTn id="21" dur="1" fill="hold">
-                                          <p:stCondLst>
-                                            <p:cond delay="0"/>
-                                          </p:stCondLst>
-                                        </p:cTn>
-                                        <p:tgtEl>
-                                          <p:spTgt spid="9"/>
-                                        </p:tgtEl>
-                                        <p:attrNameLst>
-                                          <p:attrName>style.visibility</p:attrName>
-                                        </p:attrNameLst>
-                                      </p:cBhvr>
-                                      <p:to>
-                                        <p:strVal val="visible"/>
-                                      </p:to>
-                                    </p:set>
-                                    <p:animEffect transition="in" filter="fade">
-                                      <p:cBhvr>
-                                        <p:cTn id="22" dur="500"/>
-                                        <p:tgtEl>
-                                          <p:spTgt spid="9"/>
-                                        </p:tgtEl>
-                                      </p:cBhvr>
-                                    </p:animEffect>
-                                  </p:childTnLst>
-                                </p:cTn>
-                              </p:par>
-                            </p:childTnLst>
-                          </p:cTn>
-                        </p:par>
-                      </p:childTnLst>
-                    </p:cTn>
-                  </p:par>
-                </p:childTnLst>
-              </p:cTn>
-              <p:prevCondLst>
-                <p:cond evt="onPrev" delay="0">
-                  <p:tgtEl>
-                    <p:sldTgt/>
-                  </p:tgtEl>
-                </p:cond>
-              </p:prevCondLst>
-              <p:nextCondLst>
-                <p:cond evt="onNext" delay="0">
-                  <p:tgtEl>
-                    <p:sldTgt/>
-                  </p:tgtEl>
-                </p:cond>
-              </p:nextCondLst>
-            </p:seq>
-          </p:childTnLst>
-        </p:cTn>
-      </p:par>
-    </p:tnLst>
-  </p:timing>
-</p:sld>
-</file>
-
-<file path=ppt/slides/slide19.xml><?xml version="1.0" encoding="utf-8"?>
-<p:sld xmlns:a="http://schemas.openxmlformats.org/drawingml/2006/main" xmlns:r="http://schemas.openxmlformats.org/officeDocument/2006/relationships" xmlns:p="http://schemas.openxmlformats.org/presentationml/2006/main">
-  <p:cSld>
-    <p:spTree>
-      <p:nvGrpSpPr>
-        <p:cNvPr id="1" name=""/>
-        <p:cNvGrpSpPr/>
-        <p:nvPr/>
-      </p:nvGrpSpPr>
-      <p:grpSpPr>
-        <a:xfrm>
-          <a:off x="0" y="0"/>
-          <a:ext cx="0" cy="0"/>
-          <a:chOff x="0" y="0"/>
-          <a:chExt cx="0" cy="0"/>
-        </a:xfrm>
-      </p:grpSpPr>
-      <p:sp>
-        <p:nvSpPr>
-          <p:cNvPr id="7" name="Text Placeholder 6">
-            <a:extLst>
-              <a:ext uri="{FF2B5EF4-FFF2-40B4-BE49-F238E27FC236}">
-                <a16:creationId xmlns:a16="http://schemas.microsoft.com/office/drawing/2014/main" id="{AD4784ED-3608-4E69-92EA-F57E5EAD0EB2}"/>
-              </a:ext>
-            </a:extLst>
-          </p:cNvPr>
-          <p:cNvSpPr>
-            <a:spLocks noGrp="1"/>
-          </p:cNvSpPr>
-          <p:nvPr>
-            <p:ph type="body" sz="quarter" idx="10"/>
-          </p:nvPr>
-        </p:nvSpPr>
-        <p:spPr/>
-        <p:txBody>
-          <a:bodyPr/>
-          <a:lstStyle/>
-          <a:p>
-            <a:r>
-              <a:rPr lang="en-US" dirty="0"/>
-              <a:t>Example in 3DoF Robot </a:t>
-            </a:r>
-          </a:p>
-        </p:txBody>
-      </p:sp>
-      <p:sp>
-        <p:nvSpPr>
-          <p:cNvPr id="2" name="Rectangle 1">
-            <a:extLst>
-              <a:ext uri="{FF2B5EF4-FFF2-40B4-BE49-F238E27FC236}">
-                <a16:creationId xmlns:a16="http://schemas.microsoft.com/office/drawing/2014/main" id="{F194B519-4FBA-4EAF-8AD7-327B9BACBECC}"/>
-              </a:ext>
-            </a:extLst>
-          </p:cNvPr>
-          <p:cNvSpPr/>
-          <p:nvPr/>
-        </p:nvSpPr>
-        <p:spPr>
-          <a:xfrm>
-            <a:off x="152400" y="1143000"/>
-            <a:ext cx="8839200" cy="5562600"/>
-          </a:xfrm>
-          <a:prstGeom prst="rect">
-            <a:avLst/>
-          </a:prstGeom>
-        </p:spPr>
-        <p:style>
-          <a:lnRef idx="2">
-            <a:schemeClr val="dk1"/>
-          </a:lnRef>
-          <a:fillRef idx="1">
-            <a:schemeClr val="lt1"/>
-          </a:fillRef>
-          <a:effectRef idx="0">
-            <a:schemeClr val="dk1"/>
-          </a:effectRef>
-          <a:fontRef idx="minor">
-            <a:schemeClr val="dk1"/>
-          </a:fontRef>
-        </p:style>
-        <p:txBody>
-          <a:bodyPr rtlCol="0" anchor="ctr"/>
-          <a:lstStyle/>
-          <a:p>
-            <a:pPr algn="ctr"/>
-            <a:endParaRPr lang="en-US"/>
-          </a:p>
-        </p:txBody>
-      </p:sp>
-      <p:pic>
-        <p:nvPicPr>
-          <p:cNvPr id="4" name="Picture 3">
-            <a:extLst>
-              <a:ext uri="{FF2B5EF4-FFF2-40B4-BE49-F238E27FC236}">
-                <a16:creationId xmlns:a16="http://schemas.microsoft.com/office/drawing/2014/main" id="{F76E9B6C-A122-4D5F-B2C5-0E5AE25E9F2D}"/>
-              </a:ext>
-            </a:extLst>
-          </p:cNvPr>
-          <p:cNvPicPr>
-            <a:picLocks noChangeAspect="1"/>
-          </p:cNvPicPr>
-          <p:nvPr/>
-        </p:nvPicPr>
-        <p:blipFill>
-          <a:blip r:embed="rId2"/>
-          <a:stretch>
-            <a:fillRect/>
-          </a:stretch>
-        </p:blipFill>
-        <p:spPr>
-          <a:xfrm>
-            <a:off x="2971800" y="1566182"/>
-            <a:ext cx="2895600" cy="982436"/>
-          </a:xfrm>
-          <a:prstGeom prst="rect">
-            <a:avLst/>
-          </a:prstGeom>
-        </p:spPr>
-      </p:pic>
-      <p:pic>
-        <p:nvPicPr>
-          <p:cNvPr id="3" name="Picture 2">
-            <a:extLst>
-              <a:ext uri="{FF2B5EF4-FFF2-40B4-BE49-F238E27FC236}">
-                <a16:creationId xmlns:a16="http://schemas.microsoft.com/office/drawing/2014/main" id="{6EFE784C-036C-4083-A4CA-6757EB670A1B}"/>
-              </a:ext>
-            </a:extLst>
-          </p:cNvPr>
-          <p:cNvPicPr>
-            <a:picLocks noChangeAspect="1"/>
-          </p:cNvPicPr>
-          <p:nvPr/>
-        </p:nvPicPr>
-        <p:blipFill>
-          <a:blip r:embed="rId3"/>
-          <a:stretch>
-            <a:fillRect/>
-          </a:stretch>
-        </p:blipFill>
-        <p:spPr>
-          <a:xfrm>
-            <a:off x="449272" y="2971800"/>
-            <a:ext cx="8245456" cy="3129754"/>
-          </a:xfrm>
-          <a:prstGeom prst="rect">
-            <a:avLst/>
-          </a:prstGeom>
-        </p:spPr>
-      </p:pic>
-    </p:spTree>
-    <p:extLst>
-      <p:ext uri="{BB962C8B-B14F-4D97-AF65-F5344CB8AC3E}">
-        <p14:creationId xmlns:p14="http://schemas.microsoft.com/office/powerpoint/2010/main" val="320387001"/>
       </p:ext>
     </p:extLst>
   </p:cSld>
@@ -7120,6 +6935,252 @@
       </p:grpSpPr>
       <p:sp>
         <p:nvSpPr>
+          <p:cNvPr id="2" name="Text Placeholder 1">
+            <a:extLst>
+              <a:ext uri="{FF2B5EF4-FFF2-40B4-BE49-F238E27FC236}">
+                <a16:creationId xmlns:a16="http://schemas.microsoft.com/office/drawing/2014/main" id="{F6CBCC5D-580B-40D6-BA5F-F07C5189DB23}"/>
+              </a:ext>
+            </a:extLst>
+          </p:cNvPr>
+          <p:cNvSpPr>
+            <a:spLocks noGrp="1"/>
+          </p:cNvSpPr>
+          <p:nvPr>
+            <p:ph type="body" sz="quarter" idx="10"/>
+          </p:nvPr>
+        </p:nvSpPr>
+        <p:spPr/>
+        <p:txBody>
+          <a:bodyPr/>
+          <a:lstStyle/>
+          <a:p>
+            <a:endParaRPr lang="en-US"/>
+          </a:p>
+        </p:txBody>
+      </p:sp>
+      <p:sp>
+        <p:nvSpPr>
+          <p:cNvPr id="3" name="Text Placeholder 2">
+            <a:extLst>
+              <a:ext uri="{FF2B5EF4-FFF2-40B4-BE49-F238E27FC236}">
+                <a16:creationId xmlns:a16="http://schemas.microsoft.com/office/drawing/2014/main" id="{838D972D-F579-49F4-BFFC-3E665D9469DD}"/>
+              </a:ext>
+            </a:extLst>
+          </p:cNvPr>
+          <p:cNvSpPr>
+            <a:spLocks noGrp="1"/>
+          </p:cNvSpPr>
+          <p:nvPr>
+            <p:ph type="body" sz="quarter" idx="11"/>
+          </p:nvPr>
+        </p:nvSpPr>
+        <p:spPr/>
+        <p:txBody>
+          <a:bodyPr/>
+          <a:lstStyle/>
+          <a:p>
+            <a:endParaRPr lang="en-US"/>
+          </a:p>
+        </p:txBody>
+      </p:sp>
+      <p:pic>
+        <p:nvPicPr>
+          <p:cNvPr id="4" name="Picture 3">
+            <a:extLst>
+              <a:ext uri="{FF2B5EF4-FFF2-40B4-BE49-F238E27FC236}">
+                <a16:creationId xmlns:a16="http://schemas.microsoft.com/office/drawing/2014/main" id="{0878F0DE-5DA0-4D0D-AA72-0E98A11B351F}"/>
+              </a:ext>
+            </a:extLst>
+          </p:cNvPr>
+          <p:cNvPicPr>
+            <a:picLocks noChangeAspect="1"/>
+          </p:cNvPicPr>
+          <p:nvPr/>
+        </p:nvPicPr>
+        <p:blipFill>
+          <a:blip r:embed="rId2"/>
+          <a:stretch>
+            <a:fillRect/>
+          </a:stretch>
+        </p:blipFill>
+        <p:spPr>
+          <a:xfrm>
+            <a:off x="304800" y="857375"/>
+            <a:ext cx="8610600" cy="5863600"/>
+          </a:xfrm>
+          <a:prstGeom prst="rect">
+            <a:avLst/>
+          </a:prstGeom>
+        </p:spPr>
+      </p:pic>
+    </p:spTree>
+    <p:extLst>
+      <p:ext uri="{BB962C8B-B14F-4D97-AF65-F5344CB8AC3E}">
+        <p14:creationId xmlns:p14="http://schemas.microsoft.com/office/powerpoint/2010/main" val="2526672258"/>
+      </p:ext>
+    </p:extLst>
+  </p:cSld>
+  <p:clrMapOvr>
+    <a:masterClrMapping/>
+  </p:clrMapOvr>
+  <p:timing>
+    <p:tnLst>
+      <p:par>
+        <p:cTn id="1" dur="indefinite" restart="never" nodeType="tmRoot">
+          <p:childTnLst>
+            <p:seq concurrent="1" nextAc="seek">
+              <p:cTn id="2" dur="indefinite" nodeType="mainSeq">
+                <p:childTnLst>
+                  <p:par>
+                    <p:cTn id="3" fill="hold">
+                      <p:stCondLst>
+                        <p:cond delay="indefinite"/>
+                      </p:stCondLst>
+                      <p:childTnLst>
+                        <p:par>
+                          <p:cTn id="4" fill="hold">
+                            <p:stCondLst>
+                              <p:cond delay="0"/>
+                            </p:stCondLst>
+                            <p:childTnLst>
+                              <p:par>
+                                <p:cTn id="5" presetID="10" presetClass="entr" presetSubtype="0" fill="hold" nodeType="clickEffect">
+                                  <p:stCondLst>
+                                    <p:cond delay="0"/>
+                                  </p:stCondLst>
+                                  <p:childTnLst>
+                                    <p:set>
+                                      <p:cBhvr>
+                                        <p:cTn id="6" dur="1" fill="hold">
+                                          <p:stCondLst>
+                                            <p:cond delay="0"/>
+                                          </p:stCondLst>
+                                        </p:cTn>
+                                        <p:tgtEl>
+                                          <p:spTgt spid="4"/>
+                                        </p:tgtEl>
+                                        <p:attrNameLst>
+                                          <p:attrName>style.visibility</p:attrName>
+                                        </p:attrNameLst>
+                                      </p:cBhvr>
+                                      <p:to>
+                                        <p:strVal val="visible"/>
+                                      </p:to>
+                                    </p:set>
+                                    <p:animEffect transition="in" filter="fade">
+                                      <p:cBhvr>
+                                        <p:cTn id="7" dur="500"/>
+                                        <p:tgtEl>
+                                          <p:spTgt spid="4"/>
+                                        </p:tgtEl>
+                                      </p:cBhvr>
+                                    </p:animEffect>
+                                  </p:childTnLst>
+                                </p:cTn>
+                              </p:par>
+                            </p:childTnLst>
+                          </p:cTn>
+                        </p:par>
+                      </p:childTnLst>
+                    </p:cTn>
+                  </p:par>
+                  <p:par>
+                    <p:cTn id="8" fill="hold">
+                      <p:stCondLst>
+                        <p:cond delay="indefinite"/>
+                      </p:stCondLst>
+                      <p:childTnLst>
+                        <p:par>
+                          <p:cTn id="9" fill="hold">
+                            <p:stCondLst>
+                              <p:cond delay="0"/>
+                            </p:stCondLst>
+                            <p:childTnLst>
+                              <p:par>
+                                <p:cTn id="10" presetID="10" presetClass="exit" presetSubtype="0" fill="hold" nodeType="clickEffect">
+                                  <p:stCondLst>
+                                    <p:cond delay="0"/>
+                                  </p:stCondLst>
+                                  <p:childTnLst>
+                                    <p:animEffect transition="out" filter="fade">
+                                      <p:cBhvr>
+                                        <p:cTn id="11" dur="500"/>
+                                        <p:tgtEl>
+                                          <p:spTgt spid="4"/>
+                                        </p:tgtEl>
+                                      </p:cBhvr>
+                                    </p:animEffect>
+                                    <p:set>
+                                      <p:cBhvr>
+                                        <p:cTn id="12" dur="1" fill="hold">
+                                          <p:stCondLst>
+                                            <p:cond delay="499"/>
+                                          </p:stCondLst>
+                                        </p:cTn>
+                                        <p:tgtEl>
+                                          <p:spTgt spid="4"/>
+                                        </p:tgtEl>
+                                        <p:attrNameLst>
+                                          <p:attrName>style.visibility</p:attrName>
+                                        </p:attrNameLst>
+                                      </p:cBhvr>
+                                      <p:to>
+                                        <p:strVal val="hidden"/>
+                                      </p:to>
+                                    </p:set>
+                                  </p:childTnLst>
+                                </p:cTn>
+                              </p:par>
+                            </p:childTnLst>
+                          </p:cTn>
+                        </p:par>
+                      </p:childTnLst>
+                    </p:cTn>
+                  </p:par>
+                </p:childTnLst>
+              </p:cTn>
+              <p:prevCondLst>
+                <p:cond evt="onPrev" delay="0">
+                  <p:tgtEl>
+                    <p:sldTgt/>
+                  </p:tgtEl>
+                </p:cond>
+              </p:prevCondLst>
+              <p:nextCondLst>
+                <p:cond evt="onNext" delay="0">
+                  <p:tgtEl>
+                    <p:sldTgt/>
+                  </p:tgtEl>
+                </p:cond>
+              </p:nextCondLst>
+            </p:seq>
+          </p:childTnLst>
+        </p:cTn>
+      </p:par>
+    </p:tnLst>
+  </p:timing>
+</p:sld>
+</file>
+
+<file path=ppt/slides/slide21.xml><?xml version="1.0" encoding="utf-8"?>
+<p:sld xmlns:a="http://schemas.openxmlformats.org/drawingml/2006/main" xmlns:r="http://schemas.openxmlformats.org/officeDocument/2006/relationships" xmlns:p="http://schemas.openxmlformats.org/presentationml/2006/main">
+  <p:cSld>
+    <p:spTree>
+      <p:nvGrpSpPr>
+        <p:cNvPr id="1" name=""/>
+        <p:cNvGrpSpPr/>
+        <p:nvPr/>
+      </p:nvGrpSpPr>
+      <p:grpSpPr>
+        <a:xfrm>
+          <a:off x="0" y="0"/>
+          <a:ext cx="0" cy="0"/>
+          <a:chOff x="0" y="0"/>
+          <a:chExt cx="0" cy="0"/>
+        </a:xfrm>
+      </p:grpSpPr>
+      <p:sp>
+        <p:nvSpPr>
           <p:cNvPr id="7" name="Text Placeholder 6">
             <a:extLst>
               <a:ext uri="{FF2B5EF4-FFF2-40B4-BE49-F238E27FC236}">
@@ -7141,7 +7202,7 @@
           <a:p>
             <a:r>
               <a:rPr lang="en-US" dirty="0"/>
-              <a:t>Simplification</a:t>
+              <a:t>Example in 3DoF Robot </a:t>
             </a:r>
           </a:p>
         </p:txBody>
@@ -7195,7 +7256,7 @@
           <p:cNvPr id="3" name="Picture 2">
             <a:extLst>
               <a:ext uri="{FF2B5EF4-FFF2-40B4-BE49-F238E27FC236}">
-                <a16:creationId xmlns:a16="http://schemas.microsoft.com/office/drawing/2014/main" id="{0297F13F-A6B7-4705-B88B-9E8F862A6EC9}"/>
+                <a16:creationId xmlns:a16="http://schemas.microsoft.com/office/drawing/2014/main" id="{68802AFF-2710-4B6C-9C21-0B5B006B6C35}"/>
               </a:ext>
             </a:extLst>
           </p:cNvPr>
@@ -7212,8 +7273,8 @@
         </p:blipFill>
         <p:spPr>
           <a:xfrm>
-            <a:off x="585856" y="1447800"/>
-            <a:ext cx="7972288" cy="2333625"/>
+            <a:off x="304800" y="1307190"/>
+            <a:ext cx="8039269" cy="2073019"/>
           </a:xfrm>
           <a:prstGeom prst="rect">
             <a:avLst/>
@@ -7225,7 +7286,7 @@
           <p:cNvPr id="4" name="Picture 3">
             <a:extLst>
               <a:ext uri="{FF2B5EF4-FFF2-40B4-BE49-F238E27FC236}">
-                <a16:creationId xmlns:a16="http://schemas.microsoft.com/office/drawing/2014/main" id="{705A5656-F582-4258-961F-5CD734761052}"/>
+                <a16:creationId xmlns:a16="http://schemas.microsoft.com/office/drawing/2014/main" id="{2D4E6167-96CD-4303-BCCB-8963B7280AE2}"/>
               </a:ext>
             </a:extLst>
           </p:cNvPr>
@@ -7242,140 +7303,8 @@
         </p:blipFill>
         <p:spPr>
           <a:xfrm>
-            <a:off x="2182368" y="4109189"/>
-            <a:ext cx="4779264" cy="2333625"/>
-          </a:xfrm>
-          <a:prstGeom prst="rect">
-            <a:avLst/>
-          </a:prstGeom>
-        </p:spPr>
-      </p:pic>
-    </p:spTree>
-    <p:extLst>
-      <p:ext uri="{BB962C8B-B14F-4D97-AF65-F5344CB8AC3E}">
-        <p14:creationId xmlns:p14="http://schemas.microsoft.com/office/powerpoint/2010/main" val="1365817958"/>
-      </p:ext>
-    </p:extLst>
-  </p:cSld>
-  <p:clrMapOvr>
-    <a:masterClrMapping/>
-  </p:clrMapOvr>
-</p:sld>
-</file>
-
-<file path=ppt/slides/slide21.xml><?xml version="1.0" encoding="utf-8"?>
-<p:sld xmlns:a="http://schemas.openxmlformats.org/drawingml/2006/main" xmlns:r="http://schemas.openxmlformats.org/officeDocument/2006/relationships" xmlns:p="http://schemas.openxmlformats.org/presentationml/2006/main">
-  <p:cSld>
-    <p:spTree>
-      <p:nvGrpSpPr>
-        <p:cNvPr id="1" name=""/>
-        <p:cNvGrpSpPr/>
-        <p:nvPr/>
-      </p:nvGrpSpPr>
-      <p:grpSpPr>
-        <a:xfrm>
-          <a:off x="0" y="0"/>
-          <a:ext cx="0" cy="0"/>
-          <a:chOff x="0" y="0"/>
-          <a:chExt cx="0" cy="0"/>
-        </a:xfrm>
-      </p:grpSpPr>
-      <p:sp>
-        <p:nvSpPr>
-          <p:cNvPr id="7" name="Text Placeholder 6">
-            <a:extLst>
-              <a:ext uri="{FF2B5EF4-FFF2-40B4-BE49-F238E27FC236}">
-                <a16:creationId xmlns:a16="http://schemas.microsoft.com/office/drawing/2014/main" id="{AD4784ED-3608-4E69-92EA-F57E5EAD0EB2}"/>
-              </a:ext>
-            </a:extLst>
-          </p:cNvPr>
-          <p:cNvSpPr>
-            <a:spLocks noGrp="1"/>
-          </p:cNvSpPr>
-          <p:nvPr>
-            <p:ph type="body" sz="quarter" idx="10"/>
-          </p:nvPr>
-        </p:nvSpPr>
-        <p:spPr/>
-        <p:txBody>
-          <a:bodyPr/>
-          <a:lstStyle/>
-          <a:p>
-            <a:r>
-              <a:rPr lang="en-US" dirty="0"/>
-              <a:t>Example in 3DoF Robot </a:t>
-            </a:r>
-          </a:p>
-        </p:txBody>
-      </p:sp>
-      <p:sp>
-        <p:nvSpPr>
-          <p:cNvPr id="2" name="Rectangle 1">
-            <a:extLst>
-              <a:ext uri="{FF2B5EF4-FFF2-40B4-BE49-F238E27FC236}">
-                <a16:creationId xmlns:a16="http://schemas.microsoft.com/office/drawing/2014/main" id="{F194B519-4FBA-4EAF-8AD7-327B9BACBECC}"/>
-              </a:ext>
-            </a:extLst>
-          </p:cNvPr>
-          <p:cNvSpPr/>
-          <p:nvPr/>
-        </p:nvSpPr>
-        <p:spPr>
-          <a:xfrm>
-            <a:off x="152400" y="1143000"/>
-            <a:ext cx="8839200" cy="5562600"/>
-          </a:xfrm>
-          <a:prstGeom prst="rect">
-            <a:avLst/>
-          </a:prstGeom>
-        </p:spPr>
-        <p:style>
-          <a:lnRef idx="2">
-            <a:schemeClr val="dk1"/>
-          </a:lnRef>
-          <a:fillRef idx="1">
-            <a:schemeClr val="lt1"/>
-          </a:fillRef>
-          <a:effectRef idx="0">
-            <a:schemeClr val="dk1"/>
-          </a:effectRef>
-          <a:fontRef idx="minor">
-            <a:schemeClr val="dk1"/>
-          </a:fontRef>
-        </p:style>
-        <p:txBody>
-          <a:bodyPr rtlCol="0" anchor="ctr"/>
-          <a:lstStyle/>
-          <a:p>
-            <a:pPr algn="ctr"/>
-            <a:endParaRPr lang="en-US"/>
-          </a:p>
-        </p:txBody>
-      </p:sp>
-      <p:pic>
-        <p:nvPicPr>
-          <p:cNvPr id="3" name="Picture 2">
-            <a:extLst>
-              <a:ext uri="{FF2B5EF4-FFF2-40B4-BE49-F238E27FC236}">
-                <a16:creationId xmlns:a16="http://schemas.microsoft.com/office/drawing/2014/main" id="{B1474959-00ED-44BE-B106-9D63CB56CA43}"/>
-              </a:ext>
-            </a:extLst>
-          </p:cNvPr>
-          <p:cNvPicPr>
-            <a:picLocks noChangeAspect="1"/>
-          </p:cNvPicPr>
-          <p:nvPr/>
-        </p:nvPicPr>
-        <p:blipFill>
-          <a:blip r:embed="rId2"/>
-          <a:stretch>
-            <a:fillRect/>
-          </a:stretch>
-        </p:blipFill>
-        <p:spPr>
-          <a:xfrm>
-            <a:off x="228600" y="3040995"/>
-            <a:ext cx="6324600" cy="3441494"/>
+            <a:off x="2026107" y="3863758"/>
+            <a:ext cx="4596654" cy="2133600"/>
           </a:xfrm>
           <a:prstGeom prst="rect">
             <a:avLst/>
@@ -7387,37 +7316,7 @@
           <p:cNvPr id="5" name="Picture 4">
             <a:extLst>
               <a:ext uri="{FF2B5EF4-FFF2-40B4-BE49-F238E27FC236}">
-                <a16:creationId xmlns:a16="http://schemas.microsoft.com/office/drawing/2014/main" id="{21DA36F7-5D30-4453-A519-973A2E01A361}"/>
-              </a:ext>
-            </a:extLst>
-          </p:cNvPr>
-          <p:cNvPicPr>
-            <a:picLocks noChangeAspect="1"/>
-          </p:cNvPicPr>
-          <p:nvPr/>
-        </p:nvPicPr>
-        <p:blipFill>
-          <a:blip r:embed="rId3"/>
-          <a:stretch>
-            <a:fillRect/>
-          </a:stretch>
-        </p:blipFill>
-        <p:spPr>
-          <a:xfrm>
-            <a:off x="1524000" y="1219200"/>
-            <a:ext cx="3731037" cy="1821795"/>
-          </a:xfrm>
-          <a:prstGeom prst="rect">
-            <a:avLst/>
-          </a:prstGeom>
-        </p:spPr>
-      </p:pic>
-      <p:pic>
-        <p:nvPicPr>
-          <p:cNvPr id="4" name="Picture 3">
-            <a:extLst>
-              <a:ext uri="{FF2B5EF4-FFF2-40B4-BE49-F238E27FC236}">
-                <a16:creationId xmlns:a16="http://schemas.microsoft.com/office/drawing/2014/main" id="{A2D4BB49-3FF1-479B-B58B-6FD0E2DEEECE}"/>
+                <a16:creationId xmlns:a16="http://schemas.microsoft.com/office/drawing/2014/main" id="{057E34F0-B83A-4ADD-BA7E-0D4AAADA992C}"/>
               </a:ext>
             </a:extLst>
           </p:cNvPr>
@@ -7434,885 +7333,8 @@
         </p:blipFill>
         <p:spPr>
           <a:xfrm>
-            <a:off x="5791200" y="5410200"/>
-            <a:ext cx="3161253" cy="1262267"/>
-          </a:xfrm>
-          <a:prstGeom prst="rect">
-            <a:avLst/>
-          </a:prstGeom>
-        </p:spPr>
-      </p:pic>
-    </p:spTree>
-    <p:extLst>
-      <p:ext uri="{BB962C8B-B14F-4D97-AF65-F5344CB8AC3E}">
-        <p14:creationId xmlns:p14="http://schemas.microsoft.com/office/powerpoint/2010/main" val="4194273508"/>
-      </p:ext>
-    </p:extLst>
-  </p:cSld>
-  <p:clrMapOvr>
-    <a:masterClrMapping/>
-  </p:clrMapOvr>
-</p:sld>
-</file>
-
-<file path=ppt/slides/slide22.xml><?xml version="1.0" encoding="utf-8"?>
-<p:sld xmlns:a="http://schemas.openxmlformats.org/drawingml/2006/main" xmlns:r="http://schemas.openxmlformats.org/officeDocument/2006/relationships" xmlns:p="http://schemas.openxmlformats.org/presentationml/2006/main">
-  <p:cSld>
-    <p:spTree>
-      <p:nvGrpSpPr>
-        <p:cNvPr id="1" name=""/>
-        <p:cNvGrpSpPr/>
-        <p:nvPr/>
-      </p:nvGrpSpPr>
-      <p:grpSpPr>
-        <a:xfrm>
-          <a:off x="0" y="0"/>
-          <a:ext cx="0" cy="0"/>
-          <a:chOff x="0" y="0"/>
-          <a:chExt cx="0" cy="0"/>
-        </a:xfrm>
-      </p:grpSpPr>
-      <p:sp>
-        <p:nvSpPr>
-          <p:cNvPr id="7" name="Text Placeholder 6">
-            <a:extLst>
-              <a:ext uri="{FF2B5EF4-FFF2-40B4-BE49-F238E27FC236}">
-                <a16:creationId xmlns:a16="http://schemas.microsoft.com/office/drawing/2014/main" id="{AD4784ED-3608-4E69-92EA-F57E5EAD0EB2}"/>
-              </a:ext>
-            </a:extLst>
-          </p:cNvPr>
-          <p:cNvSpPr>
-            <a:spLocks noGrp="1"/>
-          </p:cNvSpPr>
-          <p:nvPr>
-            <p:ph type="body" sz="quarter" idx="10"/>
-          </p:nvPr>
-        </p:nvSpPr>
-        <p:spPr/>
-        <p:txBody>
-          <a:bodyPr/>
-          <a:lstStyle/>
-          <a:p>
-            <a:r>
-              <a:rPr lang="en-US" dirty="0"/>
-              <a:t>Example in 3DoF Robot </a:t>
-            </a:r>
-          </a:p>
-        </p:txBody>
-      </p:sp>
-      <p:sp>
-        <p:nvSpPr>
-          <p:cNvPr id="2" name="Rectangle 1">
-            <a:extLst>
-              <a:ext uri="{FF2B5EF4-FFF2-40B4-BE49-F238E27FC236}">
-                <a16:creationId xmlns:a16="http://schemas.microsoft.com/office/drawing/2014/main" id="{F194B519-4FBA-4EAF-8AD7-327B9BACBECC}"/>
-              </a:ext>
-            </a:extLst>
-          </p:cNvPr>
-          <p:cNvSpPr/>
-          <p:nvPr/>
-        </p:nvSpPr>
-        <p:spPr>
-          <a:xfrm>
-            <a:off x="152400" y="1143000"/>
-            <a:ext cx="8839200" cy="5562600"/>
-          </a:xfrm>
-          <a:prstGeom prst="rect">
-            <a:avLst/>
-          </a:prstGeom>
-        </p:spPr>
-        <p:style>
-          <a:lnRef idx="2">
-            <a:schemeClr val="dk1"/>
-          </a:lnRef>
-          <a:fillRef idx="1">
-            <a:schemeClr val="lt1"/>
-          </a:fillRef>
-          <a:effectRef idx="0">
-            <a:schemeClr val="dk1"/>
-          </a:effectRef>
-          <a:fontRef idx="minor">
-            <a:schemeClr val="dk1"/>
-          </a:fontRef>
-        </p:style>
-        <p:txBody>
-          <a:bodyPr rtlCol="0" anchor="ctr"/>
-          <a:lstStyle/>
-          <a:p>
-            <a:pPr algn="ctr"/>
-            <a:endParaRPr lang="en-US"/>
-          </a:p>
-        </p:txBody>
-      </p:sp>
-      <p:pic>
-        <p:nvPicPr>
-          <p:cNvPr id="6" name="Picture 5">
-            <a:extLst>
-              <a:ext uri="{FF2B5EF4-FFF2-40B4-BE49-F238E27FC236}">
-                <a16:creationId xmlns:a16="http://schemas.microsoft.com/office/drawing/2014/main" id="{995C96B1-2F03-4040-B1C8-E76AC187BDE6}"/>
-              </a:ext>
-            </a:extLst>
-          </p:cNvPr>
-          <p:cNvPicPr>
-            <a:picLocks noChangeAspect="1"/>
-          </p:cNvPicPr>
-          <p:nvPr/>
-        </p:nvPicPr>
-        <p:blipFill>
-          <a:blip r:embed="rId2"/>
-          <a:stretch>
-            <a:fillRect/>
-          </a:stretch>
-        </p:blipFill>
-        <p:spPr>
-          <a:xfrm>
-            <a:off x="533400" y="2057400"/>
-            <a:ext cx="8338038" cy="3048000"/>
-          </a:xfrm>
-          <a:prstGeom prst="rect">
-            <a:avLst/>
-          </a:prstGeom>
-        </p:spPr>
-      </p:pic>
-      <p:sp>
-        <p:nvSpPr>
-          <p:cNvPr id="8" name="Rectangle 7">
-            <a:extLst>
-              <a:ext uri="{FF2B5EF4-FFF2-40B4-BE49-F238E27FC236}">
-                <a16:creationId xmlns:a16="http://schemas.microsoft.com/office/drawing/2014/main" id="{9AF875DE-0E12-49F1-8178-0F8D2EE975D6}"/>
-              </a:ext>
-            </a:extLst>
-          </p:cNvPr>
-          <p:cNvSpPr/>
-          <p:nvPr/>
-        </p:nvSpPr>
-        <p:spPr>
-          <a:xfrm>
-            <a:off x="2209800" y="4267200"/>
-            <a:ext cx="4267200" cy="737600"/>
-          </a:xfrm>
-          <a:prstGeom prst="rect">
-            <a:avLst/>
-          </a:prstGeom>
-          <a:noFill/>
-          <a:ln w="38100" cap="flat" cmpd="sng" algn="ctr">
-            <a:solidFill>
-              <a:srgbClr val="FF0000"/>
-            </a:solidFill>
-            <a:prstDash val="solid"/>
-            <a:round/>
-            <a:headEnd type="none" w="med" len="med"/>
-            <a:tailEnd type="none" w="med" len="med"/>
-          </a:ln>
-        </p:spPr>
-        <p:style>
-          <a:lnRef idx="0">
-            <a:scrgbClr r="0" g="0" b="0"/>
-          </a:lnRef>
-          <a:fillRef idx="0">
-            <a:scrgbClr r="0" g="0" b="0"/>
-          </a:fillRef>
-          <a:effectRef idx="0">
-            <a:scrgbClr r="0" g="0" b="0"/>
-          </a:effectRef>
-          <a:fontRef idx="minor">
-            <a:schemeClr val="accent2"/>
-          </a:fontRef>
-        </p:style>
-        <p:txBody>
-          <a:bodyPr rtlCol="0" anchor="ctr"/>
-          <a:lstStyle/>
-          <a:p>
-            <a:pPr algn="ctr"/>
-            <a:endParaRPr lang="en-US"/>
-          </a:p>
-        </p:txBody>
-      </p:sp>
-    </p:spTree>
-    <p:extLst>
-      <p:ext uri="{BB962C8B-B14F-4D97-AF65-F5344CB8AC3E}">
-        <p14:creationId xmlns:p14="http://schemas.microsoft.com/office/powerpoint/2010/main" val="3672355825"/>
-      </p:ext>
-    </p:extLst>
-  </p:cSld>
-  <p:clrMapOvr>
-    <a:masterClrMapping/>
-  </p:clrMapOvr>
-</p:sld>
-</file>
-
-<file path=ppt/slides/slide23.xml><?xml version="1.0" encoding="utf-8"?>
-<p:sld xmlns:a="http://schemas.openxmlformats.org/drawingml/2006/main" xmlns:r="http://schemas.openxmlformats.org/officeDocument/2006/relationships" xmlns:p="http://schemas.openxmlformats.org/presentationml/2006/main">
-  <p:cSld>
-    <p:spTree>
-      <p:nvGrpSpPr>
-        <p:cNvPr id="1" name=""/>
-        <p:cNvGrpSpPr/>
-        <p:nvPr/>
-      </p:nvGrpSpPr>
-      <p:grpSpPr>
-        <a:xfrm>
-          <a:off x="0" y="0"/>
-          <a:ext cx="0" cy="0"/>
-          <a:chOff x="0" y="0"/>
-          <a:chExt cx="0" cy="0"/>
-        </a:xfrm>
-      </p:grpSpPr>
-      <p:sp>
-        <p:nvSpPr>
-          <p:cNvPr id="7" name="Text Placeholder 6">
-            <a:extLst>
-              <a:ext uri="{FF2B5EF4-FFF2-40B4-BE49-F238E27FC236}">
-                <a16:creationId xmlns:a16="http://schemas.microsoft.com/office/drawing/2014/main" id="{AD4784ED-3608-4E69-92EA-F57E5EAD0EB2}"/>
-              </a:ext>
-            </a:extLst>
-          </p:cNvPr>
-          <p:cNvSpPr>
-            <a:spLocks noGrp="1"/>
-          </p:cNvSpPr>
-          <p:nvPr>
-            <p:ph type="body" sz="quarter" idx="10"/>
-          </p:nvPr>
-        </p:nvSpPr>
-        <p:spPr/>
-        <p:txBody>
-          <a:bodyPr/>
-          <a:lstStyle/>
-          <a:p>
-            <a:r>
-              <a:rPr lang="en-US" dirty="0"/>
-              <a:t>Example in 3DoF Robot </a:t>
-            </a:r>
-          </a:p>
-        </p:txBody>
-      </p:sp>
-      <p:sp>
-        <p:nvSpPr>
-          <p:cNvPr id="2" name="Rectangle 1">
-            <a:extLst>
-              <a:ext uri="{FF2B5EF4-FFF2-40B4-BE49-F238E27FC236}">
-                <a16:creationId xmlns:a16="http://schemas.microsoft.com/office/drawing/2014/main" id="{F194B519-4FBA-4EAF-8AD7-327B9BACBECC}"/>
-              </a:ext>
-            </a:extLst>
-          </p:cNvPr>
-          <p:cNvSpPr/>
-          <p:nvPr/>
-        </p:nvSpPr>
-        <p:spPr>
-          <a:xfrm>
-            <a:off x="152400" y="1143000"/>
-            <a:ext cx="8839200" cy="5562600"/>
-          </a:xfrm>
-          <a:prstGeom prst="rect">
-            <a:avLst/>
-          </a:prstGeom>
-        </p:spPr>
-        <p:style>
-          <a:lnRef idx="2">
-            <a:schemeClr val="dk1"/>
-          </a:lnRef>
-          <a:fillRef idx="1">
-            <a:schemeClr val="lt1"/>
-          </a:fillRef>
-          <a:effectRef idx="0">
-            <a:schemeClr val="dk1"/>
-          </a:effectRef>
-          <a:fontRef idx="minor">
-            <a:schemeClr val="dk1"/>
-          </a:fontRef>
-        </p:style>
-        <p:txBody>
-          <a:bodyPr rtlCol="0" anchor="ctr"/>
-          <a:lstStyle/>
-          <a:p>
-            <a:pPr algn="ctr"/>
-            <a:endParaRPr lang="en-US"/>
-          </a:p>
-        </p:txBody>
-      </p:sp>
-      <p:pic>
-        <p:nvPicPr>
-          <p:cNvPr id="3" name="Picture 2">
-            <a:extLst>
-              <a:ext uri="{FF2B5EF4-FFF2-40B4-BE49-F238E27FC236}">
-                <a16:creationId xmlns:a16="http://schemas.microsoft.com/office/drawing/2014/main" id="{B1474959-00ED-44BE-B106-9D63CB56CA43}"/>
-              </a:ext>
-            </a:extLst>
-          </p:cNvPr>
-          <p:cNvPicPr>
-            <a:picLocks noChangeAspect="1"/>
-          </p:cNvPicPr>
-          <p:nvPr/>
-        </p:nvPicPr>
-        <p:blipFill rotWithShape="1">
-          <a:blip r:embed="rId2"/>
-          <a:srcRect b="62359"/>
-          <a:stretch/>
-        </p:blipFill>
-        <p:spPr>
-          <a:xfrm>
-            <a:off x="533400" y="1371600"/>
-            <a:ext cx="8184776" cy="1676400"/>
-          </a:xfrm>
-          <a:prstGeom prst="rect">
-            <a:avLst/>
-          </a:prstGeom>
-        </p:spPr>
-      </p:pic>
-      <p:sp>
-        <p:nvSpPr>
-          <p:cNvPr id="6" name="Rectangle 5">
-            <a:extLst>
-              <a:ext uri="{FF2B5EF4-FFF2-40B4-BE49-F238E27FC236}">
-                <a16:creationId xmlns:a16="http://schemas.microsoft.com/office/drawing/2014/main" id="{C5E296FB-576A-41B0-880D-0329E80BF1F3}"/>
-              </a:ext>
-            </a:extLst>
-          </p:cNvPr>
-          <p:cNvSpPr/>
-          <p:nvPr/>
-        </p:nvSpPr>
-        <p:spPr>
-          <a:xfrm>
-            <a:off x="2286000" y="1371600"/>
-            <a:ext cx="2362200" cy="1676400"/>
-          </a:xfrm>
-          <a:prstGeom prst="rect">
-            <a:avLst/>
-          </a:prstGeom>
-          <a:noFill/>
-          <a:ln w="38100" cap="flat" cmpd="sng" algn="ctr">
-            <a:solidFill>
-              <a:srgbClr val="FF0000"/>
-            </a:solidFill>
-            <a:prstDash val="solid"/>
-            <a:round/>
-            <a:headEnd type="none" w="med" len="med"/>
-            <a:tailEnd type="none" w="med" len="med"/>
-          </a:ln>
-        </p:spPr>
-        <p:style>
-          <a:lnRef idx="0">
-            <a:scrgbClr r="0" g="0" b="0"/>
-          </a:lnRef>
-          <a:fillRef idx="0">
-            <a:scrgbClr r="0" g="0" b="0"/>
-          </a:fillRef>
-          <a:effectRef idx="0">
-            <a:scrgbClr r="0" g="0" b="0"/>
-          </a:effectRef>
-          <a:fontRef idx="minor">
-            <a:schemeClr val="accent2"/>
-          </a:fontRef>
-        </p:style>
-        <p:txBody>
-          <a:bodyPr rtlCol="0" anchor="ctr"/>
-          <a:lstStyle/>
-          <a:p>
-            <a:pPr algn="ctr"/>
-            <a:endParaRPr lang="en-US"/>
-          </a:p>
-        </p:txBody>
-      </p:sp>
-      <p:sp>
-        <p:nvSpPr>
-          <p:cNvPr id="8" name="Rectangle 7">
-            <a:extLst>
-              <a:ext uri="{FF2B5EF4-FFF2-40B4-BE49-F238E27FC236}">
-                <a16:creationId xmlns:a16="http://schemas.microsoft.com/office/drawing/2014/main" id="{0ACC956D-C269-4F84-9746-175911153E88}"/>
-              </a:ext>
-            </a:extLst>
-          </p:cNvPr>
-          <p:cNvSpPr/>
-          <p:nvPr/>
-        </p:nvSpPr>
-        <p:spPr>
-          <a:xfrm>
-            <a:off x="6553199" y="1371600"/>
-            <a:ext cx="2057401" cy="1676400"/>
-          </a:xfrm>
-          <a:prstGeom prst="rect">
-            <a:avLst/>
-          </a:prstGeom>
-          <a:noFill/>
-          <a:ln w="38100" cap="flat" cmpd="sng" algn="ctr">
-            <a:solidFill>
-              <a:srgbClr val="FF0000"/>
-            </a:solidFill>
-            <a:prstDash val="solid"/>
-            <a:round/>
-            <a:headEnd type="none" w="med" len="med"/>
-            <a:tailEnd type="none" w="med" len="med"/>
-          </a:ln>
-        </p:spPr>
-        <p:style>
-          <a:lnRef idx="0">
-            <a:scrgbClr r="0" g="0" b="0"/>
-          </a:lnRef>
-          <a:fillRef idx="0">
-            <a:scrgbClr r="0" g="0" b="0"/>
-          </a:fillRef>
-          <a:effectRef idx="0">
-            <a:scrgbClr r="0" g="0" b="0"/>
-          </a:effectRef>
-          <a:fontRef idx="minor">
-            <a:schemeClr val="accent2"/>
-          </a:fontRef>
-        </p:style>
-        <p:txBody>
-          <a:bodyPr rtlCol="0" anchor="ctr"/>
-          <a:lstStyle/>
-          <a:p>
-            <a:pPr algn="ctr"/>
-            <a:endParaRPr lang="en-US"/>
-          </a:p>
-        </p:txBody>
-      </p:sp>
-      <p:pic>
-        <p:nvPicPr>
-          <p:cNvPr id="9" name="Picture 8">
-            <a:extLst>
-              <a:ext uri="{FF2B5EF4-FFF2-40B4-BE49-F238E27FC236}">
-                <a16:creationId xmlns:a16="http://schemas.microsoft.com/office/drawing/2014/main" id="{1A585ACD-32AF-4E76-9255-AB9F244E0D62}"/>
-              </a:ext>
-            </a:extLst>
-          </p:cNvPr>
-          <p:cNvPicPr>
-            <a:picLocks noChangeAspect="1"/>
-          </p:cNvPicPr>
-          <p:nvPr/>
-        </p:nvPicPr>
-        <p:blipFill>
-          <a:blip r:embed="rId3"/>
-          <a:stretch>
-            <a:fillRect/>
-          </a:stretch>
-        </p:blipFill>
-        <p:spPr>
-          <a:xfrm>
-            <a:off x="5878883" y="4258079"/>
-            <a:ext cx="3048000" cy="1238759"/>
-          </a:xfrm>
-          <a:prstGeom prst="rect">
-            <a:avLst/>
-          </a:prstGeom>
-        </p:spPr>
-      </p:pic>
-      <p:pic>
-        <p:nvPicPr>
-          <p:cNvPr id="10" name="Picture 9">
-            <a:extLst>
-              <a:ext uri="{FF2B5EF4-FFF2-40B4-BE49-F238E27FC236}">
-                <a16:creationId xmlns:a16="http://schemas.microsoft.com/office/drawing/2014/main" id="{EE208313-6D89-407F-8EF3-5032FD1C59E5}"/>
-              </a:ext>
-            </a:extLst>
-          </p:cNvPr>
-          <p:cNvPicPr>
-            <a:picLocks noChangeAspect="1"/>
-          </p:cNvPicPr>
-          <p:nvPr/>
-        </p:nvPicPr>
-        <p:blipFill>
-          <a:blip r:embed="rId4"/>
-          <a:stretch>
-            <a:fillRect/>
-          </a:stretch>
-        </p:blipFill>
-        <p:spPr>
-          <a:xfrm>
-            <a:off x="1570377" y="4212274"/>
-            <a:ext cx="3389482" cy="1502726"/>
-          </a:xfrm>
-          <a:prstGeom prst="rect">
-            <a:avLst/>
-          </a:prstGeom>
-        </p:spPr>
-      </p:pic>
-      <p:sp>
-        <p:nvSpPr>
-          <p:cNvPr id="11" name="Arrow: Down 10">
-            <a:extLst>
-              <a:ext uri="{FF2B5EF4-FFF2-40B4-BE49-F238E27FC236}">
-                <a16:creationId xmlns:a16="http://schemas.microsoft.com/office/drawing/2014/main" id="{83E3F7B3-DD8E-40F9-8B1A-598C651007CE}"/>
-              </a:ext>
-            </a:extLst>
-          </p:cNvPr>
-          <p:cNvSpPr/>
-          <p:nvPr/>
-        </p:nvSpPr>
-        <p:spPr>
-          <a:xfrm>
-            <a:off x="3219450" y="3206466"/>
-            <a:ext cx="495300" cy="863948"/>
-          </a:xfrm>
-          <a:prstGeom prst="downArrow">
-            <a:avLst/>
-          </a:prstGeom>
-        </p:spPr>
-        <p:style>
-          <a:lnRef idx="2">
-            <a:schemeClr val="accent1">
-              <a:shade val="50000"/>
-            </a:schemeClr>
-          </a:lnRef>
-          <a:fillRef idx="1">
-            <a:schemeClr val="accent1"/>
-          </a:fillRef>
-          <a:effectRef idx="0">
-            <a:schemeClr val="accent1"/>
-          </a:effectRef>
-          <a:fontRef idx="minor">
-            <a:schemeClr val="lt1"/>
-          </a:fontRef>
-        </p:style>
-        <p:txBody>
-          <a:bodyPr rtlCol="0" anchor="ctr"/>
-          <a:lstStyle/>
-          <a:p>
-            <a:pPr algn="ctr"/>
-            <a:endParaRPr lang="en-US"/>
-          </a:p>
-        </p:txBody>
-      </p:sp>
-      <p:sp>
-        <p:nvSpPr>
-          <p:cNvPr id="12" name="Arrow: Down 11">
-            <a:extLst>
-              <a:ext uri="{FF2B5EF4-FFF2-40B4-BE49-F238E27FC236}">
-                <a16:creationId xmlns:a16="http://schemas.microsoft.com/office/drawing/2014/main" id="{63E464D6-47A3-4FD2-BBBC-CF434C4BBF4F}"/>
-              </a:ext>
-            </a:extLst>
-          </p:cNvPr>
-          <p:cNvSpPr/>
-          <p:nvPr/>
-        </p:nvSpPr>
-        <p:spPr>
-          <a:xfrm>
-            <a:off x="7391400" y="3130165"/>
-            <a:ext cx="495300" cy="863948"/>
-          </a:xfrm>
-          <a:prstGeom prst="downArrow">
-            <a:avLst/>
-          </a:prstGeom>
-        </p:spPr>
-        <p:style>
-          <a:lnRef idx="2">
-            <a:schemeClr val="accent1">
-              <a:shade val="50000"/>
-            </a:schemeClr>
-          </a:lnRef>
-          <a:fillRef idx="1">
-            <a:schemeClr val="accent1"/>
-          </a:fillRef>
-          <a:effectRef idx="0">
-            <a:schemeClr val="accent1"/>
-          </a:effectRef>
-          <a:fontRef idx="minor">
-            <a:schemeClr val="lt1"/>
-          </a:fontRef>
-        </p:style>
-        <p:txBody>
-          <a:bodyPr rtlCol="0" anchor="ctr"/>
-          <a:lstStyle/>
-          <a:p>
-            <a:pPr algn="ctr"/>
-            <a:endParaRPr lang="en-US"/>
-          </a:p>
-        </p:txBody>
-      </p:sp>
-      <p:sp>
-        <p:nvSpPr>
-          <p:cNvPr id="13" name="Rectangle 12">
-            <a:extLst>
-              <a:ext uri="{FF2B5EF4-FFF2-40B4-BE49-F238E27FC236}">
-                <a16:creationId xmlns:a16="http://schemas.microsoft.com/office/drawing/2014/main" id="{A6FED559-F325-4658-B422-3B6460D45751}"/>
-              </a:ext>
-            </a:extLst>
-          </p:cNvPr>
-          <p:cNvSpPr/>
-          <p:nvPr/>
-        </p:nvSpPr>
-        <p:spPr>
-          <a:xfrm>
-            <a:off x="1655261" y="4125437"/>
-            <a:ext cx="3526339" cy="1502726"/>
-          </a:xfrm>
-          <a:prstGeom prst="rect">
-            <a:avLst/>
-          </a:prstGeom>
-          <a:noFill/>
-          <a:ln w="38100" cap="flat" cmpd="sng" algn="ctr">
-            <a:solidFill>
-              <a:srgbClr val="FF0000"/>
-            </a:solidFill>
-            <a:prstDash val="solid"/>
-            <a:round/>
-            <a:headEnd type="none" w="med" len="med"/>
-            <a:tailEnd type="none" w="med" len="med"/>
-          </a:ln>
-        </p:spPr>
-        <p:style>
-          <a:lnRef idx="0">
-            <a:scrgbClr r="0" g="0" b="0"/>
-          </a:lnRef>
-          <a:fillRef idx="0">
-            <a:scrgbClr r="0" g="0" b="0"/>
-          </a:fillRef>
-          <a:effectRef idx="0">
-            <a:scrgbClr r="0" g="0" b="0"/>
-          </a:effectRef>
-          <a:fontRef idx="minor">
-            <a:schemeClr val="accent2"/>
-          </a:fontRef>
-        </p:style>
-        <p:txBody>
-          <a:bodyPr rtlCol="0" anchor="ctr"/>
-          <a:lstStyle/>
-          <a:p>
-            <a:pPr algn="ctr"/>
-            <a:endParaRPr lang="en-US"/>
-          </a:p>
-        </p:txBody>
-      </p:sp>
-      <p:sp>
-        <p:nvSpPr>
-          <p:cNvPr id="14" name="Rectangle 13">
-            <a:extLst>
-              <a:ext uri="{FF2B5EF4-FFF2-40B4-BE49-F238E27FC236}">
-                <a16:creationId xmlns:a16="http://schemas.microsoft.com/office/drawing/2014/main" id="{A02FB6A6-4087-448B-8BC9-80BA7FF78137}"/>
-              </a:ext>
-            </a:extLst>
-          </p:cNvPr>
-          <p:cNvSpPr/>
-          <p:nvPr/>
-        </p:nvSpPr>
-        <p:spPr>
-          <a:xfrm>
-            <a:off x="5878883" y="4070414"/>
-            <a:ext cx="2970886" cy="1502726"/>
-          </a:xfrm>
-          <a:prstGeom prst="rect">
-            <a:avLst/>
-          </a:prstGeom>
-          <a:noFill/>
-          <a:ln w="38100" cap="flat" cmpd="sng" algn="ctr">
-            <a:solidFill>
-              <a:srgbClr val="FF0000"/>
-            </a:solidFill>
-            <a:prstDash val="solid"/>
-            <a:round/>
-            <a:headEnd type="none" w="med" len="med"/>
-            <a:tailEnd type="none" w="med" len="med"/>
-          </a:ln>
-        </p:spPr>
-        <p:style>
-          <a:lnRef idx="0">
-            <a:scrgbClr r="0" g="0" b="0"/>
-          </a:lnRef>
-          <a:fillRef idx="0">
-            <a:scrgbClr r="0" g="0" b="0"/>
-          </a:fillRef>
-          <a:effectRef idx="0">
-            <a:scrgbClr r="0" g="0" b="0"/>
-          </a:effectRef>
-          <a:fontRef idx="minor">
-            <a:schemeClr val="accent2"/>
-          </a:fontRef>
-        </p:style>
-        <p:txBody>
-          <a:bodyPr rtlCol="0" anchor="ctr"/>
-          <a:lstStyle/>
-          <a:p>
-            <a:pPr algn="ctr"/>
-            <a:endParaRPr lang="en-US"/>
-          </a:p>
-        </p:txBody>
-      </p:sp>
-    </p:spTree>
-    <p:extLst>
-      <p:ext uri="{BB962C8B-B14F-4D97-AF65-F5344CB8AC3E}">
-        <p14:creationId xmlns:p14="http://schemas.microsoft.com/office/powerpoint/2010/main" val="873251152"/>
-      </p:ext>
-    </p:extLst>
-  </p:cSld>
-  <p:clrMapOvr>
-    <a:masterClrMapping/>
-  </p:clrMapOvr>
-</p:sld>
-</file>
-
-<file path=ppt/slides/slide24.xml><?xml version="1.0" encoding="utf-8"?>
-<p:sld xmlns:a="http://schemas.openxmlformats.org/drawingml/2006/main" xmlns:r="http://schemas.openxmlformats.org/officeDocument/2006/relationships" xmlns:p="http://schemas.openxmlformats.org/presentationml/2006/main">
-  <p:cSld>
-    <p:spTree>
-      <p:nvGrpSpPr>
-        <p:cNvPr id="1" name=""/>
-        <p:cNvGrpSpPr/>
-        <p:nvPr/>
-      </p:nvGrpSpPr>
-      <p:grpSpPr>
-        <a:xfrm>
-          <a:off x="0" y="0"/>
-          <a:ext cx="0" cy="0"/>
-          <a:chOff x="0" y="0"/>
-          <a:chExt cx="0" cy="0"/>
-        </a:xfrm>
-      </p:grpSpPr>
-      <p:sp>
-        <p:nvSpPr>
-          <p:cNvPr id="7" name="Text Placeholder 6">
-            <a:extLst>
-              <a:ext uri="{FF2B5EF4-FFF2-40B4-BE49-F238E27FC236}">
-                <a16:creationId xmlns:a16="http://schemas.microsoft.com/office/drawing/2014/main" id="{AD4784ED-3608-4E69-92EA-F57E5EAD0EB2}"/>
-              </a:ext>
-            </a:extLst>
-          </p:cNvPr>
-          <p:cNvSpPr>
-            <a:spLocks noGrp="1"/>
-          </p:cNvSpPr>
-          <p:nvPr>
-            <p:ph type="body" sz="quarter" idx="10"/>
-          </p:nvPr>
-        </p:nvSpPr>
-        <p:spPr/>
-        <p:txBody>
-          <a:bodyPr/>
-          <a:lstStyle/>
-          <a:p>
-            <a:r>
-              <a:rPr lang="en-US" dirty="0"/>
-              <a:t>Example in 3DoF Robot </a:t>
-            </a:r>
-          </a:p>
-        </p:txBody>
-      </p:sp>
-      <p:sp>
-        <p:nvSpPr>
-          <p:cNvPr id="2" name="Rectangle 1">
-            <a:extLst>
-              <a:ext uri="{FF2B5EF4-FFF2-40B4-BE49-F238E27FC236}">
-                <a16:creationId xmlns:a16="http://schemas.microsoft.com/office/drawing/2014/main" id="{F194B519-4FBA-4EAF-8AD7-327B9BACBECC}"/>
-              </a:ext>
-            </a:extLst>
-          </p:cNvPr>
-          <p:cNvSpPr/>
-          <p:nvPr/>
-        </p:nvSpPr>
-        <p:spPr>
-          <a:xfrm>
-            <a:off x="152400" y="1143000"/>
-            <a:ext cx="8839200" cy="5562600"/>
-          </a:xfrm>
-          <a:prstGeom prst="rect">
-            <a:avLst/>
-          </a:prstGeom>
-        </p:spPr>
-        <p:style>
-          <a:lnRef idx="2">
-            <a:schemeClr val="dk1"/>
-          </a:lnRef>
-          <a:fillRef idx="1">
-            <a:schemeClr val="lt1"/>
-          </a:fillRef>
-          <a:effectRef idx="0">
-            <a:schemeClr val="dk1"/>
-          </a:effectRef>
-          <a:fontRef idx="minor">
-            <a:schemeClr val="dk1"/>
-          </a:fontRef>
-        </p:style>
-        <p:txBody>
-          <a:bodyPr rtlCol="0" anchor="ctr"/>
-          <a:lstStyle/>
-          <a:p>
-            <a:pPr algn="ctr"/>
-            <a:endParaRPr lang="en-US"/>
-          </a:p>
-        </p:txBody>
-      </p:sp>
-      <p:pic>
-        <p:nvPicPr>
-          <p:cNvPr id="5" name="Picture 4">
-            <a:extLst>
-              <a:ext uri="{FF2B5EF4-FFF2-40B4-BE49-F238E27FC236}">
-                <a16:creationId xmlns:a16="http://schemas.microsoft.com/office/drawing/2014/main" id="{9E51A457-0259-43EC-930A-A8C59CB1812E}"/>
-              </a:ext>
-            </a:extLst>
-          </p:cNvPr>
-          <p:cNvPicPr>
-            <a:picLocks noChangeAspect="1"/>
-          </p:cNvPicPr>
-          <p:nvPr/>
-        </p:nvPicPr>
-        <p:blipFill>
-          <a:blip r:embed="rId2"/>
-          <a:stretch>
-            <a:fillRect/>
-          </a:stretch>
-        </p:blipFill>
-        <p:spPr>
-          <a:xfrm>
-            <a:off x="363170" y="1219200"/>
-            <a:ext cx="8417660" cy="2971800"/>
-          </a:xfrm>
-          <a:prstGeom prst="rect">
-            <a:avLst/>
-          </a:prstGeom>
-        </p:spPr>
-      </p:pic>
-      <p:pic>
-        <p:nvPicPr>
-          <p:cNvPr id="6" name="Picture 5">
-            <a:extLst>
-              <a:ext uri="{FF2B5EF4-FFF2-40B4-BE49-F238E27FC236}">
-                <a16:creationId xmlns:a16="http://schemas.microsoft.com/office/drawing/2014/main" id="{204C929F-B8F8-4CEC-BD08-D501BA10C1E7}"/>
-              </a:ext>
-            </a:extLst>
-          </p:cNvPr>
-          <p:cNvPicPr>
-            <a:picLocks noChangeAspect="1"/>
-          </p:cNvPicPr>
-          <p:nvPr/>
-        </p:nvPicPr>
-        <p:blipFill>
-          <a:blip r:embed="rId3"/>
-          <a:stretch>
-            <a:fillRect/>
-          </a:stretch>
-        </p:blipFill>
-        <p:spPr>
-          <a:xfrm>
-            <a:off x="958334" y="5181600"/>
-            <a:ext cx="7227332" cy="1347200"/>
-          </a:xfrm>
-          <a:prstGeom prst="rect">
-            <a:avLst/>
-          </a:prstGeom>
-        </p:spPr>
-      </p:pic>
-      <p:pic>
-        <p:nvPicPr>
-          <p:cNvPr id="8" name="Picture 7">
-            <a:extLst>
-              <a:ext uri="{FF2B5EF4-FFF2-40B4-BE49-F238E27FC236}">
-                <a16:creationId xmlns:a16="http://schemas.microsoft.com/office/drawing/2014/main" id="{DD16AC21-8AAC-47C2-A0FC-650F91FED8EE}"/>
-              </a:ext>
-            </a:extLst>
-          </p:cNvPr>
-          <p:cNvPicPr>
-            <a:picLocks noChangeAspect="1"/>
-          </p:cNvPicPr>
-          <p:nvPr/>
-        </p:nvPicPr>
-        <p:blipFill>
-          <a:blip r:embed="rId4"/>
-          <a:stretch>
-            <a:fillRect/>
-          </a:stretch>
-        </p:blipFill>
-        <p:spPr>
-          <a:xfrm>
-            <a:off x="1219200" y="4381500"/>
-            <a:ext cx="2417445" cy="447675"/>
+            <a:off x="1831504" y="3689454"/>
+            <a:ext cx="5185620" cy="2340263"/>
           </a:xfrm>
           <a:prstGeom prst="rect">
             <a:avLst/>
@@ -8324,7 +7346,7 @@
           <p:cNvPr id="9" name="Picture 8">
             <a:extLst>
               <a:ext uri="{FF2B5EF4-FFF2-40B4-BE49-F238E27FC236}">
-                <a16:creationId xmlns:a16="http://schemas.microsoft.com/office/drawing/2014/main" id="{11AE53ED-C182-4F9A-8457-664CBA0485CF}"/>
+                <a16:creationId xmlns:a16="http://schemas.microsoft.com/office/drawing/2014/main" id="{2E387117-4343-4860-90A9-8DEBE4793CB2}"/>
               </a:ext>
             </a:extLst>
           </p:cNvPr>
@@ -8341,893 +7363,18 @@
         </p:blipFill>
         <p:spPr>
           <a:xfrm>
-            <a:off x="4897847" y="4332858"/>
-            <a:ext cx="3093628" cy="574706"/>
+            <a:off x="2054038" y="3709287"/>
+            <a:ext cx="4963086" cy="2265032"/>
           </a:xfrm>
           <a:prstGeom prst="rect">
             <a:avLst/>
           </a:prstGeom>
         </p:spPr>
       </p:pic>
-      <p:sp>
-        <p:nvSpPr>
-          <p:cNvPr id="10" name="Rectangle 9">
-            <a:extLst>
-              <a:ext uri="{FF2B5EF4-FFF2-40B4-BE49-F238E27FC236}">
-                <a16:creationId xmlns:a16="http://schemas.microsoft.com/office/drawing/2014/main" id="{674702EE-93E9-4EC7-B1F6-9BE2D3A1E88F}"/>
-              </a:ext>
-            </a:extLst>
-          </p:cNvPr>
-          <p:cNvSpPr/>
-          <p:nvPr/>
-        </p:nvSpPr>
-        <p:spPr>
-          <a:xfrm>
-            <a:off x="1143000" y="4267200"/>
-            <a:ext cx="6858000" cy="737600"/>
-          </a:xfrm>
-          <a:prstGeom prst="rect">
-            <a:avLst/>
-          </a:prstGeom>
-          <a:noFill/>
-          <a:ln w="38100" cap="flat" cmpd="sng" algn="ctr">
-            <a:solidFill>
-              <a:srgbClr val="FF0000"/>
-            </a:solidFill>
-            <a:prstDash val="solid"/>
-            <a:round/>
-            <a:headEnd type="none" w="med" len="med"/>
-            <a:tailEnd type="none" w="med" len="med"/>
-          </a:ln>
-        </p:spPr>
-        <p:style>
-          <a:lnRef idx="0">
-            <a:scrgbClr r="0" g="0" b="0"/>
-          </a:lnRef>
-          <a:fillRef idx="0">
-            <a:scrgbClr r="0" g="0" b="0"/>
-          </a:fillRef>
-          <a:effectRef idx="0">
-            <a:scrgbClr r="0" g="0" b="0"/>
-          </a:effectRef>
-          <a:fontRef idx="minor">
-            <a:schemeClr val="accent2"/>
-          </a:fontRef>
-        </p:style>
-        <p:txBody>
-          <a:bodyPr rtlCol="0" anchor="ctr"/>
-          <a:lstStyle/>
-          <a:p>
-            <a:pPr algn="ctr"/>
-            <a:endParaRPr lang="en-US"/>
-          </a:p>
-        </p:txBody>
-      </p:sp>
-      <p:sp>
-        <p:nvSpPr>
-          <p:cNvPr id="14" name="Arrow: Down 13">
-            <a:extLst>
-              <a:ext uri="{FF2B5EF4-FFF2-40B4-BE49-F238E27FC236}">
-                <a16:creationId xmlns:a16="http://schemas.microsoft.com/office/drawing/2014/main" id="{8ED68083-C0E9-4D30-91AC-C442FAB6E795}"/>
-              </a:ext>
-            </a:extLst>
-          </p:cNvPr>
-          <p:cNvSpPr/>
-          <p:nvPr/>
-        </p:nvSpPr>
-        <p:spPr>
-          <a:xfrm rot="16200000">
-            <a:off x="4019596" y="4188238"/>
-            <a:ext cx="495300" cy="863948"/>
-          </a:xfrm>
-          <a:prstGeom prst="downArrow">
-            <a:avLst/>
-          </a:prstGeom>
-        </p:spPr>
-        <p:style>
-          <a:lnRef idx="2">
-            <a:schemeClr val="accent1">
-              <a:shade val="50000"/>
-            </a:schemeClr>
-          </a:lnRef>
-          <a:fillRef idx="1">
-            <a:schemeClr val="accent1"/>
-          </a:fillRef>
-          <a:effectRef idx="0">
-            <a:schemeClr val="accent1"/>
-          </a:effectRef>
-          <a:fontRef idx="minor">
-            <a:schemeClr val="lt1"/>
-          </a:fontRef>
-        </p:style>
-        <p:txBody>
-          <a:bodyPr rtlCol="0" anchor="ctr"/>
-          <a:lstStyle/>
-          <a:p>
-            <a:pPr algn="ctr"/>
-            <a:endParaRPr lang="en-US"/>
-          </a:p>
-        </p:txBody>
-      </p:sp>
     </p:spTree>
     <p:extLst>
       <p:ext uri="{BB962C8B-B14F-4D97-AF65-F5344CB8AC3E}">
-        <p14:creationId xmlns:p14="http://schemas.microsoft.com/office/powerpoint/2010/main" val="354801746"/>
-      </p:ext>
-    </p:extLst>
-  </p:cSld>
-  <p:clrMapOvr>
-    <a:masterClrMapping/>
-  </p:clrMapOvr>
-</p:sld>
-</file>
-
-<file path=ppt/slides/slide25.xml><?xml version="1.0" encoding="utf-8"?>
-<p:sld xmlns:a="http://schemas.openxmlformats.org/drawingml/2006/main" xmlns:r="http://schemas.openxmlformats.org/officeDocument/2006/relationships" xmlns:p="http://schemas.openxmlformats.org/presentationml/2006/main">
-  <p:cSld>
-    <p:spTree>
-      <p:nvGrpSpPr>
-        <p:cNvPr id="1" name=""/>
-        <p:cNvGrpSpPr/>
-        <p:nvPr/>
-      </p:nvGrpSpPr>
-      <p:grpSpPr>
-        <a:xfrm>
-          <a:off x="0" y="0"/>
-          <a:ext cx="0" cy="0"/>
-          <a:chOff x="0" y="0"/>
-          <a:chExt cx="0" cy="0"/>
-        </a:xfrm>
-      </p:grpSpPr>
-      <p:sp>
-        <p:nvSpPr>
-          <p:cNvPr id="7" name="Text Placeholder 6">
-            <a:extLst>
-              <a:ext uri="{FF2B5EF4-FFF2-40B4-BE49-F238E27FC236}">
-                <a16:creationId xmlns:a16="http://schemas.microsoft.com/office/drawing/2014/main" id="{AD4784ED-3608-4E69-92EA-F57E5EAD0EB2}"/>
-              </a:ext>
-            </a:extLst>
-          </p:cNvPr>
-          <p:cNvSpPr>
-            <a:spLocks noGrp="1"/>
-          </p:cNvSpPr>
-          <p:nvPr>
-            <p:ph type="body" sz="quarter" idx="10"/>
-          </p:nvPr>
-        </p:nvSpPr>
-        <p:spPr/>
-        <p:txBody>
-          <a:bodyPr/>
-          <a:lstStyle/>
-          <a:p>
-            <a:r>
-              <a:rPr lang="en-US" dirty="0"/>
-              <a:t>Example in 3DoF Robot </a:t>
-            </a:r>
-          </a:p>
-        </p:txBody>
-      </p:sp>
-      <p:sp>
-        <p:nvSpPr>
-          <p:cNvPr id="2" name="Rectangle 1">
-            <a:extLst>
-              <a:ext uri="{FF2B5EF4-FFF2-40B4-BE49-F238E27FC236}">
-                <a16:creationId xmlns:a16="http://schemas.microsoft.com/office/drawing/2014/main" id="{F194B519-4FBA-4EAF-8AD7-327B9BACBECC}"/>
-              </a:ext>
-            </a:extLst>
-          </p:cNvPr>
-          <p:cNvSpPr/>
-          <p:nvPr/>
-        </p:nvSpPr>
-        <p:spPr>
-          <a:xfrm>
-            <a:off x="152400" y="1143000"/>
-            <a:ext cx="8839200" cy="5562600"/>
-          </a:xfrm>
-          <a:prstGeom prst="rect">
-            <a:avLst/>
-          </a:prstGeom>
-        </p:spPr>
-        <p:style>
-          <a:lnRef idx="2">
-            <a:schemeClr val="dk1"/>
-          </a:lnRef>
-          <a:fillRef idx="1">
-            <a:schemeClr val="lt1"/>
-          </a:fillRef>
-          <a:effectRef idx="0">
-            <a:schemeClr val="dk1"/>
-          </a:effectRef>
-          <a:fontRef idx="minor">
-            <a:schemeClr val="dk1"/>
-          </a:fontRef>
-        </p:style>
-        <p:txBody>
-          <a:bodyPr rtlCol="0" anchor="ctr"/>
-          <a:lstStyle/>
-          <a:p>
-            <a:pPr algn="ctr"/>
-            <a:endParaRPr lang="en-US"/>
-          </a:p>
-        </p:txBody>
-      </p:sp>
-      <p:pic>
-        <p:nvPicPr>
-          <p:cNvPr id="3" name="Picture 2">
-            <a:extLst>
-              <a:ext uri="{FF2B5EF4-FFF2-40B4-BE49-F238E27FC236}">
-                <a16:creationId xmlns:a16="http://schemas.microsoft.com/office/drawing/2014/main" id="{4E92E6B2-1594-48BD-8CFA-77F4CA8193E7}"/>
-              </a:ext>
-            </a:extLst>
-          </p:cNvPr>
-          <p:cNvPicPr>
-            <a:picLocks noChangeAspect="1"/>
-          </p:cNvPicPr>
-          <p:nvPr/>
-        </p:nvPicPr>
-        <p:blipFill>
-          <a:blip r:embed="rId2"/>
-          <a:stretch>
-            <a:fillRect/>
-          </a:stretch>
-        </p:blipFill>
-        <p:spPr>
-          <a:xfrm>
-            <a:off x="782637" y="1295400"/>
-            <a:ext cx="7578725" cy="2933700"/>
-          </a:xfrm>
-          <a:prstGeom prst="rect">
-            <a:avLst/>
-          </a:prstGeom>
-        </p:spPr>
-      </p:pic>
-      <p:pic>
-        <p:nvPicPr>
-          <p:cNvPr id="11" name="Picture 10">
-            <a:extLst>
-              <a:ext uri="{FF2B5EF4-FFF2-40B4-BE49-F238E27FC236}">
-                <a16:creationId xmlns:a16="http://schemas.microsoft.com/office/drawing/2014/main" id="{08716EBA-553E-4208-A3A4-343504C0CC67}"/>
-              </a:ext>
-            </a:extLst>
-          </p:cNvPr>
-          <p:cNvPicPr>
-            <a:picLocks noChangeAspect="1"/>
-          </p:cNvPicPr>
-          <p:nvPr/>
-        </p:nvPicPr>
-        <p:blipFill>
-          <a:blip r:embed="rId3"/>
-          <a:stretch>
-            <a:fillRect/>
-          </a:stretch>
-        </p:blipFill>
-        <p:spPr>
-          <a:xfrm>
-            <a:off x="457200" y="5324648"/>
-            <a:ext cx="8380741" cy="1152352"/>
-          </a:xfrm>
-          <a:prstGeom prst="rect">
-            <a:avLst/>
-          </a:prstGeom>
-        </p:spPr>
-      </p:pic>
-      <p:pic>
-        <p:nvPicPr>
-          <p:cNvPr id="12" name="Picture 11">
-            <a:extLst>
-              <a:ext uri="{FF2B5EF4-FFF2-40B4-BE49-F238E27FC236}">
-                <a16:creationId xmlns:a16="http://schemas.microsoft.com/office/drawing/2014/main" id="{30B3785B-B5D9-4596-B7CD-E5413724A2EA}"/>
-              </a:ext>
-            </a:extLst>
-          </p:cNvPr>
-          <p:cNvPicPr>
-            <a:picLocks noChangeAspect="1"/>
-          </p:cNvPicPr>
-          <p:nvPr/>
-        </p:nvPicPr>
-        <p:blipFill>
-          <a:blip r:embed="rId4"/>
-          <a:stretch>
-            <a:fillRect/>
-          </a:stretch>
-        </p:blipFill>
-        <p:spPr>
-          <a:xfrm>
-            <a:off x="3009269" y="4629496"/>
-            <a:ext cx="3276601" cy="580852"/>
-          </a:xfrm>
-          <a:prstGeom prst="rect">
-            <a:avLst/>
-          </a:prstGeom>
-        </p:spPr>
-      </p:pic>
-      <p:sp>
-        <p:nvSpPr>
-          <p:cNvPr id="13" name="Rectangle 12">
-            <a:extLst>
-              <a:ext uri="{FF2B5EF4-FFF2-40B4-BE49-F238E27FC236}">
-                <a16:creationId xmlns:a16="http://schemas.microsoft.com/office/drawing/2014/main" id="{CC95A4F4-48A1-4E6F-9113-21EFED2786AA}"/>
-              </a:ext>
-            </a:extLst>
-          </p:cNvPr>
-          <p:cNvSpPr/>
-          <p:nvPr/>
-        </p:nvSpPr>
-        <p:spPr>
-          <a:xfrm>
-            <a:off x="2819400" y="4486448"/>
-            <a:ext cx="3657600" cy="838200"/>
-          </a:xfrm>
-          <a:prstGeom prst="rect">
-            <a:avLst/>
-          </a:prstGeom>
-          <a:noFill/>
-          <a:ln w="57150" cap="flat" cmpd="sng" algn="ctr">
-            <a:solidFill>
-              <a:srgbClr val="FF0000"/>
-            </a:solidFill>
-            <a:prstDash val="solid"/>
-            <a:round/>
-            <a:headEnd type="none" w="med" len="med"/>
-            <a:tailEnd type="none" w="med" len="med"/>
-          </a:ln>
-        </p:spPr>
-        <p:style>
-          <a:lnRef idx="0">
-            <a:scrgbClr r="0" g="0" b="0"/>
-          </a:lnRef>
-          <a:fillRef idx="0">
-            <a:scrgbClr r="0" g="0" b="0"/>
-          </a:fillRef>
-          <a:effectRef idx="0">
-            <a:scrgbClr r="0" g="0" b="0"/>
-          </a:effectRef>
-          <a:fontRef idx="minor">
-            <a:schemeClr val="accent2"/>
-          </a:fontRef>
-        </p:style>
-        <p:txBody>
-          <a:bodyPr rtlCol="0" anchor="ctr"/>
-          <a:lstStyle/>
-          <a:p>
-            <a:pPr algn="ctr"/>
-            <a:endParaRPr lang="en-US"/>
-          </a:p>
-        </p:txBody>
-      </p:sp>
-      <p:sp>
-        <p:nvSpPr>
-          <p:cNvPr id="15" name="Rectangle 14">
-            <a:extLst>
-              <a:ext uri="{FF2B5EF4-FFF2-40B4-BE49-F238E27FC236}">
-                <a16:creationId xmlns:a16="http://schemas.microsoft.com/office/drawing/2014/main" id="{135E2E23-5F59-4C18-807A-45224FB4853E}"/>
-              </a:ext>
-            </a:extLst>
-          </p:cNvPr>
-          <p:cNvSpPr/>
-          <p:nvPr/>
-        </p:nvSpPr>
-        <p:spPr>
-          <a:xfrm>
-            <a:off x="482250" y="5562600"/>
-            <a:ext cx="8052149" cy="838200"/>
-          </a:xfrm>
-          <a:prstGeom prst="rect">
-            <a:avLst/>
-          </a:prstGeom>
-          <a:noFill/>
-          <a:ln w="57150" cap="flat" cmpd="sng" algn="ctr">
-            <a:solidFill>
-              <a:srgbClr val="FF0000"/>
-            </a:solidFill>
-            <a:prstDash val="solid"/>
-            <a:round/>
-            <a:headEnd type="none" w="med" len="med"/>
-            <a:tailEnd type="none" w="med" len="med"/>
-          </a:ln>
-        </p:spPr>
-        <p:style>
-          <a:lnRef idx="0">
-            <a:scrgbClr r="0" g="0" b="0"/>
-          </a:lnRef>
-          <a:fillRef idx="0">
-            <a:scrgbClr r="0" g="0" b="0"/>
-          </a:fillRef>
-          <a:effectRef idx="0">
-            <a:scrgbClr r="0" g="0" b="0"/>
-          </a:effectRef>
-          <a:fontRef idx="minor">
-            <a:schemeClr val="accent2"/>
-          </a:fontRef>
-        </p:style>
-        <p:txBody>
-          <a:bodyPr rtlCol="0" anchor="ctr"/>
-          <a:lstStyle/>
-          <a:p>
-            <a:pPr algn="ctr"/>
-            <a:endParaRPr lang="en-US"/>
-          </a:p>
-        </p:txBody>
-      </p:sp>
-    </p:spTree>
-    <p:extLst>
-      <p:ext uri="{BB962C8B-B14F-4D97-AF65-F5344CB8AC3E}">
-        <p14:creationId xmlns:p14="http://schemas.microsoft.com/office/powerpoint/2010/main" val="2824506659"/>
-      </p:ext>
-    </p:extLst>
-  </p:cSld>
-  <p:clrMapOvr>
-    <a:masterClrMapping/>
-  </p:clrMapOvr>
-</p:sld>
-</file>
-
-<file path=ppt/slides/slide26.xml><?xml version="1.0" encoding="utf-8"?>
-<p:sld xmlns:a="http://schemas.openxmlformats.org/drawingml/2006/main" xmlns:r="http://schemas.openxmlformats.org/officeDocument/2006/relationships" xmlns:p="http://schemas.openxmlformats.org/presentationml/2006/main">
-  <p:cSld>
-    <p:spTree>
-      <p:nvGrpSpPr>
-        <p:cNvPr id="1" name=""/>
-        <p:cNvGrpSpPr/>
-        <p:nvPr/>
-      </p:nvGrpSpPr>
-      <p:grpSpPr>
-        <a:xfrm>
-          <a:off x="0" y="0"/>
-          <a:ext cx="0" cy="0"/>
-          <a:chOff x="0" y="0"/>
-          <a:chExt cx="0" cy="0"/>
-        </a:xfrm>
-      </p:grpSpPr>
-      <p:sp>
-        <p:nvSpPr>
-          <p:cNvPr id="7" name="Text Placeholder 6">
-            <a:extLst>
-              <a:ext uri="{FF2B5EF4-FFF2-40B4-BE49-F238E27FC236}">
-                <a16:creationId xmlns:a16="http://schemas.microsoft.com/office/drawing/2014/main" id="{AD4784ED-3608-4E69-92EA-F57E5EAD0EB2}"/>
-              </a:ext>
-            </a:extLst>
-          </p:cNvPr>
-          <p:cNvSpPr>
-            <a:spLocks noGrp="1"/>
-          </p:cNvSpPr>
-          <p:nvPr>
-            <p:ph type="body" sz="quarter" idx="10"/>
-          </p:nvPr>
-        </p:nvSpPr>
-        <p:spPr/>
-        <p:txBody>
-          <a:bodyPr/>
-          <a:lstStyle/>
-          <a:p>
-            <a:r>
-              <a:rPr lang="en-US" dirty="0"/>
-              <a:t>Example in 3DoF Robot </a:t>
-            </a:r>
-          </a:p>
-        </p:txBody>
-      </p:sp>
-      <p:sp>
-        <p:nvSpPr>
-          <p:cNvPr id="2" name="Rectangle 1">
-            <a:extLst>
-              <a:ext uri="{FF2B5EF4-FFF2-40B4-BE49-F238E27FC236}">
-                <a16:creationId xmlns:a16="http://schemas.microsoft.com/office/drawing/2014/main" id="{F194B519-4FBA-4EAF-8AD7-327B9BACBECC}"/>
-              </a:ext>
-            </a:extLst>
-          </p:cNvPr>
-          <p:cNvSpPr/>
-          <p:nvPr/>
-        </p:nvSpPr>
-        <p:spPr>
-          <a:xfrm>
-            <a:off x="152400" y="1143000"/>
-            <a:ext cx="8839200" cy="5562600"/>
-          </a:xfrm>
-          <a:prstGeom prst="rect">
-            <a:avLst/>
-          </a:prstGeom>
-        </p:spPr>
-        <p:style>
-          <a:lnRef idx="2">
-            <a:schemeClr val="dk1"/>
-          </a:lnRef>
-          <a:fillRef idx="1">
-            <a:schemeClr val="lt1"/>
-          </a:fillRef>
-          <a:effectRef idx="0">
-            <a:schemeClr val="dk1"/>
-          </a:effectRef>
-          <a:fontRef idx="minor">
-            <a:schemeClr val="dk1"/>
-          </a:fontRef>
-        </p:style>
-        <p:txBody>
-          <a:bodyPr rtlCol="0" anchor="ctr"/>
-          <a:lstStyle/>
-          <a:p>
-            <a:pPr algn="ctr"/>
-            <a:endParaRPr lang="en-US"/>
-          </a:p>
-        </p:txBody>
-      </p:sp>
-      <p:pic>
-        <p:nvPicPr>
-          <p:cNvPr id="4" name="Picture 3">
-            <a:extLst>
-              <a:ext uri="{FF2B5EF4-FFF2-40B4-BE49-F238E27FC236}">
-                <a16:creationId xmlns:a16="http://schemas.microsoft.com/office/drawing/2014/main" id="{96D48F57-559C-4637-94FF-8A49353BE0F7}"/>
-              </a:ext>
-            </a:extLst>
-          </p:cNvPr>
-          <p:cNvPicPr>
-            <a:picLocks noChangeAspect="1"/>
-          </p:cNvPicPr>
-          <p:nvPr/>
-        </p:nvPicPr>
-        <p:blipFill>
-          <a:blip r:embed="rId2"/>
-          <a:stretch>
-            <a:fillRect/>
-          </a:stretch>
-        </p:blipFill>
-        <p:spPr>
-          <a:xfrm>
-            <a:off x="2182660" y="1199370"/>
-            <a:ext cx="4627614" cy="1798822"/>
-          </a:xfrm>
-          <a:prstGeom prst="rect">
-            <a:avLst/>
-          </a:prstGeom>
-        </p:spPr>
-      </p:pic>
-      <p:pic>
-        <p:nvPicPr>
-          <p:cNvPr id="5" name="Picture 4">
-            <a:extLst>
-              <a:ext uri="{FF2B5EF4-FFF2-40B4-BE49-F238E27FC236}">
-                <a16:creationId xmlns:a16="http://schemas.microsoft.com/office/drawing/2014/main" id="{0812A4CD-47C5-4B41-8794-4463A1ED09B0}"/>
-              </a:ext>
-            </a:extLst>
-          </p:cNvPr>
-          <p:cNvPicPr>
-            <a:picLocks noChangeAspect="1"/>
-          </p:cNvPicPr>
-          <p:nvPr/>
-        </p:nvPicPr>
-        <p:blipFill>
-          <a:blip r:embed="rId3"/>
-          <a:stretch>
-            <a:fillRect/>
-          </a:stretch>
-        </p:blipFill>
-        <p:spPr>
-          <a:xfrm>
-            <a:off x="620650" y="3051281"/>
-            <a:ext cx="7902699" cy="1200410"/>
-          </a:xfrm>
-          <a:prstGeom prst="rect">
-            <a:avLst/>
-          </a:prstGeom>
-        </p:spPr>
-      </p:pic>
-      <p:pic>
-        <p:nvPicPr>
-          <p:cNvPr id="6" name="Picture 5">
-            <a:extLst>
-              <a:ext uri="{FF2B5EF4-FFF2-40B4-BE49-F238E27FC236}">
-                <a16:creationId xmlns:a16="http://schemas.microsoft.com/office/drawing/2014/main" id="{4F56166B-0A3D-46A2-B03A-565C86C2724A}"/>
-              </a:ext>
-            </a:extLst>
-          </p:cNvPr>
-          <p:cNvPicPr>
-            <a:picLocks noChangeAspect="1"/>
-          </p:cNvPicPr>
-          <p:nvPr/>
-        </p:nvPicPr>
-        <p:blipFill>
-          <a:blip r:embed="rId4"/>
-          <a:stretch>
-            <a:fillRect/>
-          </a:stretch>
-        </p:blipFill>
-        <p:spPr>
-          <a:xfrm>
-            <a:off x="1977668" y="4419600"/>
-            <a:ext cx="5188662" cy="2248420"/>
-          </a:xfrm>
-          <a:prstGeom prst="rect">
-            <a:avLst/>
-          </a:prstGeom>
-        </p:spPr>
-      </p:pic>
-      <p:sp>
-        <p:nvSpPr>
-          <p:cNvPr id="14" name="Rectangle 13">
-            <a:extLst>
-              <a:ext uri="{FF2B5EF4-FFF2-40B4-BE49-F238E27FC236}">
-                <a16:creationId xmlns:a16="http://schemas.microsoft.com/office/drawing/2014/main" id="{331A6B7C-95E9-4F70-82A9-96539BF38BAB}"/>
-              </a:ext>
-            </a:extLst>
-          </p:cNvPr>
-          <p:cNvSpPr/>
-          <p:nvPr/>
-        </p:nvSpPr>
-        <p:spPr>
-          <a:xfrm>
-            <a:off x="2520110" y="5791172"/>
-            <a:ext cx="4267200" cy="737600"/>
-          </a:xfrm>
-          <a:prstGeom prst="rect">
-            <a:avLst/>
-          </a:prstGeom>
-          <a:noFill/>
-          <a:ln w="38100" cap="flat" cmpd="sng" algn="ctr">
-            <a:solidFill>
-              <a:srgbClr val="FF0000"/>
-            </a:solidFill>
-            <a:prstDash val="solid"/>
-            <a:round/>
-            <a:headEnd type="none" w="med" len="med"/>
-            <a:tailEnd type="none" w="med" len="med"/>
-          </a:ln>
-        </p:spPr>
-        <p:style>
-          <a:lnRef idx="0">
-            <a:scrgbClr r="0" g="0" b="0"/>
-          </a:lnRef>
-          <a:fillRef idx="0">
-            <a:scrgbClr r="0" g="0" b="0"/>
-          </a:fillRef>
-          <a:effectRef idx="0">
-            <a:scrgbClr r="0" g="0" b="0"/>
-          </a:effectRef>
-          <a:fontRef idx="minor">
-            <a:schemeClr val="accent2"/>
-          </a:fontRef>
-        </p:style>
-        <p:txBody>
-          <a:bodyPr rtlCol="0" anchor="ctr"/>
-          <a:lstStyle/>
-          <a:p>
-            <a:pPr algn="ctr"/>
-            <a:endParaRPr lang="en-US"/>
-          </a:p>
-        </p:txBody>
-      </p:sp>
-    </p:spTree>
-    <p:extLst>
-      <p:ext uri="{BB962C8B-B14F-4D97-AF65-F5344CB8AC3E}">
-        <p14:creationId xmlns:p14="http://schemas.microsoft.com/office/powerpoint/2010/main" val="2627191171"/>
-      </p:ext>
-    </p:extLst>
-  </p:cSld>
-  <p:clrMapOvr>
-    <a:masterClrMapping/>
-  </p:clrMapOvr>
-</p:sld>
-</file>
-
-<file path=ppt/slides/slide27.xml><?xml version="1.0" encoding="utf-8"?>
-<p:sld xmlns:a="http://schemas.openxmlformats.org/drawingml/2006/main" xmlns:r="http://schemas.openxmlformats.org/officeDocument/2006/relationships" xmlns:p="http://schemas.openxmlformats.org/presentationml/2006/main">
-  <p:cSld>
-    <p:spTree>
-      <p:nvGrpSpPr>
-        <p:cNvPr id="1" name=""/>
-        <p:cNvGrpSpPr/>
-        <p:nvPr/>
-      </p:nvGrpSpPr>
-      <p:grpSpPr>
-        <a:xfrm>
-          <a:off x="0" y="0"/>
-          <a:ext cx="0" cy="0"/>
-          <a:chOff x="0" y="0"/>
-          <a:chExt cx="0" cy="0"/>
-        </a:xfrm>
-      </p:grpSpPr>
-      <p:sp>
-        <p:nvSpPr>
-          <p:cNvPr id="7" name="Text Placeholder 6">
-            <a:extLst>
-              <a:ext uri="{FF2B5EF4-FFF2-40B4-BE49-F238E27FC236}">
-                <a16:creationId xmlns:a16="http://schemas.microsoft.com/office/drawing/2014/main" id="{AD4784ED-3608-4E69-92EA-F57E5EAD0EB2}"/>
-              </a:ext>
-            </a:extLst>
-          </p:cNvPr>
-          <p:cNvSpPr>
-            <a:spLocks noGrp="1"/>
-          </p:cNvSpPr>
-          <p:nvPr>
-            <p:ph type="body" sz="quarter" idx="10"/>
-          </p:nvPr>
-        </p:nvSpPr>
-        <p:spPr/>
-        <p:txBody>
-          <a:bodyPr/>
-          <a:lstStyle/>
-          <a:p>
-            <a:r>
-              <a:rPr lang="en-US" dirty="0"/>
-              <a:t>Example in 3DoF Robot </a:t>
-            </a:r>
-          </a:p>
-        </p:txBody>
-      </p:sp>
-      <p:sp>
-        <p:nvSpPr>
-          <p:cNvPr id="2" name="Rectangle 1">
-            <a:extLst>
-              <a:ext uri="{FF2B5EF4-FFF2-40B4-BE49-F238E27FC236}">
-                <a16:creationId xmlns:a16="http://schemas.microsoft.com/office/drawing/2014/main" id="{F194B519-4FBA-4EAF-8AD7-327B9BACBECC}"/>
-              </a:ext>
-            </a:extLst>
-          </p:cNvPr>
-          <p:cNvSpPr/>
-          <p:nvPr/>
-        </p:nvSpPr>
-        <p:spPr>
-          <a:xfrm>
-            <a:off x="152400" y="1143000"/>
-            <a:ext cx="8839200" cy="5562600"/>
-          </a:xfrm>
-          <a:prstGeom prst="rect">
-            <a:avLst/>
-          </a:prstGeom>
-        </p:spPr>
-        <p:style>
-          <a:lnRef idx="2">
-            <a:schemeClr val="dk1"/>
-          </a:lnRef>
-          <a:fillRef idx="1">
-            <a:schemeClr val="lt1"/>
-          </a:fillRef>
-          <a:effectRef idx="0">
-            <a:schemeClr val="dk1"/>
-          </a:effectRef>
-          <a:fontRef idx="minor">
-            <a:schemeClr val="dk1"/>
-          </a:fontRef>
-        </p:style>
-        <p:txBody>
-          <a:bodyPr rtlCol="0" anchor="ctr"/>
-          <a:lstStyle/>
-          <a:p>
-            <a:pPr algn="ctr"/>
-            <a:endParaRPr lang="en-US"/>
-          </a:p>
-        </p:txBody>
-      </p:sp>
-      <p:pic>
-        <p:nvPicPr>
-          <p:cNvPr id="3" name="Picture 2">
-            <a:extLst>
-              <a:ext uri="{FF2B5EF4-FFF2-40B4-BE49-F238E27FC236}">
-                <a16:creationId xmlns:a16="http://schemas.microsoft.com/office/drawing/2014/main" id="{838049D5-BD46-44CB-9495-AAB1F7960EBF}"/>
-              </a:ext>
-            </a:extLst>
-          </p:cNvPr>
-          <p:cNvPicPr>
-            <a:picLocks noChangeAspect="1"/>
-          </p:cNvPicPr>
-          <p:nvPr/>
-        </p:nvPicPr>
-        <p:blipFill>
-          <a:blip r:embed="rId2"/>
-          <a:stretch>
-            <a:fillRect/>
-          </a:stretch>
-        </p:blipFill>
-        <p:spPr>
-          <a:xfrm>
-            <a:off x="609600" y="1466319"/>
-            <a:ext cx="7581900" cy="5163081"/>
-          </a:xfrm>
-          <a:prstGeom prst="rect">
-            <a:avLst/>
-          </a:prstGeom>
-        </p:spPr>
-      </p:pic>
-      <p:pic>
-        <p:nvPicPr>
-          <p:cNvPr id="4" name="Picture 3">
-            <a:extLst>
-              <a:ext uri="{FF2B5EF4-FFF2-40B4-BE49-F238E27FC236}">
-                <a16:creationId xmlns:a16="http://schemas.microsoft.com/office/drawing/2014/main" id="{0E15E16C-DD76-4CD3-B513-0F60E29E82D1}"/>
-              </a:ext>
-            </a:extLst>
-          </p:cNvPr>
-          <p:cNvPicPr>
-            <a:picLocks noChangeAspect="1"/>
-          </p:cNvPicPr>
-          <p:nvPr/>
-        </p:nvPicPr>
-        <p:blipFill>
-          <a:blip r:embed="rId3"/>
-          <a:stretch>
-            <a:fillRect/>
-          </a:stretch>
-        </p:blipFill>
-        <p:spPr>
-          <a:xfrm>
-            <a:off x="1588293" y="1316800"/>
-            <a:ext cx="5967413" cy="5308379"/>
-          </a:xfrm>
-          <a:prstGeom prst="rect">
-            <a:avLst/>
-          </a:prstGeom>
-        </p:spPr>
-      </p:pic>
-      <p:pic>
-        <p:nvPicPr>
-          <p:cNvPr id="5" name="Picture 4">
-            <a:extLst>
-              <a:ext uri="{FF2B5EF4-FFF2-40B4-BE49-F238E27FC236}">
-                <a16:creationId xmlns:a16="http://schemas.microsoft.com/office/drawing/2014/main" id="{50E95265-B354-4FC3-80CF-381EDA7721CE}"/>
-              </a:ext>
-            </a:extLst>
-          </p:cNvPr>
-          <p:cNvPicPr>
-            <a:picLocks noChangeAspect="1"/>
-          </p:cNvPicPr>
-          <p:nvPr/>
-        </p:nvPicPr>
-        <p:blipFill>
-          <a:blip r:embed="rId4"/>
-          <a:stretch>
-            <a:fillRect/>
-          </a:stretch>
-        </p:blipFill>
-        <p:spPr>
-          <a:xfrm>
-            <a:off x="723900" y="1752600"/>
-            <a:ext cx="8099469" cy="4677948"/>
-          </a:xfrm>
-          <a:prstGeom prst="rect">
-            <a:avLst/>
-          </a:prstGeom>
-        </p:spPr>
-      </p:pic>
-      <p:sp>
-        <p:nvSpPr>
-          <p:cNvPr id="6" name="Rectangle 5">
-            <a:extLst>
-              <a:ext uri="{FF2B5EF4-FFF2-40B4-BE49-F238E27FC236}">
-                <a16:creationId xmlns:a16="http://schemas.microsoft.com/office/drawing/2014/main" id="{D9E996AE-644E-4999-AAE0-BC610A636925}"/>
-              </a:ext>
-            </a:extLst>
-          </p:cNvPr>
-          <p:cNvSpPr/>
-          <p:nvPr/>
-        </p:nvSpPr>
-        <p:spPr>
-          <a:xfrm>
-            <a:off x="2256425" y="1084302"/>
-            <a:ext cx="4800600" cy="369332"/>
-          </a:xfrm>
-          <a:prstGeom prst="rect">
-            <a:avLst/>
-          </a:prstGeom>
-        </p:spPr>
-        <p:txBody>
-          <a:bodyPr wrap="square">
-            <a:spAutoFit/>
-          </a:bodyPr>
-          <a:lstStyle/>
-          <a:p>
-            <a:r>
-              <a:rPr lang="en-US" dirty="0">
-                <a:hlinkClick r:id="rId5"/>
-              </a:rPr>
-              <a:t>http://www.roboanalyzer.com/downloads.html</a:t>
-            </a:r>
-            <a:endParaRPr lang="en-US" dirty="0"/>
-          </a:p>
-        </p:txBody>
-      </p:sp>
-    </p:spTree>
-    <p:extLst>
-      <p:ext uri="{BB962C8B-B14F-4D97-AF65-F5344CB8AC3E}">
-        <p14:creationId xmlns:p14="http://schemas.microsoft.com/office/powerpoint/2010/main" val="2446059374"/>
+        <p14:creationId xmlns:p14="http://schemas.microsoft.com/office/powerpoint/2010/main" val="2138227001"/>
       </p:ext>
     </p:extLst>
   </p:cSld>
@@ -9308,58 +7455,14 @@
                             </p:stCondLst>
                             <p:childTnLst>
                               <p:par>
-                                <p:cTn id="10" presetID="10" presetClass="exit" presetSubtype="0" fill="hold" nodeType="clickEffect">
-                                  <p:stCondLst>
-                                    <p:cond delay="0"/>
-                                  </p:stCondLst>
-                                  <p:childTnLst>
-                                    <p:animEffect transition="out" filter="fade">
-                                      <p:cBhvr>
-                                        <p:cTn id="11" dur="500"/>
-                                        <p:tgtEl>
-                                          <p:spTgt spid="3"/>
-                                        </p:tgtEl>
-                                      </p:cBhvr>
-                                    </p:animEffect>
-                                    <p:set>
-                                      <p:cBhvr>
-                                        <p:cTn id="12" dur="1" fill="hold">
-                                          <p:stCondLst>
-                                            <p:cond delay="499"/>
-                                          </p:stCondLst>
-                                        </p:cTn>
-                                        <p:tgtEl>
-                                          <p:spTgt spid="3"/>
-                                        </p:tgtEl>
-                                        <p:attrNameLst>
-                                          <p:attrName>style.visibility</p:attrName>
-                                        </p:attrNameLst>
-                                      </p:cBhvr>
-                                      <p:to>
-                                        <p:strVal val="hidden"/>
-                                      </p:to>
-                                    </p:set>
-                                  </p:childTnLst>
-                                </p:cTn>
-                              </p:par>
-                            </p:childTnLst>
-                          </p:cTn>
-                        </p:par>
-                        <p:par>
-                          <p:cTn id="13" fill="hold">
-                            <p:stCondLst>
-                              <p:cond delay="500"/>
-                            </p:stCondLst>
-                            <p:childTnLst>
-                              <p:par>
-                                <p:cTn id="14" presetID="10" presetClass="entr" presetSubtype="0" fill="hold" nodeType="afterEffect">
+                                <p:cTn id="10" presetID="10" presetClass="entr" presetSubtype="0" fill="hold" nodeType="clickEffect">
                                   <p:stCondLst>
                                     <p:cond delay="0"/>
                                   </p:stCondLst>
                                   <p:childTnLst>
                                     <p:set>
                                       <p:cBhvr>
-                                        <p:cTn id="15" dur="1" fill="hold">
+                                        <p:cTn id="11" dur="1" fill="hold">
                                           <p:stCondLst>
                                             <p:cond delay="0"/>
                                           </p:stCondLst>
@@ -9377,7 +7480,7 @@
                                     </p:set>
                                     <p:animEffect transition="in" filter="fade">
                                       <p:cBhvr>
-                                        <p:cTn id="16" dur="500"/>
+                                        <p:cTn id="12" dur="500"/>
                                         <p:tgtEl>
                                           <p:spTgt spid="4"/>
                                         </p:tgtEl>
@@ -9393,70 +7496,26 @@
                     </p:cTn>
                   </p:par>
                   <p:par>
-                    <p:cTn id="17" fill="hold">
+                    <p:cTn id="13" fill="hold">
                       <p:stCondLst>
                         <p:cond delay="indefinite"/>
                       </p:stCondLst>
                       <p:childTnLst>
                         <p:par>
-                          <p:cTn id="18" fill="hold">
+                          <p:cTn id="14" fill="hold">
                             <p:stCondLst>
                               <p:cond delay="0"/>
                             </p:stCondLst>
                             <p:childTnLst>
                               <p:par>
-                                <p:cTn id="19" presetID="10" presetClass="exit" presetSubtype="0" fill="hold" nodeType="clickEffect">
-                                  <p:stCondLst>
-                                    <p:cond delay="0"/>
-                                  </p:stCondLst>
-                                  <p:childTnLst>
-                                    <p:animEffect transition="out" filter="fade">
-                                      <p:cBhvr>
-                                        <p:cTn id="20" dur="500"/>
-                                        <p:tgtEl>
-                                          <p:spTgt spid="4"/>
-                                        </p:tgtEl>
-                                      </p:cBhvr>
-                                    </p:animEffect>
-                                    <p:set>
-                                      <p:cBhvr>
-                                        <p:cTn id="21" dur="1" fill="hold">
-                                          <p:stCondLst>
-                                            <p:cond delay="499"/>
-                                          </p:stCondLst>
-                                        </p:cTn>
-                                        <p:tgtEl>
-                                          <p:spTgt spid="4"/>
-                                        </p:tgtEl>
-                                        <p:attrNameLst>
-                                          <p:attrName>style.visibility</p:attrName>
-                                        </p:attrNameLst>
-                                      </p:cBhvr>
-                                      <p:to>
-                                        <p:strVal val="hidden"/>
-                                      </p:to>
-                                    </p:set>
-                                  </p:childTnLst>
-                                </p:cTn>
-                              </p:par>
-                            </p:childTnLst>
-                          </p:cTn>
-                        </p:par>
-                        <p:par>
-                          <p:cTn id="22" fill="hold">
-                            <p:stCondLst>
-                              <p:cond delay="500"/>
-                            </p:stCondLst>
-                            <p:childTnLst>
-                              <p:par>
-                                <p:cTn id="23" presetID="10" presetClass="entr" presetSubtype="0" fill="hold" nodeType="afterEffect">
+                                <p:cTn id="15" presetID="10" presetClass="entr" presetSubtype="0" fill="hold" nodeType="clickEffect">
                                   <p:stCondLst>
                                     <p:cond delay="0"/>
                                   </p:stCondLst>
                                   <p:childTnLst>
                                     <p:set>
                                       <p:cBhvr>
-                                        <p:cTn id="24" dur="1" fill="hold">
+                                        <p:cTn id="16" dur="1" fill="hold">
                                           <p:stCondLst>
                                             <p:cond delay="0"/>
                                           </p:stCondLst>
@@ -9474,9 +7533,62 @@
                                     </p:set>
                                     <p:animEffect transition="in" filter="fade">
                                       <p:cBhvr>
-                                        <p:cTn id="25" dur="500"/>
+                                        <p:cTn id="17" dur="500"/>
                                         <p:tgtEl>
                                           <p:spTgt spid="5"/>
+                                        </p:tgtEl>
+                                      </p:cBhvr>
+                                    </p:animEffect>
+                                  </p:childTnLst>
+                                </p:cTn>
+                              </p:par>
+                            </p:childTnLst>
+                          </p:cTn>
+                        </p:par>
+                      </p:childTnLst>
+                    </p:cTn>
+                  </p:par>
+                  <p:par>
+                    <p:cTn id="18" fill="hold">
+                      <p:stCondLst>
+                        <p:cond delay="indefinite"/>
+                      </p:stCondLst>
+                      <p:childTnLst>
+                        <p:par>
+                          <p:cTn id="19" fill="hold">
+                            <p:stCondLst>
+                              <p:cond delay="0"/>
+                            </p:stCondLst>
+                            <p:childTnLst>
+                              <p:par>
+                                <p:cTn id="20" presetID="10" presetClass="entr" presetSubtype="0" fill="hold" nodeType="clickEffect">
+                                  <p:stCondLst>
+                                    <p:cond delay="0"/>
+                                  </p:stCondLst>
+                                  <p:childTnLst>
+                                    <p:set>
+                                      <p:cBhvr>
+                                        <p:cTn id="21" dur="1" fill="hold">
+                                          <p:stCondLst>
+                                            <p:cond delay="0"/>
+                                          </p:stCondLst>
+                                        </p:cTn>
+                                        <p:tgtEl>
+                                          <p:spTgt spid="9"/>
+                                        </p:tgtEl>
+                                        <p:attrNameLst>
+                                          <p:attrName>style.visibility</p:attrName>
+                                        </p:attrNameLst>
+                                      </p:cBhvr>
+                                      <p:to>
+                                        <p:strVal val="visible"/>
+                                      </p:to>
+                                    </p:set>
+                                    <p:animEffect transition="in" filter="fade">
+                                      <p:cBhvr>
+                                        <p:cTn id="22" dur="500"/>
+                                        <p:tgtEl>
+                                          <p:spTgt spid="9"/>
                                         </p:tgtEl>
                                       </p:cBhvr>
                                     </p:animEffect>
@@ -9514,7 +7626,7 @@
 </p:sld>
 </file>
 
-<file path=ppt/slides/slide28.xml><?xml version="1.0" encoding="utf-8"?>
+<file path=ppt/slides/slide22.xml><?xml version="1.0" encoding="utf-8"?>
 <p:sld xmlns:a="http://schemas.openxmlformats.org/drawingml/2006/main" xmlns:r="http://schemas.openxmlformats.org/officeDocument/2006/relationships" xmlns:p="http://schemas.openxmlformats.org/presentationml/2006/main">
   <p:cSld>
     <p:spTree>
@@ -9605,10 +7717,10 @@
       </p:sp>
       <p:pic>
         <p:nvPicPr>
-          <p:cNvPr id="8" name="Picture 7">
+          <p:cNvPr id="4" name="Picture 3">
             <a:extLst>
               <a:ext uri="{FF2B5EF4-FFF2-40B4-BE49-F238E27FC236}">
-                <a16:creationId xmlns:a16="http://schemas.microsoft.com/office/drawing/2014/main" id="{CE4A1894-34DD-4874-98D8-1438E47AB14B}"/>
+                <a16:creationId xmlns:a16="http://schemas.microsoft.com/office/drawing/2014/main" id="{F76E9B6C-A122-4D5F-B2C5-0E5AE25E9F2D}"/>
               </a:ext>
             </a:extLst>
           </p:cNvPr>
@@ -9625,8 +7737,8 @@
         </p:blipFill>
         <p:spPr>
           <a:xfrm>
-            <a:off x="417181" y="1924812"/>
-            <a:ext cx="8309638" cy="1676400"/>
+            <a:off x="2971800" y="1566182"/>
+            <a:ext cx="2895600" cy="982436"/>
           </a:xfrm>
           <a:prstGeom prst="rect">
             <a:avLst/>
@@ -9635,10 +7747,10 @@
       </p:pic>
       <p:pic>
         <p:nvPicPr>
-          <p:cNvPr id="5" name="Picture 4">
+          <p:cNvPr id="3" name="Picture 2">
             <a:extLst>
               <a:ext uri="{FF2B5EF4-FFF2-40B4-BE49-F238E27FC236}">
-                <a16:creationId xmlns:a16="http://schemas.microsoft.com/office/drawing/2014/main" id="{1A1DFC26-AC7F-4E52-8D47-42534BCC6E61}"/>
+                <a16:creationId xmlns:a16="http://schemas.microsoft.com/office/drawing/2014/main" id="{6EFE784C-036C-4083-A4CA-6757EB670A1B}"/>
               </a:ext>
             </a:extLst>
           </p:cNvPr>
@@ -9647,15 +7759,16 @@
           </p:cNvPicPr>
           <p:nvPr/>
         </p:nvPicPr>
-        <p:blipFill rotWithShape="1">
+        <p:blipFill>
           <a:blip r:embed="rId3"/>
-          <a:srcRect l="36138" t="48694" r="13958"/>
-          <a:stretch/>
+          <a:stretch>
+            <a:fillRect/>
+          </a:stretch>
         </p:blipFill>
         <p:spPr>
           <a:xfrm>
-            <a:off x="4419600" y="4419600"/>
-            <a:ext cx="4114800" cy="1605754"/>
+            <a:off x="449272" y="2971800"/>
+            <a:ext cx="8245456" cy="3129754"/>
           </a:xfrm>
           <a:prstGeom prst="rect">
             <a:avLst/>
@@ -9665,7 +7778,7 @@
     </p:spTree>
     <p:extLst>
       <p:ext uri="{BB962C8B-B14F-4D97-AF65-F5344CB8AC3E}">
-        <p14:creationId xmlns:p14="http://schemas.microsoft.com/office/powerpoint/2010/main" val="1363058741"/>
+        <p14:creationId xmlns:p14="http://schemas.microsoft.com/office/powerpoint/2010/main" val="320387001"/>
       </p:ext>
     </p:extLst>
   </p:cSld>
@@ -9675,7 +7788,7 @@
 </p:sld>
 </file>
 
-<file path=ppt/slides/slide29.xml><?xml version="1.0" encoding="utf-8"?>
+<file path=ppt/slides/slide23.xml><?xml version="1.0" encoding="utf-8"?>
 <p:sld xmlns:a="http://schemas.openxmlformats.org/drawingml/2006/main" xmlns:r="http://schemas.openxmlformats.org/officeDocument/2006/relationships" xmlns:p="http://schemas.openxmlformats.org/presentationml/2006/main">
   <p:cSld>
     <p:spTree>
@@ -9715,7 +7828,7 @@
           <a:p>
             <a:r>
               <a:rPr lang="en-US" dirty="0"/>
-              <a:t>Example in 3DoF Robot </a:t>
+              <a:t>Simplification</a:t>
             </a:r>
           </a:p>
         </p:txBody>
@@ -9769,7 +7882,7 @@
           <p:cNvPr id="3" name="Picture 2">
             <a:extLst>
               <a:ext uri="{FF2B5EF4-FFF2-40B4-BE49-F238E27FC236}">
-                <a16:creationId xmlns:a16="http://schemas.microsoft.com/office/drawing/2014/main" id="{C5B30647-AC42-446C-A269-8A2849DCE75B}"/>
+                <a16:creationId xmlns:a16="http://schemas.microsoft.com/office/drawing/2014/main" id="{0297F13F-A6B7-4705-B88B-9E8F862A6EC9}"/>
               </a:ext>
             </a:extLst>
           </p:cNvPr>
@@ -9778,15 +7891,178 @@
           </p:cNvPicPr>
           <p:nvPr/>
         </p:nvPicPr>
-        <p:blipFill rotWithShape="1">
+        <p:blipFill>
           <a:blip r:embed="rId2"/>
-          <a:srcRect t="608" r="45620" b="75570"/>
-          <a:stretch/>
+          <a:stretch>
+            <a:fillRect/>
+          </a:stretch>
         </p:blipFill>
         <p:spPr>
           <a:xfrm>
-            <a:off x="533400" y="1688469"/>
-            <a:ext cx="6705600" cy="2984074"/>
+            <a:off x="585856" y="1447800"/>
+            <a:ext cx="7972288" cy="2333625"/>
+          </a:xfrm>
+          <a:prstGeom prst="rect">
+            <a:avLst/>
+          </a:prstGeom>
+        </p:spPr>
+      </p:pic>
+      <p:pic>
+        <p:nvPicPr>
+          <p:cNvPr id="4" name="Picture 3">
+            <a:extLst>
+              <a:ext uri="{FF2B5EF4-FFF2-40B4-BE49-F238E27FC236}">
+                <a16:creationId xmlns:a16="http://schemas.microsoft.com/office/drawing/2014/main" id="{705A5656-F582-4258-961F-5CD734761052}"/>
+              </a:ext>
+            </a:extLst>
+          </p:cNvPr>
+          <p:cNvPicPr>
+            <a:picLocks noChangeAspect="1"/>
+          </p:cNvPicPr>
+          <p:nvPr/>
+        </p:nvPicPr>
+        <p:blipFill>
+          <a:blip r:embed="rId3"/>
+          <a:stretch>
+            <a:fillRect/>
+          </a:stretch>
+        </p:blipFill>
+        <p:spPr>
+          <a:xfrm>
+            <a:off x="2182368" y="4109189"/>
+            <a:ext cx="4779264" cy="2333625"/>
+          </a:xfrm>
+          <a:prstGeom prst="rect">
+            <a:avLst/>
+          </a:prstGeom>
+        </p:spPr>
+      </p:pic>
+    </p:spTree>
+    <p:extLst>
+      <p:ext uri="{BB962C8B-B14F-4D97-AF65-F5344CB8AC3E}">
+        <p14:creationId xmlns:p14="http://schemas.microsoft.com/office/powerpoint/2010/main" val="1365817958"/>
+      </p:ext>
+    </p:extLst>
+  </p:cSld>
+  <p:clrMapOvr>
+    <a:masterClrMapping/>
+  </p:clrMapOvr>
+</p:sld>
+</file>
+
+<file path=ppt/slides/slide24.xml><?xml version="1.0" encoding="utf-8"?>
+<p:sld xmlns:a="http://schemas.openxmlformats.org/drawingml/2006/main" xmlns:r="http://schemas.openxmlformats.org/officeDocument/2006/relationships" xmlns:p="http://schemas.openxmlformats.org/presentationml/2006/main">
+  <p:cSld>
+    <p:spTree>
+      <p:nvGrpSpPr>
+        <p:cNvPr id="1" name=""/>
+        <p:cNvGrpSpPr/>
+        <p:nvPr/>
+      </p:nvGrpSpPr>
+      <p:grpSpPr>
+        <a:xfrm>
+          <a:off x="0" y="0"/>
+          <a:ext cx="0" cy="0"/>
+          <a:chOff x="0" y="0"/>
+          <a:chExt cx="0" cy="0"/>
+        </a:xfrm>
+      </p:grpSpPr>
+      <p:sp>
+        <p:nvSpPr>
+          <p:cNvPr id="7" name="Text Placeholder 6">
+            <a:extLst>
+              <a:ext uri="{FF2B5EF4-FFF2-40B4-BE49-F238E27FC236}">
+                <a16:creationId xmlns:a16="http://schemas.microsoft.com/office/drawing/2014/main" id="{AD4784ED-3608-4E69-92EA-F57E5EAD0EB2}"/>
+              </a:ext>
+            </a:extLst>
+          </p:cNvPr>
+          <p:cNvSpPr>
+            <a:spLocks noGrp="1"/>
+          </p:cNvSpPr>
+          <p:nvPr>
+            <p:ph type="body" sz="quarter" idx="10"/>
+          </p:nvPr>
+        </p:nvSpPr>
+        <p:spPr/>
+        <p:txBody>
+          <a:bodyPr/>
+          <a:lstStyle/>
+          <a:p>
+            <a:r>
+              <a:rPr lang="en-US" dirty="0"/>
+              <a:t>Example in 3DoF Robot </a:t>
+            </a:r>
+          </a:p>
+        </p:txBody>
+      </p:sp>
+      <p:sp>
+        <p:nvSpPr>
+          <p:cNvPr id="2" name="Rectangle 1">
+            <a:extLst>
+              <a:ext uri="{FF2B5EF4-FFF2-40B4-BE49-F238E27FC236}">
+                <a16:creationId xmlns:a16="http://schemas.microsoft.com/office/drawing/2014/main" id="{F194B519-4FBA-4EAF-8AD7-327B9BACBECC}"/>
+              </a:ext>
+            </a:extLst>
+          </p:cNvPr>
+          <p:cNvSpPr/>
+          <p:nvPr/>
+        </p:nvSpPr>
+        <p:spPr>
+          <a:xfrm>
+            <a:off x="152400" y="1143000"/>
+            <a:ext cx="8839200" cy="5562600"/>
+          </a:xfrm>
+          <a:prstGeom prst="rect">
+            <a:avLst/>
+          </a:prstGeom>
+        </p:spPr>
+        <p:style>
+          <a:lnRef idx="2">
+            <a:schemeClr val="dk1"/>
+          </a:lnRef>
+          <a:fillRef idx="1">
+            <a:schemeClr val="lt1"/>
+          </a:fillRef>
+          <a:effectRef idx="0">
+            <a:schemeClr val="dk1"/>
+          </a:effectRef>
+          <a:fontRef idx="minor">
+            <a:schemeClr val="dk1"/>
+          </a:fontRef>
+        </p:style>
+        <p:txBody>
+          <a:bodyPr rtlCol="0" anchor="ctr"/>
+          <a:lstStyle/>
+          <a:p>
+            <a:pPr algn="ctr"/>
+            <a:endParaRPr lang="en-US"/>
+          </a:p>
+        </p:txBody>
+      </p:sp>
+      <p:pic>
+        <p:nvPicPr>
+          <p:cNvPr id="3" name="Picture 2">
+            <a:extLst>
+              <a:ext uri="{FF2B5EF4-FFF2-40B4-BE49-F238E27FC236}">
+                <a16:creationId xmlns:a16="http://schemas.microsoft.com/office/drawing/2014/main" id="{B1474959-00ED-44BE-B106-9D63CB56CA43}"/>
+              </a:ext>
+            </a:extLst>
+          </p:cNvPr>
+          <p:cNvPicPr>
+            <a:picLocks noChangeAspect="1"/>
+          </p:cNvPicPr>
+          <p:nvPr/>
+        </p:nvPicPr>
+        <p:blipFill>
+          <a:blip r:embed="rId2"/>
+          <a:stretch>
+            <a:fillRect/>
+          </a:stretch>
+        </p:blipFill>
+        <p:spPr>
+          <a:xfrm>
+            <a:off x="228600" y="3040995"/>
+            <a:ext cx="6324600" cy="3441494"/>
           </a:xfrm>
           <a:prstGeom prst="rect">
             <a:avLst/>
@@ -9798,7 +8074,355 @@
           <p:cNvPr id="5" name="Picture 4">
             <a:extLst>
               <a:ext uri="{FF2B5EF4-FFF2-40B4-BE49-F238E27FC236}">
-                <a16:creationId xmlns:a16="http://schemas.microsoft.com/office/drawing/2014/main" id="{2DF7ACA0-9C66-46B8-A28B-C15E2ACA0200}"/>
+                <a16:creationId xmlns:a16="http://schemas.microsoft.com/office/drawing/2014/main" id="{21DA36F7-5D30-4453-A519-973A2E01A361}"/>
+              </a:ext>
+            </a:extLst>
+          </p:cNvPr>
+          <p:cNvPicPr>
+            <a:picLocks noChangeAspect="1"/>
+          </p:cNvPicPr>
+          <p:nvPr/>
+        </p:nvPicPr>
+        <p:blipFill>
+          <a:blip r:embed="rId3"/>
+          <a:stretch>
+            <a:fillRect/>
+          </a:stretch>
+        </p:blipFill>
+        <p:spPr>
+          <a:xfrm>
+            <a:off x="1524000" y="1219200"/>
+            <a:ext cx="3731037" cy="1821795"/>
+          </a:xfrm>
+          <a:prstGeom prst="rect">
+            <a:avLst/>
+          </a:prstGeom>
+        </p:spPr>
+      </p:pic>
+      <p:pic>
+        <p:nvPicPr>
+          <p:cNvPr id="4" name="Picture 3">
+            <a:extLst>
+              <a:ext uri="{FF2B5EF4-FFF2-40B4-BE49-F238E27FC236}">
+                <a16:creationId xmlns:a16="http://schemas.microsoft.com/office/drawing/2014/main" id="{A2D4BB49-3FF1-479B-B58B-6FD0E2DEEECE}"/>
+              </a:ext>
+            </a:extLst>
+          </p:cNvPr>
+          <p:cNvPicPr>
+            <a:picLocks noChangeAspect="1"/>
+          </p:cNvPicPr>
+          <p:nvPr/>
+        </p:nvPicPr>
+        <p:blipFill>
+          <a:blip r:embed="rId4"/>
+          <a:stretch>
+            <a:fillRect/>
+          </a:stretch>
+        </p:blipFill>
+        <p:spPr>
+          <a:xfrm>
+            <a:off x="5791200" y="5410200"/>
+            <a:ext cx="3161253" cy="1262267"/>
+          </a:xfrm>
+          <a:prstGeom prst="rect">
+            <a:avLst/>
+          </a:prstGeom>
+        </p:spPr>
+      </p:pic>
+    </p:spTree>
+    <p:extLst>
+      <p:ext uri="{BB962C8B-B14F-4D97-AF65-F5344CB8AC3E}">
+        <p14:creationId xmlns:p14="http://schemas.microsoft.com/office/powerpoint/2010/main" val="4194273508"/>
+      </p:ext>
+    </p:extLst>
+  </p:cSld>
+  <p:clrMapOvr>
+    <a:masterClrMapping/>
+  </p:clrMapOvr>
+</p:sld>
+</file>
+
+<file path=ppt/slides/slide25.xml><?xml version="1.0" encoding="utf-8"?>
+<p:sld xmlns:a="http://schemas.openxmlformats.org/drawingml/2006/main" xmlns:r="http://schemas.openxmlformats.org/officeDocument/2006/relationships" xmlns:p="http://schemas.openxmlformats.org/presentationml/2006/main">
+  <p:cSld>
+    <p:spTree>
+      <p:nvGrpSpPr>
+        <p:cNvPr id="1" name=""/>
+        <p:cNvGrpSpPr/>
+        <p:nvPr/>
+      </p:nvGrpSpPr>
+      <p:grpSpPr>
+        <a:xfrm>
+          <a:off x="0" y="0"/>
+          <a:ext cx="0" cy="0"/>
+          <a:chOff x="0" y="0"/>
+          <a:chExt cx="0" cy="0"/>
+        </a:xfrm>
+      </p:grpSpPr>
+      <p:sp>
+        <p:nvSpPr>
+          <p:cNvPr id="7" name="Text Placeholder 6">
+            <a:extLst>
+              <a:ext uri="{FF2B5EF4-FFF2-40B4-BE49-F238E27FC236}">
+                <a16:creationId xmlns:a16="http://schemas.microsoft.com/office/drawing/2014/main" id="{AD4784ED-3608-4E69-92EA-F57E5EAD0EB2}"/>
+              </a:ext>
+            </a:extLst>
+          </p:cNvPr>
+          <p:cNvSpPr>
+            <a:spLocks noGrp="1"/>
+          </p:cNvSpPr>
+          <p:nvPr>
+            <p:ph type="body" sz="quarter" idx="10"/>
+          </p:nvPr>
+        </p:nvSpPr>
+        <p:spPr/>
+        <p:txBody>
+          <a:bodyPr/>
+          <a:lstStyle/>
+          <a:p>
+            <a:r>
+              <a:rPr lang="en-US" dirty="0"/>
+              <a:t>Example in 3DoF Robot </a:t>
+            </a:r>
+          </a:p>
+        </p:txBody>
+      </p:sp>
+      <p:sp>
+        <p:nvSpPr>
+          <p:cNvPr id="2" name="Rectangle 1">
+            <a:extLst>
+              <a:ext uri="{FF2B5EF4-FFF2-40B4-BE49-F238E27FC236}">
+                <a16:creationId xmlns:a16="http://schemas.microsoft.com/office/drawing/2014/main" id="{F194B519-4FBA-4EAF-8AD7-327B9BACBECC}"/>
+              </a:ext>
+            </a:extLst>
+          </p:cNvPr>
+          <p:cNvSpPr/>
+          <p:nvPr/>
+        </p:nvSpPr>
+        <p:spPr>
+          <a:xfrm>
+            <a:off x="152400" y="1143000"/>
+            <a:ext cx="8839200" cy="5562600"/>
+          </a:xfrm>
+          <a:prstGeom prst="rect">
+            <a:avLst/>
+          </a:prstGeom>
+        </p:spPr>
+        <p:style>
+          <a:lnRef idx="2">
+            <a:schemeClr val="dk1"/>
+          </a:lnRef>
+          <a:fillRef idx="1">
+            <a:schemeClr val="lt1"/>
+          </a:fillRef>
+          <a:effectRef idx="0">
+            <a:schemeClr val="dk1"/>
+          </a:effectRef>
+          <a:fontRef idx="minor">
+            <a:schemeClr val="dk1"/>
+          </a:fontRef>
+        </p:style>
+        <p:txBody>
+          <a:bodyPr rtlCol="0" anchor="ctr"/>
+          <a:lstStyle/>
+          <a:p>
+            <a:pPr algn="ctr"/>
+            <a:endParaRPr lang="en-US"/>
+          </a:p>
+        </p:txBody>
+      </p:sp>
+      <p:pic>
+        <p:nvPicPr>
+          <p:cNvPr id="6" name="Picture 5">
+            <a:extLst>
+              <a:ext uri="{FF2B5EF4-FFF2-40B4-BE49-F238E27FC236}">
+                <a16:creationId xmlns:a16="http://schemas.microsoft.com/office/drawing/2014/main" id="{995C96B1-2F03-4040-B1C8-E76AC187BDE6}"/>
+              </a:ext>
+            </a:extLst>
+          </p:cNvPr>
+          <p:cNvPicPr>
+            <a:picLocks noChangeAspect="1"/>
+          </p:cNvPicPr>
+          <p:nvPr/>
+        </p:nvPicPr>
+        <p:blipFill>
+          <a:blip r:embed="rId2"/>
+          <a:stretch>
+            <a:fillRect/>
+          </a:stretch>
+        </p:blipFill>
+        <p:spPr>
+          <a:xfrm>
+            <a:off x="533400" y="2057400"/>
+            <a:ext cx="8338038" cy="3048000"/>
+          </a:xfrm>
+          <a:prstGeom prst="rect">
+            <a:avLst/>
+          </a:prstGeom>
+        </p:spPr>
+      </p:pic>
+      <p:sp>
+        <p:nvSpPr>
+          <p:cNvPr id="8" name="Rectangle 7">
+            <a:extLst>
+              <a:ext uri="{FF2B5EF4-FFF2-40B4-BE49-F238E27FC236}">
+                <a16:creationId xmlns:a16="http://schemas.microsoft.com/office/drawing/2014/main" id="{9AF875DE-0E12-49F1-8178-0F8D2EE975D6}"/>
+              </a:ext>
+            </a:extLst>
+          </p:cNvPr>
+          <p:cNvSpPr/>
+          <p:nvPr/>
+        </p:nvSpPr>
+        <p:spPr>
+          <a:xfrm>
+            <a:off x="2209800" y="4267200"/>
+            <a:ext cx="4267200" cy="737600"/>
+          </a:xfrm>
+          <a:prstGeom prst="rect">
+            <a:avLst/>
+          </a:prstGeom>
+          <a:noFill/>
+          <a:ln w="38100" cap="flat" cmpd="sng" algn="ctr">
+            <a:solidFill>
+              <a:srgbClr val="FF0000"/>
+            </a:solidFill>
+            <a:prstDash val="solid"/>
+            <a:round/>
+            <a:headEnd type="none" w="med" len="med"/>
+            <a:tailEnd type="none" w="med" len="med"/>
+          </a:ln>
+        </p:spPr>
+        <p:style>
+          <a:lnRef idx="0">
+            <a:scrgbClr r="0" g="0" b="0"/>
+          </a:lnRef>
+          <a:fillRef idx="0">
+            <a:scrgbClr r="0" g="0" b="0"/>
+          </a:fillRef>
+          <a:effectRef idx="0">
+            <a:scrgbClr r="0" g="0" b="0"/>
+          </a:effectRef>
+          <a:fontRef idx="minor">
+            <a:schemeClr val="accent2"/>
+          </a:fontRef>
+        </p:style>
+        <p:txBody>
+          <a:bodyPr rtlCol="0" anchor="ctr"/>
+          <a:lstStyle/>
+          <a:p>
+            <a:pPr algn="ctr"/>
+            <a:endParaRPr lang="en-US"/>
+          </a:p>
+        </p:txBody>
+      </p:sp>
+    </p:spTree>
+    <p:extLst>
+      <p:ext uri="{BB962C8B-B14F-4D97-AF65-F5344CB8AC3E}">
+        <p14:creationId xmlns:p14="http://schemas.microsoft.com/office/powerpoint/2010/main" val="3672355825"/>
+      </p:ext>
+    </p:extLst>
+  </p:cSld>
+  <p:clrMapOvr>
+    <a:masterClrMapping/>
+  </p:clrMapOvr>
+</p:sld>
+</file>
+
+<file path=ppt/slides/slide26.xml><?xml version="1.0" encoding="utf-8"?>
+<p:sld xmlns:a="http://schemas.openxmlformats.org/drawingml/2006/main" xmlns:r="http://schemas.openxmlformats.org/officeDocument/2006/relationships" xmlns:p="http://schemas.openxmlformats.org/presentationml/2006/main">
+  <p:cSld>
+    <p:spTree>
+      <p:nvGrpSpPr>
+        <p:cNvPr id="1" name=""/>
+        <p:cNvGrpSpPr/>
+        <p:nvPr/>
+      </p:nvGrpSpPr>
+      <p:grpSpPr>
+        <a:xfrm>
+          <a:off x="0" y="0"/>
+          <a:ext cx="0" cy="0"/>
+          <a:chOff x="0" y="0"/>
+          <a:chExt cx="0" cy="0"/>
+        </a:xfrm>
+      </p:grpSpPr>
+      <p:sp>
+        <p:nvSpPr>
+          <p:cNvPr id="7" name="Text Placeholder 6">
+            <a:extLst>
+              <a:ext uri="{FF2B5EF4-FFF2-40B4-BE49-F238E27FC236}">
+                <a16:creationId xmlns:a16="http://schemas.microsoft.com/office/drawing/2014/main" id="{AD4784ED-3608-4E69-92EA-F57E5EAD0EB2}"/>
+              </a:ext>
+            </a:extLst>
+          </p:cNvPr>
+          <p:cNvSpPr>
+            <a:spLocks noGrp="1"/>
+          </p:cNvSpPr>
+          <p:nvPr>
+            <p:ph type="body" sz="quarter" idx="10"/>
+          </p:nvPr>
+        </p:nvSpPr>
+        <p:spPr/>
+        <p:txBody>
+          <a:bodyPr/>
+          <a:lstStyle/>
+          <a:p>
+            <a:r>
+              <a:rPr lang="en-US" dirty="0"/>
+              <a:t>Example in 3DoF Robot </a:t>
+            </a:r>
+          </a:p>
+        </p:txBody>
+      </p:sp>
+      <p:sp>
+        <p:nvSpPr>
+          <p:cNvPr id="2" name="Rectangle 1">
+            <a:extLst>
+              <a:ext uri="{FF2B5EF4-FFF2-40B4-BE49-F238E27FC236}">
+                <a16:creationId xmlns:a16="http://schemas.microsoft.com/office/drawing/2014/main" id="{F194B519-4FBA-4EAF-8AD7-327B9BACBECC}"/>
+              </a:ext>
+            </a:extLst>
+          </p:cNvPr>
+          <p:cNvSpPr/>
+          <p:nvPr/>
+        </p:nvSpPr>
+        <p:spPr>
+          <a:xfrm>
+            <a:off x="152400" y="1143000"/>
+            <a:ext cx="8839200" cy="5562600"/>
+          </a:xfrm>
+          <a:prstGeom prst="rect">
+            <a:avLst/>
+          </a:prstGeom>
+        </p:spPr>
+        <p:style>
+          <a:lnRef idx="2">
+            <a:schemeClr val="dk1"/>
+          </a:lnRef>
+          <a:fillRef idx="1">
+            <a:schemeClr val="lt1"/>
+          </a:fillRef>
+          <a:effectRef idx="0">
+            <a:schemeClr val="dk1"/>
+          </a:effectRef>
+          <a:fontRef idx="minor">
+            <a:schemeClr val="dk1"/>
+          </a:fontRef>
+        </p:style>
+        <p:txBody>
+          <a:bodyPr rtlCol="0" anchor="ctr"/>
+          <a:lstStyle/>
+          <a:p>
+            <a:pPr algn="ctr"/>
+            <a:endParaRPr lang="en-US"/>
+          </a:p>
+        </p:txBody>
+      </p:sp>
+      <p:pic>
+        <p:nvPicPr>
+          <p:cNvPr id="3" name="Picture 2">
+            <a:extLst>
+              <a:ext uri="{FF2B5EF4-FFF2-40B4-BE49-F238E27FC236}">
+                <a16:creationId xmlns:a16="http://schemas.microsoft.com/office/drawing/2014/main" id="{B1474959-00ED-44BE-B106-9D63CB56CA43}"/>
               </a:ext>
             </a:extLst>
           </p:cNvPr>
@@ -9808,14 +8432,514 @@
           <p:nvPr/>
         </p:nvPicPr>
         <p:blipFill rotWithShape="1">
-          <a:blip r:embed="rId3"/>
-          <a:srcRect l="30808" t="20001" r="41775" b="62097"/>
+          <a:blip r:embed="rId2"/>
+          <a:srcRect b="62359"/>
           <a:stretch/>
         </p:blipFill>
         <p:spPr>
           <a:xfrm>
-            <a:off x="5524500" y="4477875"/>
-            <a:ext cx="2628900" cy="627525"/>
+            <a:off x="533400" y="1371600"/>
+            <a:ext cx="8184776" cy="1676400"/>
+          </a:xfrm>
+          <a:prstGeom prst="rect">
+            <a:avLst/>
+          </a:prstGeom>
+        </p:spPr>
+      </p:pic>
+      <p:sp>
+        <p:nvSpPr>
+          <p:cNvPr id="6" name="Rectangle 5">
+            <a:extLst>
+              <a:ext uri="{FF2B5EF4-FFF2-40B4-BE49-F238E27FC236}">
+                <a16:creationId xmlns:a16="http://schemas.microsoft.com/office/drawing/2014/main" id="{C5E296FB-576A-41B0-880D-0329E80BF1F3}"/>
+              </a:ext>
+            </a:extLst>
+          </p:cNvPr>
+          <p:cNvSpPr/>
+          <p:nvPr/>
+        </p:nvSpPr>
+        <p:spPr>
+          <a:xfrm>
+            <a:off x="2286000" y="1371600"/>
+            <a:ext cx="2362200" cy="1676400"/>
+          </a:xfrm>
+          <a:prstGeom prst="rect">
+            <a:avLst/>
+          </a:prstGeom>
+          <a:noFill/>
+          <a:ln w="38100" cap="flat" cmpd="sng" algn="ctr">
+            <a:solidFill>
+              <a:srgbClr val="FF0000"/>
+            </a:solidFill>
+            <a:prstDash val="solid"/>
+            <a:round/>
+            <a:headEnd type="none" w="med" len="med"/>
+            <a:tailEnd type="none" w="med" len="med"/>
+          </a:ln>
+        </p:spPr>
+        <p:style>
+          <a:lnRef idx="0">
+            <a:scrgbClr r="0" g="0" b="0"/>
+          </a:lnRef>
+          <a:fillRef idx="0">
+            <a:scrgbClr r="0" g="0" b="0"/>
+          </a:fillRef>
+          <a:effectRef idx="0">
+            <a:scrgbClr r="0" g="0" b="0"/>
+          </a:effectRef>
+          <a:fontRef idx="minor">
+            <a:schemeClr val="accent2"/>
+          </a:fontRef>
+        </p:style>
+        <p:txBody>
+          <a:bodyPr rtlCol="0" anchor="ctr"/>
+          <a:lstStyle/>
+          <a:p>
+            <a:pPr algn="ctr"/>
+            <a:endParaRPr lang="en-US"/>
+          </a:p>
+        </p:txBody>
+      </p:sp>
+      <p:sp>
+        <p:nvSpPr>
+          <p:cNvPr id="8" name="Rectangle 7">
+            <a:extLst>
+              <a:ext uri="{FF2B5EF4-FFF2-40B4-BE49-F238E27FC236}">
+                <a16:creationId xmlns:a16="http://schemas.microsoft.com/office/drawing/2014/main" id="{0ACC956D-C269-4F84-9746-175911153E88}"/>
+              </a:ext>
+            </a:extLst>
+          </p:cNvPr>
+          <p:cNvSpPr/>
+          <p:nvPr/>
+        </p:nvSpPr>
+        <p:spPr>
+          <a:xfrm>
+            <a:off x="6553199" y="1371600"/>
+            <a:ext cx="2057401" cy="1676400"/>
+          </a:xfrm>
+          <a:prstGeom prst="rect">
+            <a:avLst/>
+          </a:prstGeom>
+          <a:noFill/>
+          <a:ln w="38100" cap="flat" cmpd="sng" algn="ctr">
+            <a:solidFill>
+              <a:srgbClr val="FF0000"/>
+            </a:solidFill>
+            <a:prstDash val="solid"/>
+            <a:round/>
+            <a:headEnd type="none" w="med" len="med"/>
+            <a:tailEnd type="none" w="med" len="med"/>
+          </a:ln>
+        </p:spPr>
+        <p:style>
+          <a:lnRef idx="0">
+            <a:scrgbClr r="0" g="0" b="0"/>
+          </a:lnRef>
+          <a:fillRef idx="0">
+            <a:scrgbClr r="0" g="0" b="0"/>
+          </a:fillRef>
+          <a:effectRef idx="0">
+            <a:scrgbClr r="0" g="0" b="0"/>
+          </a:effectRef>
+          <a:fontRef idx="minor">
+            <a:schemeClr val="accent2"/>
+          </a:fontRef>
+        </p:style>
+        <p:txBody>
+          <a:bodyPr rtlCol="0" anchor="ctr"/>
+          <a:lstStyle/>
+          <a:p>
+            <a:pPr algn="ctr"/>
+            <a:endParaRPr lang="en-US"/>
+          </a:p>
+        </p:txBody>
+      </p:sp>
+      <p:pic>
+        <p:nvPicPr>
+          <p:cNvPr id="9" name="Picture 8">
+            <a:extLst>
+              <a:ext uri="{FF2B5EF4-FFF2-40B4-BE49-F238E27FC236}">
+                <a16:creationId xmlns:a16="http://schemas.microsoft.com/office/drawing/2014/main" id="{1A585ACD-32AF-4E76-9255-AB9F244E0D62}"/>
+              </a:ext>
+            </a:extLst>
+          </p:cNvPr>
+          <p:cNvPicPr>
+            <a:picLocks noChangeAspect="1"/>
+          </p:cNvPicPr>
+          <p:nvPr/>
+        </p:nvPicPr>
+        <p:blipFill>
+          <a:blip r:embed="rId3"/>
+          <a:stretch>
+            <a:fillRect/>
+          </a:stretch>
+        </p:blipFill>
+        <p:spPr>
+          <a:xfrm>
+            <a:off x="5878883" y="4258079"/>
+            <a:ext cx="3048000" cy="1238759"/>
+          </a:xfrm>
+          <a:prstGeom prst="rect">
+            <a:avLst/>
+          </a:prstGeom>
+        </p:spPr>
+      </p:pic>
+      <p:pic>
+        <p:nvPicPr>
+          <p:cNvPr id="10" name="Picture 9">
+            <a:extLst>
+              <a:ext uri="{FF2B5EF4-FFF2-40B4-BE49-F238E27FC236}">
+                <a16:creationId xmlns:a16="http://schemas.microsoft.com/office/drawing/2014/main" id="{EE208313-6D89-407F-8EF3-5032FD1C59E5}"/>
+              </a:ext>
+            </a:extLst>
+          </p:cNvPr>
+          <p:cNvPicPr>
+            <a:picLocks noChangeAspect="1"/>
+          </p:cNvPicPr>
+          <p:nvPr/>
+        </p:nvPicPr>
+        <p:blipFill>
+          <a:blip r:embed="rId4"/>
+          <a:stretch>
+            <a:fillRect/>
+          </a:stretch>
+        </p:blipFill>
+        <p:spPr>
+          <a:xfrm>
+            <a:off x="1570377" y="4212274"/>
+            <a:ext cx="3389482" cy="1502726"/>
+          </a:xfrm>
+          <a:prstGeom prst="rect">
+            <a:avLst/>
+          </a:prstGeom>
+        </p:spPr>
+      </p:pic>
+      <p:sp>
+        <p:nvSpPr>
+          <p:cNvPr id="11" name="Arrow: Down 10">
+            <a:extLst>
+              <a:ext uri="{FF2B5EF4-FFF2-40B4-BE49-F238E27FC236}">
+                <a16:creationId xmlns:a16="http://schemas.microsoft.com/office/drawing/2014/main" id="{83E3F7B3-DD8E-40F9-8B1A-598C651007CE}"/>
+              </a:ext>
+            </a:extLst>
+          </p:cNvPr>
+          <p:cNvSpPr/>
+          <p:nvPr/>
+        </p:nvSpPr>
+        <p:spPr>
+          <a:xfrm>
+            <a:off x="3219450" y="3206466"/>
+            <a:ext cx="495300" cy="863948"/>
+          </a:xfrm>
+          <a:prstGeom prst="downArrow">
+            <a:avLst/>
+          </a:prstGeom>
+        </p:spPr>
+        <p:style>
+          <a:lnRef idx="2">
+            <a:schemeClr val="accent1">
+              <a:shade val="50000"/>
+            </a:schemeClr>
+          </a:lnRef>
+          <a:fillRef idx="1">
+            <a:schemeClr val="accent1"/>
+          </a:fillRef>
+          <a:effectRef idx="0">
+            <a:schemeClr val="accent1"/>
+          </a:effectRef>
+          <a:fontRef idx="minor">
+            <a:schemeClr val="lt1"/>
+          </a:fontRef>
+        </p:style>
+        <p:txBody>
+          <a:bodyPr rtlCol="0" anchor="ctr"/>
+          <a:lstStyle/>
+          <a:p>
+            <a:pPr algn="ctr"/>
+            <a:endParaRPr lang="en-US"/>
+          </a:p>
+        </p:txBody>
+      </p:sp>
+      <p:sp>
+        <p:nvSpPr>
+          <p:cNvPr id="12" name="Arrow: Down 11">
+            <a:extLst>
+              <a:ext uri="{FF2B5EF4-FFF2-40B4-BE49-F238E27FC236}">
+                <a16:creationId xmlns:a16="http://schemas.microsoft.com/office/drawing/2014/main" id="{63E464D6-47A3-4FD2-BBBC-CF434C4BBF4F}"/>
+              </a:ext>
+            </a:extLst>
+          </p:cNvPr>
+          <p:cNvSpPr/>
+          <p:nvPr/>
+        </p:nvSpPr>
+        <p:spPr>
+          <a:xfrm>
+            <a:off x="7391400" y="3130165"/>
+            <a:ext cx="495300" cy="863948"/>
+          </a:xfrm>
+          <a:prstGeom prst="downArrow">
+            <a:avLst/>
+          </a:prstGeom>
+        </p:spPr>
+        <p:style>
+          <a:lnRef idx="2">
+            <a:schemeClr val="accent1">
+              <a:shade val="50000"/>
+            </a:schemeClr>
+          </a:lnRef>
+          <a:fillRef idx="1">
+            <a:schemeClr val="accent1"/>
+          </a:fillRef>
+          <a:effectRef idx="0">
+            <a:schemeClr val="accent1"/>
+          </a:effectRef>
+          <a:fontRef idx="minor">
+            <a:schemeClr val="lt1"/>
+          </a:fontRef>
+        </p:style>
+        <p:txBody>
+          <a:bodyPr rtlCol="0" anchor="ctr"/>
+          <a:lstStyle/>
+          <a:p>
+            <a:pPr algn="ctr"/>
+            <a:endParaRPr lang="en-US"/>
+          </a:p>
+        </p:txBody>
+      </p:sp>
+      <p:sp>
+        <p:nvSpPr>
+          <p:cNvPr id="13" name="Rectangle 12">
+            <a:extLst>
+              <a:ext uri="{FF2B5EF4-FFF2-40B4-BE49-F238E27FC236}">
+                <a16:creationId xmlns:a16="http://schemas.microsoft.com/office/drawing/2014/main" id="{A6FED559-F325-4658-B422-3B6460D45751}"/>
+              </a:ext>
+            </a:extLst>
+          </p:cNvPr>
+          <p:cNvSpPr/>
+          <p:nvPr/>
+        </p:nvSpPr>
+        <p:spPr>
+          <a:xfrm>
+            <a:off x="1655261" y="4125437"/>
+            <a:ext cx="3526339" cy="1502726"/>
+          </a:xfrm>
+          <a:prstGeom prst="rect">
+            <a:avLst/>
+          </a:prstGeom>
+          <a:noFill/>
+          <a:ln w="38100" cap="flat" cmpd="sng" algn="ctr">
+            <a:solidFill>
+              <a:srgbClr val="FF0000"/>
+            </a:solidFill>
+            <a:prstDash val="solid"/>
+            <a:round/>
+            <a:headEnd type="none" w="med" len="med"/>
+            <a:tailEnd type="none" w="med" len="med"/>
+          </a:ln>
+        </p:spPr>
+        <p:style>
+          <a:lnRef idx="0">
+            <a:scrgbClr r="0" g="0" b="0"/>
+          </a:lnRef>
+          <a:fillRef idx="0">
+            <a:scrgbClr r="0" g="0" b="0"/>
+          </a:fillRef>
+          <a:effectRef idx="0">
+            <a:scrgbClr r="0" g="0" b="0"/>
+          </a:effectRef>
+          <a:fontRef idx="minor">
+            <a:schemeClr val="accent2"/>
+          </a:fontRef>
+        </p:style>
+        <p:txBody>
+          <a:bodyPr rtlCol="0" anchor="ctr"/>
+          <a:lstStyle/>
+          <a:p>
+            <a:pPr algn="ctr"/>
+            <a:endParaRPr lang="en-US"/>
+          </a:p>
+        </p:txBody>
+      </p:sp>
+      <p:sp>
+        <p:nvSpPr>
+          <p:cNvPr id="14" name="Rectangle 13">
+            <a:extLst>
+              <a:ext uri="{FF2B5EF4-FFF2-40B4-BE49-F238E27FC236}">
+                <a16:creationId xmlns:a16="http://schemas.microsoft.com/office/drawing/2014/main" id="{A02FB6A6-4087-448B-8BC9-80BA7FF78137}"/>
+              </a:ext>
+            </a:extLst>
+          </p:cNvPr>
+          <p:cNvSpPr/>
+          <p:nvPr/>
+        </p:nvSpPr>
+        <p:spPr>
+          <a:xfrm>
+            <a:off x="5878883" y="4070414"/>
+            <a:ext cx="2970886" cy="1502726"/>
+          </a:xfrm>
+          <a:prstGeom prst="rect">
+            <a:avLst/>
+          </a:prstGeom>
+          <a:noFill/>
+          <a:ln w="38100" cap="flat" cmpd="sng" algn="ctr">
+            <a:solidFill>
+              <a:srgbClr val="FF0000"/>
+            </a:solidFill>
+            <a:prstDash val="solid"/>
+            <a:round/>
+            <a:headEnd type="none" w="med" len="med"/>
+            <a:tailEnd type="none" w="med" len="med"/>
+          </a:ln>
+        </p:spPr>
+        <p:style>
+          <a:lnRef idx="0">
+            <a:scrgbClr r="0" g="0" b="0"/>
+          </a:lnRef>
+          <a:fillRef idx="0">
+            <a:scrgbClr r="0" g="0" b="0"/>
+          </a:fillRef>
+          <a:effectRef idx="0">
+            <a:scrgbClr r="0" g="0" b="0"/>
+          </a:effectRef>
+          <a:fontRef idx="minor">
+            <a:schemeClr val="accent2"/>
+          </a:fontRef>
+        </p:style>
+        <p:txBody>
+          <a:bodyPr rtlCol="0" anchor="ctr"/>
+          <a:lstStyle/>
+          <a:p>
+            <a:pPr algn="ctr"/>
+            <a:endParaRPr lang="en-US"/>
+          </a:p>
+        </p:txBody>
+      </p:sp>
+    </p:spTree>
+    <p:extLst>
+      <p:ext uri="{BB962C8B-B14F-4D97-AF65-F5344CB8AC3E}">
+        <p14:creationId xmlns:p14="http://schemas.microsoft.com/office/powerpoint/2010/main" val="873251152"/>
+      </p:ext>
+    </p:extLst>
+  </p:cSld>
+  <p:clrMapOvr>
+    <a:masterClrMapping/>
+  </p:clrMapOvr>
+</p:sld>
+</file>
+
+<file path=ppt/slides/slide27.xml><?xml version="1.0" encoding="utf-8"?>
+<p:sld xmlns:a="http://schemas.openxmlformats.org/drawingml/2006/main" xmlns:r="http://schemas.openxmlformats.org/officeDocument/2006/relationships" xmlns:p="http://schemas.openxmlformats.org/presentationml/2006/main">
+  <p:cSld>
+    <p:spTree>
+      <p:nvGrpSpPr>
+        <p:cNvPr id="1" name=""/>
+        <p:cNvGrpSpPr/>
+        <p:nvPr/>
+      </p:nvGrpSpPr>
+      <p:grpSpPr>
+        <a:xfrm>
+          <a:off x="0" y="0"/>
+          <a:ext cx="0" cy="0"/>
+          <a:chOff x="0" y="0"/>
+          <a:chExt cx="0" cy="0"/>
+        </a:xfrm>
+      </p:grpSpPr>
+      <p:sp>
+        <p:nvSpPr>
+          <p:cNvPr id="7" name="Text Placeholder 6">
+            <a:extLst>
+              <a:ext uri="{FF2B5EF4-FFF2-40B4-BE49-F238E27FC236}">
+                <a16:creationId xmlns:a16="http://schemas.microsoft.com/office/drawing/2014/main" id="{AD4784ED-3608-4E69-92EA-F57E5EAD0EB2}"/>
+              </a:ext>
+            </a:extLst>
+          </p:cNvPr>
+          <p:cNvSpPr>
+            <a:spLocks noGrp="1"/>
+          </p:cNvSpPr>
+          <p:nvPr>
+            <p:ph type="body" sz="quarter" idx="10"/>
+          </p:nvPr>
+        </p:nvSpPr>
+        <p:spPr/>
+        <p:txBody>
+          <a:bodyPr/>
+          <a:lstStyle/>
+          <a:p>
+            <a:r>
+              <a:rPr lang="en-US" dirty="0"/>
+              <a:t>Example in 3DoF Robot </a:t>
+            </a:r>
+          </a:p>
+        </p:txBody>
+      </p:sp>
+      <p:sp>
+        <p:nvSpPr>
+          <p:cNvPr id="2" name="Rectangle 1">
+            <a:extLst>
+              <a:ext uri="{FF2B5EF4-FFF2-40B4-BE49-F238E27FC236}">
+                <a16:creationId xmlns:a16="http://schemas.microsoft.com/office/drawing/2014/main" id="{F194B519-4FBA-4EAF-8AD7-327B9BACBECC}"/>
+              </a:ext>
+            </a:extLst>
+          </p:cNvPr>
+          <p:cNvSpPr/>
+          <p:nvPr/>
+        </p:nvSpPr>
+        <p:spPr>
+          <a:xfrm>
+            <a:off x="152400" y="1143000"/>
+            <a:ext cx="8839200" cy="5562600"/>
+          </a:xfrm>
+          <a:prstGeom prst="rect">
+            <a:avLst/>
+          </a:prstGeom>
+        </p:spPr>
+        <p:style>
+          <a:lnRef idx="2">
+            <a:schemeClr val="dk1"/>
+          </a:lnRef>
+          <a:fillRef idx="1">
+            <a:schemeClr val="lt1"/>
+          </a:fillRef>
+          <a:effectRef idx="0">
+            <a:schemeClr val="dk1"/>
+          </a:effectRef>
+          <a:fontRef idx="minor">
+            <a:schemeClr val="dk1"/>
+          </a:fontRef>
+        </p:style>
+        <p:txBody>
+          <a:bodyPr rtlCol="0" anchor="ctr"/>
+          <a:lstStyle/>
+          <a:p>
+            <a:pPr algn="ctr"/>
+            <a:endParaRPr lang="en-US"/>
+          </a:p>
+        </p:txBody>
+      </p:sp>
+      <p:pic>
+        <p:nvPicPr>
+          <p:cNvPr id="5" name="Picture 4">
+            <a:extLst>
+              <a:ext uri="{FF2B5EF4-FFF2-40B4-BE49-F238E27FC236}">
+                <a16:creationId xmlns:a16="http://schemas.microsoft.com/office/drawing/2014/main" id="{9E51A457-0259-43EC-930A-A8C59CB1812E}"/>
+              </a:ext>
+            </a:extLst>
+          </p:cNvPr>
+          <p:cNvPicPr>
+            <a:picLocks noChangeAspect="1"/>
+          </p:cNvPicPr>
+          <p:nvPr/>
+        </p:nvPicPr>
+        <p:blipFill>
+          <a:blip r:embed="rId2"/>
+          <a:stretch>
+            <a:fillRect/>
+          </a:stretch>
+        </p:blipFill>
+        <p:spPr>
+          <a:xfrm>
+            <a:off x="363170" y="1219200"/>
+            <a:ext cx="8417660" cy="2971800"/>
           </a:xfrm>
           <a:prstGeom prst="rect">
             <a:avLst/>
@@ -9827,7 +8951,7 @@
           <p:cNvPr id="6" name="Picture 5">
             <a:extLst>
               <a:ext uri="{FF2B5EF4-FFF2-40B4-BE49-F238E27FC236}">
-                <a16:creationId xmlns:a16="http://schemas.microsoft.com/office/drawing/2014/main" id="{6A1CC120-763F-4681-8434-1D8A04BC3593}"/>
+                <a16:creationId xmlns:a16="http://schemas.microsoft.com/office/drawing/2014/main" id="{204C929F-B8F8-4CEC-BD08-D501BA10C1E7}"/>
               </a:ext>
             </a:extLst>
           </p:cNvPr>
@@ -9836,25 +8960,732 @@
           </p:cNvPicPr>
           <p:nvPr/>
         </p:nvPicPr>
-        <p:blipFill rotWithShape="1">
+        <p:blipFill>
           <a:blip r:embed="rId3"/>
-          <a:srcRect l="27803" t="56356" r="38383" b="3645"/>
-          <a:stretch/>
+          <a:stretch>
+            <a:fillRect/>
+          </a:stretch>
         </p:blipFill>
         <p:spPr>
           <a:xfrm>
-            <a:off x="5410200" y="5169243"/>
-            <a:ext cx="3200400" cy="1383957"/>
+            <a:off x="958334" y="5181600"/>
+            <a:ext cx="7227332" cy="1347200"/>
           </a:xfrm>
           <a:prstGeom prst="rect">
             <a:avLst/>
           </a:prstGeom>
         </p:spPr>
       </p:pic>
+      <p:pic>
+        <p:nvPicPr>
+          <p:cNvPr id="8" name="Picture 7">
+            <a:extLst>
+              <a:ext uri="{FF2B5EF4-FFF2-40B4-BE49-F238E27FC236}">
+                <a16:creationId xmlns:a16="http://schemas.microsoft.com/office/drawing/2014/main" id="{DD16AC21-8AAC-47C2-A0FC-650F91FED8EE}"/>
+              </a:ext>
+            </a:extLst>
+          </p:cNvPr>
+          <p:cNvPicPr>
+            <a:picLocks noChangeAspect="1"/>
+          </p:cNvPicPr>
+          <p:nvPr/>
+        </p:nvPicPr>
+        <p:blipFill>
+          <a:blip r:embed="rId4"/>
+          <a:stretch>
+            <a:fillRect/>
+          </a:stretch>
+        </p:blipFill>
+        <p:spPr>
+          <a:xfrm>
+            <a:off x="1219200" y="4381500"/>
+            <a:ext cx="2417445" cy="447675"/>
+          </a:xfrm>
+          <a:prstGeom prst="rect">
+            <a:avLst/>
+          </a:prstGeom>
+        </p:spPr>
+      </p:pic>
+      <p:pic>
+        <p:nvPicPr>
+          <p:cNvPr id="9" name="Picture 8">
+            <a:extLst>
+              <a:ext uri="{FF2B5EF4-FFF2-40B4-BE49-F238E27FC236}">
+                <a16:creationId xmlns:a16="http://schemas.microsoft.com/office/drawing/2014/main" id="{11AE53ED-C182-4F9A-8457-664CBA0485CF}"/>
+              </a:ext>
+            </a:extLst>
+          </p:cNvPr>
+          <p:cNvPicPr>
+            <a:picLocks noChangeAspect="1"/>
+          </p:cNvPicPr>
+          <p:nvPr/>
+        </p:nvPicPr>
+        <p:blipFill>
+          <a:blip r:embed="rId5"/>
+          <a:stretch>
+            <a:fillRect/>
+          </a:stretch>
+        </p:blipFill>
+        <p:spPr>
+          <a:xfrm>
+            <a:off x="4897847" y="4332858"/>
+            <a:ext cx="3093628" cy="574706"/>
+          </a:xfrm>
+          <a:prstGeom prst="rect">
+            <a:avLst/>
+          </a:prstGeom>
+        </p:spPr>
+      </p:pic>
+      <p:sp>
+        <p:nvSpPr>
+          <p:cNvPr id="10" name="Rectangle 9">
+            <a:extLst>
+              <a:ext uri="{FF2B5EF4-FFF2-40B4-BE49-F238E27FC236}">
+                <a16:creationId xmlns:a16="http://schemas.microsoft.com/office/drawing/2014/main" id="{674702EE-93E9-4EC7-B1F6-9BE2D3A1E88F}"/>
+              </a:ext>
+            </a:extLst>
+          </p:cNvPr>
+          <p:cNvSpPr/>
+          <p:nvPr/>
+        </p:nvSpPr>
+        <p:spPr>
+          <a:xfrm>
+            <a:off x="1143000" y="4267200"/>
+            <a:ext cx="6858000" cy="737600"/>
+          </a:xfrm>
+          <a:prstGeom prst="rect">
+            <a:avLst/>
+          </a:prstGeom>
+          <a:noFill/>
+          <a:ln w="38100" cap="flat" cmpd="sng" algn="ctr">
+            <a:solidFill>
+              <a:srgbClr val="FF0000"/>
+            </a:solidFill>
+            <a:prstDash val="solid"/>
+            <a:round/>
+            <a:headEnd type="none" w="med" len="med"/>
+            <a:tailEnd type="none" w="med" len="med"/>
+          </a:ln>
+        </p:spPr>
+        <p:style>
+          <a:lnRef idx="0">
+            <a:scrgbClr r="0" g="0" b="0"/>
+          </a:lnRef>
+          <a:fillRef idx="0">
+            <a:scrgbClr r="0" g="0" b="0"/>
+          </a:fillRef>
+          <a:effectRef idx="0">
+            <a:scrgbClr r="0" g="0" b="0"/>
+          </a:effectRef>
+          <a:fontRef idx="minor">
+            <a:schemeClr val="accent2"/>
+          </a:fontRef>
+        </p:style>
+        <p:txBody>
+          <a:bodyPr rtlCol="0" anchor="ctr"/>
+          <a:lstStyle/>
+          <a:p>
+            <a:pPr algn="ctr"/>
+            <a:endParaRPr lang="en-US"/>
+          </a:p>
+        </p:txBody>
+      </p:sp>
+      <p:sp>
+        <p:nvSpPr>
+          <p:cNvPr id="14" name="Arrow: Down 13">
+            <a:extLst>
+              <a:ext uri="{FF2B5EF4-FFF2-40B4-BE49-F238E27FC236}">
+                <a16:creationId xmlns:a16="http://schemas.microsoft.com/office/drawing/2014/main" id="{8ED68083-C0E9-4D30-91AC-C442FAB6E795}"/>
+              </a:ext>
+            </a:extLst>
+          </p:cNvPr>
+          <p:cNvSpPr/>
+          <p:nvPr/>
+        </p:nvSpPr>
+        <p:spPr>
+          <a:xfrm rot="16200000">
+            <a:off x="4019596" y="4188238"/>
+            <a:ext cx="495300" cy="863948"/>
+          </a:xfrm>
+          <a:prstGeom prst="downArrow">
+            <a:avLst/>
+          </a:prstGeom>
+        </p:spPr>
+        <p:style>
+          <a:lnRef idx="2">
+            <a:schemeClr val="accent1">
+              <a:shade val="50000"/>
+            </a:schemeClr>
+          </a:lnRef>
+          <a:fillRef idx="1">
+            <a:schemeClr val="accent1"/>
+          </a:fillRef>
+          <a:effectRef idx="0">
+            <a:schemeClr val="accent1"/>
+          </a:effectRef>
+          <a:fontRef idx="minor">
+            <a:schemeClr val="lt1"/>
+          </a:fontRef>
+        </p:style>
+        <p:txBody>
+          <a:bodyPr rtlCol="0" anchor="ctr"/>
+          <a:lstStyle/>
+          <a:p>
+            <a:pPr algn="ctr"/>
+            <a:endParaRPr lang="en-US"/>
+          </a:p>
+        </p:txBody>
+      </p:sp>
     </p:spTree>
     <p:extLst>
       <p:ext uri="{BB962C8B-B14F-4D97-AF65-F5344CB8AC3E}">
-        <p14:creationId xmlns:p14="http://schemas.microsoft.com/office/powerpoint/2010/main" val="4049231431"/>
+        <p14:creationId xmlns:p14="http://schemas.microsoft.com/office/powerpoint/2010/main" val="354801746"/>
+      </p:ext>
+    </p:extLst>
+  </p:cSld>
+  <p:clrMapOvr>
+    <a:masterClrMapping/>
+  </p:clrMapOvr>
+</p:sld>
+</file>
+
+<file path=ppt/slides/slide28.xml><?xml version="1.0" encoding="utf-8"?>
+<p:sld xmlns:a="http://schemas.openxmlformats.org/drawingml/2006/main" xmlns:r="http://schemas.openxmlformats.org/officeDocument/2006/relationships" xmlns:p="http://schemas.openxmlformats.org/presentationml/2006/main">
+  <p:cSld>
+    <p:spTree>
+      <p:nvGrpSpPr>
+        <p:cNvPr id="1" name=""/>
+        <p:cNvGrpSpPr/>
+        <p:nvPr/>
+      </p:nvGrpSpPr>
+      <p:grpSpPr>
+        <a:xfrm>
+          <a:off x="0" y="0"/>
+          <a:ext cx="0" cy="0"/>
+          <a:chOff x="0" y="0"/>
+          <a:chExt cx="0" cy="0"/>
+        </a:xfrm>
+      </p:grpSpPr>
+      <p:sp>
+        <p:nvSpPr>
+          <p:cNvPr id="7" name="Text Placeholder 6">
+            <a:extLst>
+              <a:ext uri="{FF2B5EF4-FFF2-40B4-BE49-F238E27FC236}">
+                <a16:creationId xmlns:a16="http://schemas.microsoft.com/office/drawing/2014/main" id="{AD4784ED-3608-4E69-92EA-F57E5EAD0EB2}"/>
+              </a:ext>
+            </a:extLst>
+          </p:cNvPr>
+          <p:cNvSpPr>
+            <a:spLocks noGrp="1"/>
+          </p:cNvSpPr>
+          <p:nvPr>
+            <p:ph type="body" sz="quarter" idx="10"/>
+          </p:nvPr>
+        </p:nvSpPr>
+        <p:spPr/>
+        <p:txBody>
+          <a:bodyPr/>
+          <a:lstStyle/>
+          <a:p>
+            <a:r>
+              <a:rPr lang="en-US" dirty="0"/>
+              <a:t>Example in 3DoF Robot </a:t>
+            </a:r>
+          </a:p>
+        </p:txBody>
+      </p:sp>
+      <p:sp>
+        <p:nvSpPr>
+          <p:cNvPr id="2" name="Rectangle 1">
+            <a:extLst>
+              <a:ext uri="{FF2B5EF4-FFF2-40B4-BE49-F238E27FC236}">
+                <a16:creationId xmlns:a16="http://schemas.microsoft.com/office/drawing/2014/main" id="{F194B519-4FBA-4EAF-8AD7-327B9BACBECC}"/>
+              </a:ext>
+            </a:extLst>
+          </p:cNvPr>
+          <p:cNvSpPr/>
+          <p:nvPr/>
+        </p:nvSpPr>
+        <p:spPr>
+          <a:xfrm>
+            <a:off x="152400" y="1143000"/>
+            <a:ext cx="8839200" cy="5562600"/>
+          </a:xfrm>
+          <a:prstGeom prst="rect">
+            <a:avLst/>
+          </a:prstGeom>
+        </p:spPr>
+        <p:style>
+          <a:lnRef idx="2">
+            <a:schemeClr val="dk1"/>
+          </a:lnRef>
+          <a:fillRef idx="1">
+            <a:schemeClr val="lt1"/>
+          </a:fillRef>
+          <a:effectRef idx="0">
+            <a:schemeClr val="dk1"/>
+          </a:effectRef>
+          <a:fontRef idx="minor">
+            <a:schemeClr val="dk1"/>
+          </a:fontRef>
+        </p:style>
+        <p:txBody>
+          <a:bodyPr rtlCol="0" anchor="ctr"/>
+          <a:lstStyle/>
+          <a:p>
+            <a:pPr algn="ctr"/>
+            <a:endParaRPr lang="en-US"/>
+          </a:p>
+        </p:txBody>
+      </p:sp>
+      <p:pic>
+        <p:nvPicPr>
+          <p:cNvPr id="3" name="Picture 2">
+            <a:extLst>
+              <a:ext uri="{FF2B5EF4-FFF2-40B4-BE49-F238E27FC236}">
+                <a16:creationId xmlns:a16="http://schemas.microsoft.com/office/drawing/2014/main" id="{4E92E6B2-1594-48BD-8CFA-77F4CA8193E7}"/>
+              </a:ext>
+            </a:extLst>
+          </p:cNvPr>
+          <p:cNvPicPr>
+            <a:picLocks noChangeAspect="1"/>
+          </p:cNvPicPr>
+          <p:nvPr/>
+        </p:nvPicPr>
+        <p:blipFill>
+          <a:blip r:embed="rId2"/>
+          <a:stretch>
+            <a:fillRect/>
+          </a:stretch>
+        </p:blipFill>
+        <p:spPr>
+          <a:xfrm>
+            <a:off x="782637" y="1295400"/>
+            <a:ext cx="7578725" cy="2933700"/>
+          </a:xfrm>
+          <a:prstGeom prst="rect">
+            <a:avLst/>
+          </a:prstGeom>
+        </p:spPr>
+      </p:pic>
+      <p:pic>
+        <p:nvPicPr>
+          <p:cNvPr id="11" name="Picture 10">
+            <a:extLst>
+              <a:ext uri="{FF2B5EF4-FFF2-40B4-BE49-F238E27FC236}">
+                <a16:creationId xmlns:a16="http://schemas.microsoft.com/office/drawing/2014/main" id="{08716EBA-553E-4208-A3A4-343504C0CC67}"/>
+              </a:ext>
+            </a:extLst>
+          </p:cNvPr>
+          <p:cNvPicPr>
+            <a:picLocks noChangeAspect="1"/>
+          </p:cNvPicPr>
+          <p:nvPr/>
+        </p:nvPicPr>
+        <p:blipFill>
+          <a:blip r:embed="rId3"/>
+          <a:stretch>
+            <a:fillRect/>
+          </a:stretch>
+        </p:blipFill>
+        <p:spPr>
+          <a:xfrm>
+            <a:off x="457200" y="5324648"/>
+            <a:ext cx="8380741" cy="1152352"/>
+          </a:xfrm>
+          <a:prstGeom prst="rect">
+            <a:avLst/>
+          </a:prstGeom>
+        </p:spPr>
+      </p:pic>
+      <p:pic>
+        <p:nvPicPr>
+          <p:cNvPr id="12" name="Picture 11">
+            <a:extLst>
+              <a:ext uri="{FF2B5EF4-FFF2-40B4-BE49-F238E27FC236}">
+                <a16:creationId xmlns:a16="http://schemas.microsoft.com/office/drawing/2014/main" id="{30B3785B-B5D9-4596-B7CD-E5413724A2EA}"/>
+              </a:ext>
+            </a:extLst>
+          </p:cNvPr>
+          <p:cNvPicPr>
+            <a:picLocks noChangeAspect="1"/>
+          </p:cNvPicPr>
+          <p:nvPr/>
+        </p:nvPicPr>
+        <p:blipFill>
+          <a:blip r:embed="rId4"/>
+          <a:stretch>
+            <a:fillRect/>
+          </a:stretch>
+        </p:blipFill>
+        <p:spPr>
+          <a:xfrm>
+            <a:off x="3009269" y="4629496"/>
+            <a:ext cx="3276601" cy="580852"/>
+          </a:xfrm>
+          <a:prstGeom prst="rect">
+            <a:avLst/>
+          </a:prstGeom>
+        </p:spPr>
+      </p:pic>
+      <p:sp>
+        <p:nvSpPr>
+          <p:cNvPr id="13" name="Rectangle 12">
+            <a:extLst>
+              <a:ext uri="{FF2B5EF4-FFF2-40B4-BE49-F238E27FC236}">
+                <a16:creationId xmlns:a16="http://schemas.microsoft.com/office/drawing/2014/main" id="{CC95A4F4-48A1-4E6F-9113-21EFED2786AA}"/>
+              </a:ext>
+            </a:extLst>
+          </p:cNvPr>
+          <p:cNvSpPr/>
+          <p:nvPr/>
+        </p:nvSpPr>
+        <p:spPr>
+          <a:xfrm>
+            <a:off x="2819400" y="4486448"/>
+            <a:ext cx="3657600" cy="838200"/>
+          </a:xfrm>
+          <a:prstGeom prst="rect">
+            <a:avLst/>
+          </a:prstGeom>
+          <a:noFill/>
+          <a:ln w="57150" cap="flat" cmpd="sng" algn="ctr">
+            <a:solidFill>
+              <a:srgbClr val="FF0000"/>
+            </a:solidFill>
+            <a:prstDash val="solid"/>
+            <a:round/>
+            <a:headEnd type="none" w="med" len="med"/>
+            <a:tailEnd type="none" w="med" len="med"/>
+          </a:ln>
+        </p:spPr>
+        <p:style>
+          <a:lnRef idx="0">
+            <a:scrgbClr r="0" g="0" b="0"/>
+          </a:lnRef>
+          <a:fillRef idx="0">
+            <a:scrgbClr r="0" g="0" b="0"/>
+          </a:fillRef>
+          <a:effectRef idx="0">
+            <a:scrgbClr r="0" g="0" b="0"/>
+          </a:effectRef>
+          <a:fontRef idx="minor">
+            <a:schemeClr val="accent2"/>
+          </a:fontRef>
+        </p:style>
+        <p:txBody>
+          <a:bodyPr rtlCol="0" anchor="ctr"/>
+          <a:lstStyle/>
+          <a:p>
+            <a:pPr algn="ctr"/>
+            <a:endParaRPr lang="en-US"/>
+          </a:p>
+        </p:txBody>
+      </p:sp>
+      <p:sp>
+        <p:nvSpPr>
+          <p:cNvPr id="15" name="Rectangle 14">
+            <a:extLst>
+              <a:ext uri="{FF2B5EF4-FFF2-40B4-BE49-F238E27FC236}">
+                <a16:creationId xmlns:a16="http://schemas.microsoft.com/office/drawing/2014/main" id="{135E2E23-5F59-4C18-807A-45224FB4853E}"/>
+              </a:ext>
+            </a:extLst>
+          </p:cNvPr>
+          <p:cNvSpPr/>
+          <p:nvPr/>
+        </p:nvSpPr>
+        <p:spPr>
+          <a:xfrm>
+            <a:off x="482250" y="5562600"/>
+            <a:ext cx="8052149" cy="838200"/>
+          </a:xfrm>
+          <a:prstGeom prst="rect">
+            <a:avLst/>
+          </a:prstGeom>
+          <a:noFill/>
+          <a:ln w="57150" cap="flat" cmpd="sng" algn="ctr">
+            <a:solidFill>
+              <a:srgbClr val="FF0000"/>
+            </a:solidFill>
+            <a:prstDash val="solid"/>
+            <a:round/>
+            <a:headEnd type="none" w="med" len="med"/>
+            <a:tailEnd type="none" w="med" len="med"/>
+          </a:ln>
+        </p:spPr>
+        <p:style>
+          <a:lnRef idx="0">
+            <a:scrgbClr r="0" g="0" b="0"/>
+          </a:lnRef>
+          <a:fillRef idx="0">
+            <a:scrgbClr r="0" g="0" b="0"/>
+          </a:fillRef>
+          <a:effectRef idx="0">
+            <a:scrgbClr r="0" g="0" b="0"/>
+          </a:effectRef>
+          <a:fontRef idx="minor">
+            <a:schemeClr val="accent2"/>
+          </a:fontRef>
+        </p:style>
+        <p:txBody>
+          <a:bodyPr rtlCol="0" anchor="ctr"/>
+          <a:lstStyle/>
+          <a:p>
+            <a:pPr algn="ctr"/>
+            <a:endParaRPr lang="en-US"/>
+          </a:p>
+        </p:txBody>
+      </p:sp>
+    </p:spTree>
+    <p:extLst>
+      <p:ext uri="{BB962C8B-B14F-4D97-AF65-F5344CB8AC3E}">
+        <p14:creationId xmlns:p14="http://schemas.microsoft.com/office/powerpoint/2010/main" val="2824506659"/>
+      </p:ext>
+    </p:extLst>
+  </p:cSld>
+  <p:clrMapOvr>
+    <a:masterClrMapping/>
+  </p:clrMapOvr>
+</p:sld>
+</file>
+
+<file path=ppt/slides/slide29.xml><?xml version="1.0" encoding="utf-8"?>
+<p:sld xmlns:a="http://schemas.openxmlformats.org/drawingml/2006/main" xmlns:r="http://schemas.openxmlformats.org/officeDocument/2006/relationships" xmlns:p="http://schemas.openxmlformats.org/presentationml/2006/main">
+  <p:cSld>
+    <p:spTree>
+      <p:nvGrpSpPr>
+        <p:cNvPr id="1" name=""/>
+        <p:cNvGrpSpPr/>
+        <p:nvPr/>
+      </p:nvGrpSpPr>
+      <p:grpSpPr>
+        <a:xfrm>
+          <a:off x="0" y="0"/>
+          <a:ext cx="0" cy="0"/>
+          <a:chOff x="0" y="0"/>
+          <a:chExt cx="0" cy="0"/>
+        </a:xfrm>
+      </p:grpSpPr>
+      <p:sp>
+        <p:nvSpPr>
+          <p:cNvPr id="7" name="Text Placeholder 6">
+            <a:extLst>
+              <a:ext uri="{FF2B5EF4-FFF2-40B4-BE49-F238E27FC236}">
+                <a16:creationId xmlns:a16="http://schemas.microsoft.com/office/drawing/2014/main" id="{AD4784ED-3608-4E69-92EA-F57E5EAD0EB2}"/>
+              </a:ext>
+            </a:extLst>
+          </p:cNvPr>
+          <p:cNvSpPr>
+            <a:spLocks noGrp="1"/>
+          </p:cNvSpPr>
+          <p:nvPr>
+            <p:ph type="body" sz="quarter" idx="10"/>
+          </p:nvPr>
+        </p:nvSpPr>
+        <p:spPr/>
+        <p:txBody>
+          <a:bodyPr/>
+          <a:lstStyle/>
+          <a:p>
+            <a:r>
+              <a:rPr lang="en-US" dirty="0"/>
+              <a:t>Example in 3DoF Robot </a:t>
+            </a:r>
+          </a:p>
+        </p:txBody>
+      </p:sp>
+      <p:sp>
+        <p:nvSpPr>
+          <p:cNvPr id="2" name="Rectangle 1">
+            <a:extLst>
+              <a:ext uri="{FF2B5EF4-FFF2-40B4-BE49-F238E27FC236}">
+                <a16:creationId xmlns:a16="http://schemas.microsoft.com/office/drawing/2014/main" id="{F194B519-4FBA-4EAF-8AD7-327B9BACBECC}"/>
+              </a:ext>
+            </a:extLst>
+          </p:cNvPr>
+          <p:cNvSpPr/>
+          <p:nvPr/>
+        </p:nvSpPr>
+        <p:spPr>
+          <a:xfrm>
+            <a:off x="152400" y="1143000"/>
+            <a:ext cx="8839200" cy="5562600"/>
+          </a:xfrm>
+          <a:prstGeom prst="rect">
+            <a:avLst/>
+          </a:prstGeom>
+        </p:spPr>
+        <p:style>
+          <a:lnRef idx="2">
+            <a:schemeClr val="dk1"/>
+          </a:lnRef>
+          <a:fillRef idx="1">
+            <a:schemeClr val="lt1"/>
+          </a:fillRef>
+          <a:effectRef idx="0">
+            <a:schemeClr val="dk1"/>
+          </a:effectRef>
+          <a:fontRef idx="minor">
+            <a:schemeClr val="dk1"/>
+          </a:fontRef>
+        </p:style>
+        <p:txBody>
+          <a:bodyPr rtlCol="0" anchor="ctr"/>
+          <a:lstStyle/>
+          <a:p>
+            <a:pPr algn="ctr"/>
+            <a:endParaRPr lang="en-US"/>
+          </a:p>
+        </p:txBody>
+      </p:sp>
+      <p:pic>
+        <p:nvPicPr>
+          <p:cNvPr id="4" name="Picture 3">
+            <a:extLst>
+              <a:ext uri="{FF2B5EF4-FFF2-40B4-BE49-F238E27FC236}">
+                <a16:creationId xmlns:a16="http://schemas.microsoft.com/office/drawing/2014/main" id="{96D48F57-559C-4637-94FF-8A49353BE0F7}"/>
+              </a:ext>
+            </a:extLst>
+          </p:cNvPr>
+          <p:cNvPicPr>
+            <a:picLocks noChangeAspect="1"/>
+          </p:cNvPicPr>
+          <p:nvPr/>
+        </p:nvPicPr>
+        <p:blipFill>
+          <a:blip r:embed="rId2"/>
+          <a:stretch>
+            <a:fillRect/>
+          </a:stretch>
+        </p:blipFill>
+        <p:spPr>
+          <a:xfrm>
+            <a:off x="2182660" y="1199370"/>
+            <a:ext cx="4627614" cy="1798822"/>
+          </a:xfrm>
+          <a:prstGeom prst="rect">
+            <a:avLst/>
+          </a:prstGeom>
+        </p:spPr>
+      </p:pic>
+      <p:pic>
+        <p:nvPicPr>
+          <p:cNvPr id="5" name="Picture 4">
+            <a:extLst>
+              <a:ext uri="{FF2B5EF4-FFF2-40B4-BE49-F238E27FC236}">
+                <a16:creationId xmlns:a16="http://schemas.microsoft.com/office/drawing/2014/main" id="{0812A4CD-47C5-4B41-8794-4463A1ED09B0}"/>
+              </a:ext>
+            </a:extLst>
+          </p:cNvPr>
+          <p:cNvPicPr>
+            <a:picLocks noChangeAspect="1"/>
+          </p:cNvPicPr>
+          <p:nvPr/>
+        </p:nvPicPr>
+        <p:blipFill>
+          <a:blip r:embed="rId3"/>
+          <a:stretch>
+            <a:fillRect/>
+          </a:stretch>
+        </p:blipFill>
+        <p:spPr>
+          <a:xfrm>
+            <a:off x="620650" y="3051281"/>
+            <a:ext cx="7902699" cy="1200410"/>
+          </a:xfrm>
+          <a:prstGeom prst="rect">
+            <a:avLst/>
+          </a:prstGeom>
+        </p:spPr>
+      </p:pic>
+      <p:pic>
+        <p:nvPicPr>
+          <p:cNvPr id="6" name="Picture 5">
+            <a:extLst>
+              <a:ext uri="{FF2B5EF4-FFF2-40B4-BE49-F238E27FC236}">
+                <a16:creationId xmlns:a16="http://schemas.microsoft.com/office/drawing/2014/main" id="{4F56166B-0A3D-46A2-B03A-565C86C2724A}"/>
+              </a:ext>
+            </a:extLst>
+          </p:cNvPr>
+          <p:cNvPicPr>
+            <a:picLocks noChangeAspect="1"/>
+          </p:cNvPicPr>
+          <p:nvPr/>
+        </p:nvPicPr>
+        <p:blipFill>
+          <a:blip r:embed="rId4"/>
+          <a:stretch>
+            <a:fillRect/>
+          </a:stretch>
+        </p:blipFill>
+        <p:spPr>
+          <a:xfrm>
+            <a:off x="1977668" y="4419600"/>
+            <a:ext cx="5188662" cy="2248420"/>
+          </a:xfrm>
+          <a:prstGeom prst="rect">
+            <a:avLst/>
+          </a:prstGeom>
+        </p:spPr>
+      </p:pic>
+      <p:sp>
+        <p:nvSpPr>
+          <p:cNvPr id="14" name="Rectangle 13">
+            <a:extLst>
+              <a:ext uri="{FF2B5EF4-FFF2-40B4-BE49-F238E27FC236}">
+                <a16:creationId xmlns:a16="http://schemas.microsoft.com/office/drawing/2014/main" id="{331A6B7C-95E9-4F70-82A9-96539BF38BAB}"/>
+              </a:ext>
+            </a:extLst>
+          </p:cNvPr>
+          <p:cNvSpPr/>
+          <p:nvPr/>
+        </p:nvSpPr>
+        <p:spPr>
+          <a:xfrm>
+            <a:off x="2520110" y="5791172"/>
+            <a:ext cx="4267200" cy="737600"/>
+          </a:xfrm>
+          <a:prstGeom prst="rect">
+            <a:avLst/>
+          </a:prstGeom>
+          <a:noFill/>
+          <a:ln w="38100" cap="flat" cmpd="sng" algn="ctr">
+            <a:solidFill>
+              <a:srgbClr val="FF0000"/>
+            </a:solidFill>
+            <a:prstDash val="solid"/>
+            <a:round/>
+            <a:headEnd type="none" w="med" len="med"/>
+            <a:tailEnd type="none" w="med" len="med"/>
+          </a:ln>
+        </p:spPr>
+        <p:style>
+          <a:lnRef idx="0">
+            <a:scrgbClr r="0" g="0" b="0"/>
+          </a:lnRef>
+          <a:fillRef idx="0">
+            <a:scrgbClr r="0" g="0" b="0"/>
+          </a:fillRef>
+          <a:effectRef idx="0">
+            <a:scrgbClr r="0" g="0" b="0"/>
+          </a:effectRef>
+          <a:fontRef idx="minor">
+            <a:schemeClr val="accent2"/>
+          </a:fontRef>
+        </p:style>
+        <p:txBody>
+          <a:bodyPr rtlCol="0" anchor="ctr"/>
+          <a:lstStyle/>
+          <a:p>
+            <a:pPr algn="ctr"/>
+            <a:endParaRPr lang="en-US"/>
+          </a:p>
+        </p:txBody>
+      </p:sp>
+    </p:spTree>
+    <p:extLst>
+      <p:ext uri="{BB962C8B-B14F-4D97-AF65-F5344CB8AC3E}">
+        <p14:creationId xmlns:p14="http://schemas.microsoft.com/office/powerpoint/2010/main" val="2627191171"/>
       </p:ext>
     </p:extLst>
   </p:cSld>
@@ -10132,10 +9963,10 @@
       </p:sp>
       <p:pic>
         <p:nvPicPr>
-          <p:cNvPr id="3" name="Picture 2">
+          <p:cNvPr id="4" name="Picture 3">
             <a:extLst>
               <a:ext uri="{FF2B5EF4-FFF2-40B4-BE49-F238E27FC236}">
-                <a16:creationId xmlns:a16="http://schemas.microsoft.com/office/drawing/2014/main" id="{C5B30647-AC42-446C-A269-8A2849DCE75B}"/>
+                <a16:creationId xmlns:a16="http://schemas.microsoft.com/office/drawing/2014/main" id="{0E15E16C-DD76-4CD3-B513-0F60E29E82D1}"/>
               </a:ext>
             </a:extLst>
           </p:cNvPr>
@@ -10144,15 +9975,16 @@
           </p:cNvPicPr>
           <p:nvPr/>
         </p:nvPicPr>
-        <p:blipFill rotWithShape="1">
+        <p:blipFill>
           <a:blip r:embed="rId2"/>
-          <a:srcRect t="28741" b="42518"/>
-          <a:stretch/>
+          <a:stretch>
+            <a:fillRect/>
+          </a:stretch>
         </p:blipFill>
         <p:spPr>
           <a:xfrm>
-            <a:off x="304800" y="1295399"/>
-            <a:ext cx="8458200" cy="2469547"/>
+            <a:off x="1588293" y="1268968"/>
+            <a:ext cx="5967413" cy="5308379"/>
           </a:xfrm>
           <a:prstGeom prst="rect">
             <a:avLst/>
@@ -10161,10 +9993,10 @@
       </p:pic>
       <p:pic>
         <p:nvPicPr>
-          <p:cNvPr id="4" name="Picture 3">
+          <p:cNvPr id="5" name="Picture 4">
             <a:extLst>
               <a:ext uri="{FF2B5EF4-FFF2-40B4-BE49-F238E27FC236}">
-                <a16:creationId xmlns:a16="http://schemas.microsoft.com/office/drawing/2014/main" id="{563D3A14-75AC-40BA-B8D7-43A8D45E30AA}"/>
+                <a16:creationId xmlns:a16="http://schemas.microsoft.com/office/drawing/2014/main" id="{50E95265-B354-4FC3-80CF-381EDA7721CE}"/>
               </a:ext>
             </a:extLst>
           </p:cNvPr>
@@ -10181,8 +10013,360 @@
         </p:blipFill>
         <p:spPr>
           <a:xfrm>
-            <a:off x="2627523" y="3849231"/>
-            <a:ext cx="6172200" cy="1177132"/>
+            <a:off x="685800" y="1453634"/>
+            <a:ext cx="8099469" cy="4677948"/>
+          </a:xfrm>
+          <a:prstGeom prst="rect">
+            <a:avLst/>
+          </a:prstGeom>
+        </p:spPr>
+      </p:pic>
+      <p:sp>
+        <p:nvSpPr>
+          <p:cNvPr id="6" name="Rectangle 5">
+            <a:extLst>
+              <a:ext uri="{FF2B5EF4-FFF2-40B4-BE49-F238E27FC236}">
+                <a16:creationId xmlns:a16="http://schemas.microsoft.com/office/drawing/2014/main" id="{D9E996AE-644E-4999-AAE0-BC610A636925}"/>
+              </a:ext>
+            </a:extLst>
+          </p:cNvPr>
+          <p:cNvSpPr/>
+          <p:nvPr/>
+        </p:nvSpPr>
+        <p:spPr>
+          <a:xfrm>
+            <a:off x="2256425" y="1084302"/>
+            <a:ext cx="4800600" cy="369332"/>
+          </a:xfrm>
+          <a:prstGeom prst="rect">
+            <a:avLst/>
+          </a:prstGeom>
+        </p:spPr>
+        <p:txBody>
+          <a:bodyPr wrap="square">
+            <a:spAutoFit/>
+          </a:bodyPr>
+          <a:lstStyle/>
+          <a:p>
+            <a:r>
+              <a:rPr lang="en-US" dirty="0">
+                <a:hlinkClick r:id="rId4"/>
+              </a:rPr>
+              <a:t>http://www.roboanalyzer.com/downloads.html</a:t>
+            </a:r>
+            <a:endParaRPr lang="en-US" dirty="0"/>
+          </a:p>
+        </p:txBody>
+      </p:sp>
+    </p:spTree>
+    <p:extLst>
+      <p:ext uri="{BB962C8B-B14F-4D97-AF65-F5344CB8AC3E}">
+        <p14:creationId xmlns:p14="http://schemas.microsoft.com/office/powerpoint/2010/main" val="2446059374"/>
+      </p:ext>
+    </p:extLst>
+  </p:cSld>
+  <p:clrMapOvr>
+    <a:masterClrMapping/>
+  </p:clrMapOvr>
+  <p:timing>
+    <p:tnLst>
+      <p:par>
+        <p:cTn id="1" dur="indefinite" restart="never" nodeType="tmRoot">
+          <p:childTnLst>
+            <p:seq concurrent="1" nextAc="seek">
+              <p:cTn id="2" dur="indefinite" nodeType="mainSeq">
+                <p:childTnLst>
+                  <p:par>
+                    <p:cTn id="3" fill="hold">
+                      <p:stCondLst>
+                        <p:cond delay="indefinite"/>
+                        <p:cond evt="onBegin" delay="0">
+                          <p:tn val="2"/>
+                        </p:cond>
+                      </p:stCondLst>
+                      <p:childTnLst>
+                        <p:par>
+                          <p:cTn id="4" fill="hold">
+                            <p:stCondLst>
+                              <p:cond delay="0"/>
+                            </p:stCondLst>
+                            <p:childTnLst>
+                              <p:par>
+                                <p:cTn id="5" presetID="10" presetClass="entr" presetSubtype="0" fill="hold" nodeType="afterEffect">
+                                  <p:stCondLst>
+                                    <p:cond delay="0"/>
+                                  </p:stCondLst>
+                                  <p:childTnLst>
+                                    <p:set>
+                                      <p:cBhvr>
+                                        <p:cTn id="6" dur="1" fill="hold">
+                                          <p:stCondLst>
+                                            <p:cond delay="0"/>
+                                          </p:stCondLst>
+                                        </p:cTn>
+                                        <p:tgtEl>
+                                          <p:spTgt spid="4"/>
+                                        </p:tgtEl>
+                                        <p:attrNameLst>
+                                          <p:attrName>style.visibility</p:attrName>
+                                        </p:attrNameLst>
+                                      </p:cBhvr>
+                                      <p:to>
+                                        <p:strVal val="visible"/>
+                                      </p:to>
+                                    </p:set>
+                                    <p:animEffect transition="in" filter="fade">
+                                      <p:cBhvr>
+                                        <p:cTn id="7" dur="500"/>
+                                        <p:tgtEl>
+                                          <p:spTgt spid="4"/>
+                                        </p:tgtEl>
+                                      </p:cBhvr>
+                                    </p:animEffect>
+                                  </p:childTnLst>
+                                </p:cTn>
+                              </p:par>
+                            </p:childTnLst>
+                          </p:cTn>
+                        </p:par>
+                      </p:childTnLst>
+                    </p:cTn>
+                  </p:par>
+                  <p:par>
+                    <p:cTn id="8" fill="hold">
+                      <p:stCondLst>
+                        <p:cond delay="indefinite"/>
+                      </p:stCondLst>
+                      <p:childTnLst>
+                        <p:par>
+                          <p:cTn id="9" fill="hold">
+                            <p:stCondLst>
+                              <p:cond delay="0"/>
+                            </p:stCondLst>
+                            <p:childTnLst>
+                              <p:par>
+                                <p:cTn id="10" presetID="10" presetClass="exit" presetSubtype="0" fill="hold" nodeType="clickEffect">
+                                  <p:stCondLst>
+                                    <p:cond delay="0"/>
+                                  </p:stCondLst>
+                                  <p:childTnLst>
+                                    <p:animEffect transition="out" filter="fade">
+                                      <p:cBhvr>
+                                        <p:cTn id="11" dur="500"/>
+                                        <p:tgtEl>
+                                          <p:spTgt spid="4"/>
+                                        </p:tgtEl>
+                                      </p:cBhvr>
+                                    </p:animEffect>
+                                    <p:set>
+                                      <p:cBhvr>
+                                        <p:cTn id="12" dur="1" fill="hold">
+                                          <p:stCondLst>
+                                            <p:cond delay="499"/>
+                                          </p:stCondLst>
+                                        </p:cTn>
+                                        <p:tgtEl>
+                                          <p:spTgt spid="4"/>
+                                        </p:tgtEl>
+                                        <p:attrNameLst>
+                                          <p:attrName>style.visibility</p:attrName>
+                                        </p:attrNameLst>
+                                      </p:cBhvr>
+                                      <p:to>
+                                        <p:strVal val="hidden"/>
+                                      </p:to>
+                                    </p:set>
+                                  </p:childTnLst>
+                                </p:cTn>
+                              </p:par>
+                            </p:childTnLst>
+                          </p:cTn>
+                        </p:par>
+                        <p:par>
+                          <p:cTn id="13" fill="hold">
+                            <p:stCondLst>
+                              <p:cond delay="500"/>
+                            </p:stCondLst>
+                            <p:childTnLst>
+                              <p:par>
+                                <p:cTn id="14" presetID="10" presetClass="entr" presetSubtype="0" fill="hold" nodeType="afterEffect">
+                                  <p:stCondLst>
+                                    <p:cond delay="0"/>
+                                  </p:stCondLst>
+                                  <p:childTnLst>
+                                    <p:set>
+                                      <p:cBhvr>
+                                        <p:cTn id="15" dur="1" fill="hold">
+                                          <p:stCondLst>
+                                            <p:cond delay="0"/>
+                                          </p:stCondLst>
+                                        </p:cTn>
+                                        <p:tgtEl>
+                                          <p:spTgt spid="5"/>
+                                        </p:tgtEl>
+                                        <p:attrNameLst>
+                                          <p:attrName>style.visibility</p:attrName>
+                                        </p:attrNameLst>
+                                      </p:cBhvr>
+                                      <p:to>
+                                        <p:strVal val="visible"/>
+                                      </p:to>
+                                    </p:set>
+                                    <p:animEffect transition="in" filter="fade">
+                                      <p:cBhvr>
+                                        <p:cTn id="16" dur="500"/>
+                                        <p:tgtEl>
+                                          <p:spTgt spid="5"/>
+                                        </p:tgtEl>
+                                      </p:cBhvr>
+                                    </p:animEffect>
+                                  </p:childTnLst>
+                                </p:cTn>
+                              </p:par>
+                            </p:childTnLst>
+                          </p:cTn>
+                        </p:par>
+                      </p:childTnLst>
+                    </p:cTn>
+                  </p:par>
+                </p:childTnLst>
+              </p:cTn>
+              <p:prevCondLst>
+                <p:cond evt="onPrev" delay="0">
+                  <p:tgtEl>
+                    <p:sldTgt/>
+                  </p:tgtEl>
+                </p:cond>
+              </p:prevCondLst>
+              <p:nextCondLst>
+                <p:cond evt="onNext" delay="0">
+                  <p:tgtEl>
+                    <p:sldTgt/>
+                  </p:tgtEl>
+                </p:cond>
+              </p:nextCondLst>
+            </p:seq>
+          </p:childTnLst>
+        </p:cTn>
+      </p:par>
+    </p:tnLst>
+  </p:timing>
+</p:sld>
+</file>
+
+<file path=ppt/slides/slide31.xml><?xml version="1.0" encoding="utf-8"?>
+<p:sld xmlns:a="http://schemas.openxmlformats.org/drawingml/2006/main" xmlns:r="http://schemas.openxmlformats.org/officeDocument/2006/relationships" xmlns:p="http://schemas.openxmlformats.org/presentationml/2006/main">
+  <p:cSld>
+    <p:spTree>
+      <p:nvGrpSpPr>
+        <p:cNvPr id="1" name=""/>
+        <p:cNvGrpSpPr/>
+        <p:nvPr/>
+      </p:nvGrpSpPr>
+      <p:grpSpPr>
+        <a:xfrm>
+          <a:off x="0" y="0"/>
+          <a:ext cx="0" cy="0"/>
+          <a:chOff x="0" y="0"/>
+          <a:chExt cx="0" cy="0"/>
+        </a:xfrm>
+      </p:grpSpPr>
+      <p:sp>
+        <p:nvSpPr>
+          <p:cNvPr id="7" name="Text Placeholder 6">
+            <a:extLst>
+              <a:ext uri="{FF2B5EF4-FFF2-40B4-BE49-F238E27FC236}">
+                <a16:creationId xmlns:a16="http://schemas.microsoft.com/office/drawing/2014/main" id="{AD4784ED-3608-4E69-92EA-F57E5EAD0EB2}"/>
+              </a:ext>
+            </a:extLst>
+          </p:cNvPr>
+          <p:cNvSpPr>
+            <a:spLocks noGrp="1"/>
+          </p:cNvSpPr>
+          <p:nvPr>
+            <p:ph type="body" sz="quarter" idx="10"/>
+          </p:nvPr>
+        </p:nvSpPr>
+        <p:spPr/>
+        <p:txBody>
+          <a:bodyPr/>
+          <a:lstStyle/>
+          <a:p>
+            <a:r>
+              <a:rPr lang="en-US" dirty="0"/>
+              <a:t>Example in 3DoF Robot </a:t>
+            </a:r>
+          </a:p>
+        </p:txBody>
+      </p:sp>
+      <p:sp>
+        <p:nvSpPr>
+          <p:cNvPr id="2" name="Rectangle 1">
+            <a:extLst>
+              <a:ext uri="{FF2B5EF4-FFF2-40B4-BE49-F238E27FC236}">
+                <a16:creationId xmlns:a16="http://schemas.microsoft.com/office/drawing/2014/main" id="{F194B519-4FBA-4EAF-8AD7-327B9BACBECC}"/>
+              </a:ext>
+            </a:extLst>
+          </p:cNvPr>
+          <p:cNvSpPr/>
+          <p:nvPr/>
+        </p:nvSpPr>
+        <p:spPr>
+          <a:xfrm>
+            <a:off x="152400" y="1143000"/>
+            <a:ext cx="8839200" cy="5562600"/>
+          </a:xfrm>
+          <a:prstGeom prst="rect">
+            <a:avLst/>
+          </a:prstGeom>
+        </p:spPr>
+        <p:style>
+          <a:lnRef idx="2">
+            <a:schemeClr val="dk1"/>
+          </a:lnRef>
+          <a:fillRef idx="1">
+            <a:schemeClr val="lt1"/>
+          </a:fillRef>
+          <a:effectRef idx="0">
+            <a:schemeClr val="dk1"/>
+          </a:effectRef>
+          <a:fontRef idx="minor">
+            <a:schemeClr val="dk1"/>
+          </a:fontRef>
+        </p:style>
+        <p:txBody>
+          <a:bodyPr rtlCol="0" anchor="ctr"/>
+          <a:lstStyle/>
+          <a:p>
+            <a:pPr algn="ctr"/>
+            <a:endParaRPr lang="en-US"/>
+          </a:p>
+        </p:txBody>
+      </p:sp>
+      <p:pic>
+        <p:nvPicPr>
+          <p:cNvPr id="8" name="Picture 7">
+            <a:extLst>
+              <a:ext uri="{FF2B5EF4-FFF2-40B4-BE49-F238E27FC236}">
+                <a16:creationId xmlns:a16="http://schemas.microsoft.com/office/drawing/2014/main" id="{CE4A1894-34DD-4874-98D8-1438E47AB14B}"/>
+              </a:ext>
+            </a:extLst>
+          </p:cNvPr>
+          <p:cNvPicPr>
+            <a:picLocks noChangeAspect="1"/>
+          </p:cNvPicPr>
+          <p:nvPr/>
+        </p:nvPicPr>
+        <p:blipFill>
+          <a:blip r:embed="rId2"/>
+          <a:stretch>
+            <a:fillRect/>
+          </a:stretch>
+        </p:blipFill>
+        <p:spPr>
+          <a:xfrm>
+            <a:off x="417181" y="1924812"/>
+            <a:ext cx="8309638" cy="1676400"/>
           </a:xfrm>
           <a:prstGeom prst="rect">
             <a:avLst/>
@@ -10191,10 +10375,10 @@
       </p:pic>
       <p:pic>
         <p:nvPicPr>
-          <p:cNvPr id="6" name="Picture 5">
+          <p:cNvPr id="5" name="Picture 4">
             <a:extLst>
               <a:ext uri="{FF2B5EF4-FFF2-40B4-BE49-F238E27FC236}">
-                <a16:creationId xmlns:a16="http://schemas.microsoft.com/office/drawing/2014/main" id="{02FCC8A6-77DD-4646-AA1E-69BCCC598822}"/>
+                <a16:creationId xmlns:a16="http://schemas.microsoft.com/office/drawing/2014/main" id="{1A1DFC26-AC7F-4E52-8D47-42534BCC6E61}"/>
               </a:ext>
             </a:extLst>
           </p:cNvPr>
@@ -10203,46 +10387,15 @@
           </p:cNvPicPr>
           <p:nvPr/>
         </p:nvPicPr>
-        <p:blipFill>
-          <a:blip r:embed="rId4"/>
-          <a:stretch>
-            <a:fillRect/>
-          </a:stretch>
+        <p:blipFill rotWithShape="1">
+          <a:blip r:embed="rId3"/>
+          <a:srcRect l="36138" t="48694" r="13958"/>
+          <a:stretch/>
         </p:blipFill>
         <p:spPr>
           <a:xfrm>
-            <a:off x="2581656" y="5664208"/>
-            <a:ext cx="5713741" cy="785639"/>
-          </a:xfrm>
-          <a:prstGeom prst="rect">
-            <a:avLst/>
-          </a:prstGeom>
-        </p:spPr>
-      </p:pic>
-      <p:pic>
-        <p:nvPicPr>
-          <p:cNvPr id="8" name="Picture 7">
-            <a:extLst>
-              <a:ext uri="{FF2B5EF4-FFF2-40B4-BE49-F238E27FC236}">
-                <a16:creationId xmlns:a16="http://schemas.microsoft.com/office/drawing/2014/main" id="{BE395515-43E4-454D-B690-64048EDF2562}"/>
-              </a:ext>
-            </a:extLst>
-          </p:cNvPr>
-          <p:cNvPicPr>
-            <a:picLocks noChangeAspect="1"/>
-          </p:cNvPicPr>
-          <p:nvPr/>
-        </p:nvPicPr>
-        <p:blipFill>
-          <a:blip r:embed="rId5"/>
-          <a:stretch>
-            <a:fillRect/>
-          </a:stretch>
-        </p:blipFill>
-        <p:spPr>
-          <a:xfrm>
-            <a:off x="2654955" y="5200121"/>
-            <a:ext cx="2233890" cy="396008"/>
+            <a:off x="4419600" y="4419600"/>
+            <a:ext cx="4114800" cy="1605754"/>
           </a:xfrm>
           <a:prstGeom prst="rect">
             <a:avLst/>
@@ -10252,7 +10405,7 @@
     </p:spTree>
     <p:extLst>
       <p:ext uri="{BB962C8B-B14F-4D97-AF65-F5344CB8AC3E}">
-        <p14:creationId xmlns:p14="http://schemas.microsoft.com/office/powerpoint/2010/main" val="1033700637"/>
+        <p14:creationId xmlns:p14="http://schemas.microsoft.com/office/powerpoint/2010/main" val="1363058741"/>
       </p:ext>
     </p:extLst>
   </p:cSld>
@@ -10262,7 +10415,7 @@
 </p:sld>
 </file>
 
-<file path=ppt/slides/slide31.xml><?xml version="1.0" encoding="utf-8"?>
+<file path=ppt/slides/slide32.xml><?xml version="1.0" encoding="utf-8"?>
 <p:sld xmlns:a="http://schemas.openxmlformats.org/drawingml/2006/main" xmlns:r="http://schemas.openxmlformats.org/officeDocument/2006/relationships" xmlns:p="http://schemas.openxmlformats.org/presentationml/2006/main">
   <p:cSld>
     <p:spTree>
@@ -10367,6 +10520,416 @@
         </p:nvPicPr>
         <p:blipFill rotWithShape="1">
           <a:blip r:embed="rId2"/>
+          <a:srcRect t="608" r="45620" b="75570"/>
+          <a:stretch/>
+        </p:blipFill>
+        <p:spPr>
+          <a:xfrm>
+            <a:off x="533400" y="1688469"/>
+            <a:ext cx="6705600" cy="2984074"/>
+          </a:xfrm>
+          <a:prstGeom prst="rect">
+            <a:avLst/>
+          </a:prstGeom>
+        </p:spPr>
+      </p:pic>
+      <p:pic>
+        <p:nvPicPr>
+          <p:cNvPr id="5" name="Picture 4">
+            <a:extLst>
+              <a:ext uri="{FF2B5EF4-FFF2-40B4-BE49-F238E27FC236}">
+                <a16:creationId xmlns:a16="http://schemas.microsoft.com/office/drawing/2014/main" id="{2DF7ACA0-9C66-46B8-A28B-C15E2ACA0200}"/>
+              </a:ext>
+            </a:extLst>
+          </p:cNvPr>
+          <p:cNvPicPr>
+            <a:picLocks noChangeAspect="1"/>
+          </p:cNvPicPr>
+          <p:nvPr/>
+        </p:nvPicPr>
+        <p:blipFill rotWithShape="1">
+          <a:blip r:embed="rId3"/>
+          <a:srcRect l="30808" t="20001" r="41775" b="62097"/>
+          <a:stretch/>
+        </p:blipFill>
+        <p:spPr>
+          <a:xfrm>
+            <a:off x="5524500" y="4477875"/>
+            <a:ext cx="2628900" cy="627525"/>
+          </a:xfrm>
+          <a:prstGeom prst="rect">
+            <a:avLst/>
+          </a:prstGeom>
+        </p:spPr>
+      </p:pic>
+      <p:pic>
+        <p:nvPicPr>
+          <p:cNvPr id="6" name="Picture 5">
+            <a:extLst>
+              <a:ext uri="{FF2B5EF4-FFF2-40B4-BE49-F238E27FC236}">
+                <a16:creationId xmlns:a16="http://schemas.microsoft.com/office/drawing/2014/main" id="{6A1CC120-763F-4681-8434-1D8A04BC3593}"/>
+              </a:ext>
+            </a:extLst>
+          </p:cNvPr>
+          <p:cNvPicPr>
+            <a:picLocks noChangeAspect="1"/>
+          </p:cNvPicPr>
+          <p:nvPr/>
+        </p:nvPicPr>
+        <p:blipFill rotWithShape="1">
+          <a:blip r:embed="rId3"/>
+          <a:srcRect l="27803" t="56356" r="38383" b="3645"/>
+          <a:stretch/>
+        </p:blipFill>
+        <p:spPr>
+          <a:xfrm>
+            <a:off x="5410200" y="5169243"/>
+            <a:ext cx="3200400" cy="1383957"/>
+          </a:xfrm>
+          <a:prstGeom prst="rect">
+            <a:avLst/>
+          </a:prstGeom>
+        </p:spPr>
+      </p:pic>
+    </p:spTree>
+    <p:extLst>
+      <p:ext uri="{BB962C8B-B14F-4D97-AF65-F5344CB8AC3E}">
+        <p14:creationId xmlns:p14="http://schemas.microsoft.com/office/powerpoint/2010/main" val="4049231431"/>
+      </p:ext>
+    </p:extLst>
+  </p:cSld>
+  <p:clrMapOvr>
+    <a:masterClrMapping/>
+  </p:clrMapOvr>
+</p:sld>
+</file>
+
+<file path=ppt/slides/slide33.xml><?xml version="1.0" encoding="utf-8"?>
+<p:sld xmlns:a="http://schemas.openxmlformats.org/drawingml/2006/main" xmlns:r="http://schemas.openxmlformats.org/officeDocument/2006/relationships" xmlns:p="http://schemas.openxmlformats.org/presentationml/2006/main">
+  <p:cSld>
+    <p:spTree>
+      <p:nvGrpSpPr>
+        <p:cNvPr id="1" name=""/>
+        <p:cNvGrpSpPr/>
+        <p:nvPr/>
+      </p:nvGrpSpPr>
+      <p:grpSpPr>
+        <a:xfrm>
+          <a:off x="0" y="0"/>
+          <a:ext cx="0" cy="0"/>
+          <a:chOff x="0" y="0"/>
+          <a:chExt cx="0" cy="0"/>
+        </a:xfrm>
+      </p:grpSpPr>
+      <p:sp>
+        <p:nvSpPr>
+          <p:cNvPr id="7" name="Text Placeholder 6">
+            <a:extLst>
+              <a:ext uri="{FF2B5EF4-FFF2-40B4-BE49-F238E27FC236}">
+                <a16:creationId xmlns:a16="http://schemas.microsoft.com/office/drawing/2014/main" id="{AD4784ED-3608-4E69-92EA-F57E5EAD0EB2}"/>
+              </a:ext>
+            </a:extLst>
+          </p:cNvPr>
+          <p:cNvSpPr>
+            <a:spLocks noGrp="1"/>
+          </p:cNvSpPr>
+          <p:nvPr>
+            <p:ph type="body" sz="quarter" idx="10"/>
+          </p:nvPr>
+        </p:nvSpPr>
+        <p:spPr/>
+        <p:txBody>
+          <a:bodyPr/>
+          <a:lstStyle/>
+          <a:p>
+            <a:r>
+              <a:rPr lang="en-US" dirty="0"/>
+              <a:t>Example in 3DoF Robot </a:t>
+            </a:r>
+          </a:p>
+        </p:txBody>
+      </p:sp>
+      <p:sp>
+        <p:nvSpPr>
+          <p:cNvPr id="2" name="Rectangle 1">
+            <a:extLst>
+              <a:ext uri="{FF2B5EF4-FFF2-40B4-BE49-F238E27FC236}">
+                <a16:creationId xmlns:a16="http://schemas.microsoft.com/office/drawing/2014/main" id="{F194B519-4FBA-4EAF-8AD7-327B9BACBECC}"/>
+              </a:ext>
+            </a:extLst>
+          </p:cNvPr>
+          <p:cNvSpPr/>
+          <p:nvPr/>
+        </p:nvSpPr>
+        <p:spPr>
+          <a:xfrm>
+            <a:off x="152400" y="1143000"/>
+            <a:ext cx="8839200" cy="5562600"/>
+          </a:xfrm>
+          <a:prstGeom prst="rect">
+            <a:avLst/>
+          </a:prstGeom>
+        </p:spPr>
+        <p:style>
+          <a:lnRef idx="2">
+            <a:schemeClr val="dk1"/>
+          </a:lnRef>
+          <a:fillRef idx="1">
+            <a:schemeClr val="lt1"/>
+          </a:fillRef>
+          <a:effectRef idx="0">
+            <a:schemeClr val="dk1"/>
+          </a:effectRef>
+          <a:fontRef idx="minor">
+            <a:schemeClr val="dk1"/>
+          </a:fontRef>
+        </p:style>
+        <p:txBody>
+          <a:bodyPr rtlCol="0" anchor="ctr"/>
+          <a:lstStyle/>
+          <a:p>
+            <a:pPr algn="ctr"/>
+            <a:endParaRPr lang="en-US"/>
+          </a:p>
+        </p:txBody>
+      </p:sp>
+      <p:pic>
+        <p:nvPicPr>
+          <p:cNvPr id="3" name="Picture 2">
+            <a:extLst>
+              <a:ext uri="{FF2B5EF4-FFF2-40B4-BE49-F238E27FC236}">
+                <a16:creationId xmlns:a16="http://schemas.microsoft.com/office/drawing/2014/main" id="{C5B30647-AC42-446C-A269-8A2849DCE75B}"/>
+              </a:ext>
+            </a:extLst>
+          </p:cNvPr>
+          <p:cNvPicPr>
+            <a:picLocks noChangeAspect="1"/>
+          </p:cNvPicPr>
+          <p:nvPr/>
+        </p:nvPicPr>
+        <p:blipFill rotWithShape="1">
+          <a:blip r:embed="rId2"/>
+          <a:srcRect t="28741" b="42518"/>
+          <a:stretch/>
+        </p:blipFill>
+        <p:spPr>
+          <a:xfrm>
+            <a:off x="304800" y="1295399"/>
+            <a:ext cx="8458200" cy="2469547"/>
+          </a:xfrm>
+          <a:prstGeom prst="rect">
+            <a:avLst/>
+          </a:prstGeom>
+        </p:spPr>
+      </p:pic>
+      <p:pic>
+        <p:nvPicPr>
+          <p:cNvPr id="4" name="Picture 3">
+            <a:extLst>
+              <a:ext uri="{FF2B5EF4-FFF2-40B4-BE49-F238E27FC236}">
+                <a16:creationId xmlns:a16="http://schemas.microsoft.com/office/drawing/2014/main" id="{563D3A14-75AC-40BA-B8D7-43A8D45E30AA}"/>
+              </a:ext>
+            </a:extLst>
+          </p:cNvPr>
+          <p:cNvPicPr>
+            <a:picLocks noChangeAspect="1"/>
+          </p:cNvPicPr>
+          <p:nvPr/>
+        </p:nvPicPr>
+        <p:blipFill>
+          <a:blip r:embed="rId3"/>
+          <a:stretch>
+            <a:fillRect/>
+          </a:stretch>
+        </p:blipFill>
+        <p:spPr>
+          <a:xfrm>
+            <a:off x="2627523" y="3849231"/>
+            <a:ext cx="6172200" cy="1177132"/>
+          </a:xfrm>
+          <a:prstGeom prst="rect">
+            <a:avLst/>
+          </a:prstGeom>
+        </p:spPr>
+      </p:pic>
+      <p:pic>
+        <p:nvPicPr>
+          <p:cNvPr id="6" name="Picture 5">
+            <a:extLst>
+              <a:ext uri="{FF2B5EF4-FFF2-40B4-BE49-F238E27FC236}">
+                <a16:creationId xmlns:a16="http://schemas.microsoft.com/office/drawing/2014/main" id="{02FCC8A6-77DD-4646-AA1E-69BCCC598822}"/>
+              </a:ext>
+            </a:extLst>
+          </p:cNvPr>
+          <p:cNvPicPr>
+            <a:picLocks noChangeAspect="1"/>
+          </p:cNvPicPr>
+          <p:nvPr/>
+        </p:nvPicPr>
+        <p:blipFill>
+          <a:blip r:embed="rId4"/>
+          <a:stretch>
+            <a:fillRect/>
+          </a:stretch>
+        </p:blipFill>
+        <p:spPr>
+          <a:xfrm>
+            <a:off x="2581656" y="5664208"/>
+            <a:ext cx="5713741" cy="785639"/>
+          </a:xfrm>
+          <a:prstGeom prst="rect">
+            <a:avLst/>
+          </a:prstGeom>
+        </p:spPr>
+      </p:pic>
+      <p:pic>
+        <p:nvPicPr>
+          <p:cNvPr id="8" name="Picture 7">
+            <a:extLst>
+              <a:ext uri="{FF2B5EF4-FFF2-40B4-BE49-F238E27FC236}">
+                <a16:creationId xmlns:a16="http://schemas.microsoft.com/office/drawing/2014/main" id="{BE395515-43E4-454D-B690-64048EDF2562}"/>
+              </a:ext>
+            </a:extLst>
+          </p:cNvPr>
+          <p:cNvPicPr>
+            <a:picLocks noChangeAspect="1"/>
+          </p:cNvPicPr>
+          <p:nvPr/>
+        </p:nvPicPr>
+        <p:blipFill>
+          <a:blip r:embed="rId5"/>
+          <a:stretch>
+            <a:fillRect/>
+          </a:stretch>
+        </p:blipFill>
+        <p:spPr>
+          <a:xfrm>
+            <a:off x="2654955" y="5200121"/>
+            <a:ext cx="2233890" cy="396008"/>
+          </a:xfrm>
+          <a:prstGeom prst="rect">
+            <a:avLst/>
+          </a:prstGeom>
+        </p:spPr>
+      </p:pic>
+    </p:spTree>
+    <p:extLst>
+      <p:ext uri="{BB962C8B-B14F-4D97-AF65-F5344CB8AC3E}">
+        <p14:creationId xmlns:p14="http://schemas.microsoft.com/office/powerpoint/2010/main" val="1033700637"/>
+      </p:ext>
+    </p:extLst>
+  </p:cSld>
+  <p:clrMapOvr>
+    <a:masterClrMapping/>
+  </p:clrMapOvr>
+</p:sld>
+</file>
+
+<file path=ppt/slides/slide34.xml><?xml version="1.0" encoding="utf-8"?>
+<p:sld xmlns:a="http://schemas.openxmlformats.org/drawingml/2006/main" xmlns:r="http://schemas.openxmlformats.org/officeDocument/2006/relationships" xmlns:p="http://schemas.openxmlformats.org/presentationml/2006/main">
+  <p:cSld>
+    <p:spTree>
+      <p:nvGrpSpPr>
+        <p:cNvPr id="1" name=""/>
+        <p:cNvGrpSpPr/>
+        <p:nvPr/>
+      </p:nvGrpSpPr>
+      <p:grpSpPr>
+        <a:xfrm>
+          <a:off x="0" y="0"/>
+          <a:ext cx="0" cy="0"/>
+          <a:chOff x="0" y="0"/>
+          <a:chExt cx="0" cy="0"/>
+        </a:xfrm>
+      </p:grpSpPr>
+      <p:sp>
+        <p:nvSpPr>
+          <p:cNvPr id="7" name="Text Placeholder 6">
+            <a:extLst>
+              <a:ext uri="{FF2B5EF4-FFF2-40B4-BE49-F238E27FC236}">
+                <a16:creationId xmlns:a16="http://schemas.microsoft.com/office/drawing/2014/main" id="{AD4784ED-3608-4E69-92EA-F57E5EAD0EB2}"/>
+              </a:ext>
+            </a:extLst>
+          </p:cNvPr>
+          <p:cNvSpPr>
+            <a:spLocks noGrp="1"/>
+          </p:cNvSpPr>
+          <p:nvPr>
+            <p:ph type="body" sz="quarter" idx="10"/>
+          </p:nvPr>
+        </p:nvSpPr>
+        <p:spPr/>
+        <p:txBody>
+          <a:bodyPr/>
+          <a:lstStyle/>
+          <a:p>
+            <a:r>
+              <a:rPr lang="en-US" dirty="0"/>
+              <a:t>Example in 3DoF Robot </a:t>
+            </a:r>
+          </a:p>
+        </p:txBody>
+      </p:sp>
+      <p:sp>
+        <p:nvSpPr>
+          <p:cNvPr id="2" name="Rectangle 1">
+            <a:extLst>
+              <a:ext uri="{FF2B5EF4-FFF2-40B4-BE49-F238E27FC236}">
+                <a16:creationId xmlns:a16="http://schemas.microsoft.com/office/drawing/2014/main" id="{F194B519-4FBA-4EAF-8AD7-327B9BACBECC}"/>
+              </a:ext>
+            </a:extLst>
+          </p:cNvPr>
+          <p:cNvSpPr/>
+          <p:nvPr/>
+        </p:nvSpPr>
+        <p:spPr>
+          <a:xfrm>
+            <a:off x="152400" y="1143000"/>
+            <a:ext cx="8839200" cy="5562600"/>
+          </a:xfrm>
+          <a:prstGeom prst="rect">
+            <a:avLst/>
+          </a:prstGeom>
+        </p:spPr>
+        <p:style>
+          <a:lnRef idx="2">
+            <a:schemeClr val="dk1"/>
+          </a:lnRef>
+          <a:fillRef idx="1">
+            <a:schemeClr val="lt1"/>
+          </a:fillRef>
+          <a:effectRef idx="0">
+            <a:schemeClr val="dk1"/>
+          </a:effectRef>
+          <a:fontRef idx="minor">
+            <a:schemeClr val="dk1"/>
+          </a:fontRef>
+        </p:style>
+        <p:txBody>
+          <a:bodyPr rtlCol="0" anchor="ctr"/>
+          <a:lstStyle/>
+          <a:p>
+            <a:pPr algn="ctr"/>
+            <a:endParaRPr lang="en-US"/>
+          </a:p>
+        </p:txBody>
+      </p:sp>
+      <p:pic>
+        <p:nvPicPr>
+          <p:cNvPr id="3" name="Picture 2">
+            <a:extLst>
+              <a:ext uri="{FF2B5EF4-FFF2-40B4-BE49-F238E27FC236}">
+                <a16:creationId xmlns:a16="http://schemas.microsoft.com/office/drawing/2014/main" id="{C5B30647-AC42-446C-A269-8A2849DCE75B}"/>
+              </a:ext>
+            </a:extLst>
+          </p:cNvPr>
+          <p:cNvPicPr>
+            <a:picLocks noChangeAspect="1"/>
+          </p:cNvPicPr>
+          <p:nvPr/>
+        </p:nvPicPr>
+        <p:blipFill rotWithShape="1">
+          <a:blip r:embed="rId2"/>
           <a:srcRect t="60356" r="4464"/>
           <a:stretch/>
         </p:blipFill>
@@ -10423,7 +10986,7 @@
 </p:sld>
 </file>
 
-<file path=ppt/slides/slide32.xml><?xml version="1.0" encoding="utf-8"?>
+<file path=ppt/slides/slide35.xml><?xml version="1.0" encoding="utf-8"?>
 <p:sld xmlns:a="http://schemas.openxmlformats.org/drawingml/2006/main" xmlns:r="http://schemas.openxmlformats.org/officeDocument/2006/relationships" xmlns:p="http://schemas.openxmlformats.org/presentationml/2006/main">
   <p:cSld>
     <p:spTree>
@@ -10608,7 +11171,7 @@
 </p:sld>
 </file>
 
-<file path=ppt/slides/slide33.xml><?xml version="1.0" encoding="utf-8"?>
+<file path=ppt/slides/slide36.xml><?xml version="1.0" encoding="utf-8"?>
 <p:sld xmlns:a="http://schemas.openxmlformats.org/drawingml/2006/main" xmlns:r="http://schemas.openxmlformats.org/officeDocument/2006/relationships" xmlns:p="http://schemas.openxmlformats.org/presentationml/2006/main">
   <p:cSld>
     <p:spTree>
@@ -13039,7 +13602,7 @@
 </p:sld>
 </file>
 
-<file path=ppt/slides/slide34.xml><?xml version="1.0" encoding="utf-8"?>
+<file path=ppt/slides/slide37.xml><?xml version="1.0" encoding="utf-8"?>
 <p:sld xmlns:a="http://schemas.openxmlformats.org/drawingml/2006/main" xmlns:r="http://schemas.openxmlformats.org/officeDocument/2006/relationships" xmlns:p="http://schemas.openxmlformats.org/presentationml/2006/main">
   <p:cSld>
     <p:spTree>
@@ -16269,106 +16832,6 @@
         <p:spPr>
           <a:xfrm>
             <a:off x="6096000" y="6085708"/>
-            <a:ext cx="457200" cy="304800"/>
-          </a:xfrm>
-          <a:prstGeom prst="rect">
-            <a:avLst/>
-          </a:prstGeom>
-          <a:solidFill>
-            <a:srgbClr val="FFFFFF"/>
-          </a:solidFill>
-          <a:ln>
-            <a:noFill/>
-          </a:ln>
-        </p:spPr>
-        <p:style>
-          <a:lnRef idx="2">
-            <a:schemeClr val="dk1"/>
-          </a:lnRef>
-          <a:fillRef idx="1">
-            <a:schemeClr val="lt1"/>
-          </a:fillRef>
-          <a:effectRef idx="0">
-            <a:schemeClr val="dk1"/>
-          </a:effectRef>
-          <a:fontRef idx="minor">
-            <a:schemeClr val="dk1"/>
-          </a:fontRef>
-        </p:style>
-        <p:txBody>
-          <a:bodyPr rtlCol="0" anchor="ctr"/>
-          <a:lstStyle/>
-          <a:p>
-            <a:pPr algn="ctr"/>
-            <a:endParaRPr lang="en-US"/>
-          </a:p>
-        </p:txBody>
-      </p:sp>
-      <p:sp>
-        <p:nvSpPr>
-          <p:cNvPr id="11" name="Rectangle 10">
-            <a:extLst>
-              <a:ext uri="{FF2B5EF4-FFF2-40B4-BE49-F238E27FC236}">
-                <a16:creationId xmlns:a16="http://schemas.microsoft.com/office/drawing/2014/main" id="{AC1A7B22-8112-40BF-B297-0810AEEF89F3}"/>
-              </a:ext>
-            </a:extLst>
-          </p:cNvPr>
-          <p:cNvSpPr/>
-          <p:nvPr/>
-        </p:nvSpPr>
-        <p:spPr>
-          <a:xfrm>
-            <a:off x="7019925" y="5489092"/>
-            <a:ext cx="457200" cy="530708"/>
-          </a:xfrm>
-          <a:prstGeom prst="rect">
-            <a:avLst/>
-          </a:prstGeom>
-          <a:solidFill>
-            <a:srgbClr val="F2F2F2"/>
-          </a:solidFill>
-          <a:ln>
-            <a:noFill/>
-          </a:ln>
-        </p:spPr>
-        <p:style>
-          <a:lnRef idx="2">
-            <a:schemeClr val="dk1"/>
-          </a:lnRef>
-          <a:fillRef idx="1">
-            <a:schemeClr val="lt1"/>
-          </a:fillRef>
-          <a:effectRef idx="0">
-            <a:schemeClr val="dk1"/>
-          </a:effectRef>
-          <a:fontRef idx="minor">
-            <a:schemeClr val="dk1"/>
-          </a:fontRef>
-        </p:style>
-        <p:txBody>
-          <a:bodyPr rtlCol="0" anchor="ctr"/>
-          <a:lstStyle/>
-          <a:p>
-            <a:pPr algn="ctr"/>
-            <a:endParaRPr lang="en-US"/>
-          </a:p>
-        </p:txBody>
-      </p:sp>
-      <p:sp>
-        <p:nvSpPr>
-          <p:cNvPr id="12" name="Rectangle 11">
-            <a:extLst>
-              <a:ext uri="{FF2B5EF4-FFF2-40B4-BE49-F238E27FC236}">
-                <a16:creationId xmlns:a16="http://schemas.microsoft.com/office/drawing/2014/main" id="{C18A1709-64AD-48F6-857F-EC340020243C}"/>
-              </a:ext>
-            </a:extLst>
-          </p:cNvPr>
-          <p:cNvSpPr/>
-          <p:nvPr/>
-        </p:nvSpPr>
-        <p:spPr>
-          <a:xfrm>
-            <a:off x="7019925" y="6067420"/>
             <a:ext cx="457200" cy="304800"/>
           </a:xfrm>
           <a:prstGeom prst="rect">
@@ -17961,102 +18424,14 @@
                             </p:stCondLst>
                             <p:childTnLst>
                               <p:par>
-                                <p:cTn id="38" presetID="10" presetClass="exit" presetSubtype="0" fill="hold" grpId="0" nodeType="clickEffect">
-                                  <p:stCondLst>
-                                    <p:cond delay="0"/>
-                                  </p:stCondLst>
-                                  <p:childTnLst>
-                                    <p:animEffect transition="out" filter="fade">
-                                      <p:cBhvr>
-                                        <p:cTn id="39" dur="500"/>
-                                        <p:tgtEl>
-                                          <p:spTgt spid="11"/>
-                                        </p:tgtEl>
-                                      </p:cBhvr>
-                                    </p:animEffect>
-                                    <p:set>
-                                      <p:cBhvr>
-                                        <p:cTn id="40" dur="1" fill="hold">
-                                          <p:stCondLst>
-                                            <p:cond delay="499"/>
-                                          </p:stCondLst>
-                                        </p:cTn>
-                                        <p:tgtEl>
-                                          <p:spTgt spid="11"/>
-                                        </p:tgtEl>
-                                        <p:attrNameLst>
-                                          <p:attrName>style.visibility</p:attrName>
-                                        </p:attrNameLst>
-                                      </p:cBhvr>
-                                      <p:to>
-                                        <p:strVal val="hidden"/>
-                                      </p:to>
-                                    </p:set>
-                                  </p:childTnLst>
-                                </p:cTn>
-                              </p:par>
-                              <p:par>
-                                <p:cTn id="41" presetID="10" presetClass="exit" presetSubtype="0" fill="hold" grpId="0" nodeType="withEffect">
-                                  <p:stCondLst>
-                                    <p:cond delay="0"/>
-                                  </p:stCondLst>
-                                  <p:childTnLst>
-                                    <p:animEffect transition="out" filter="fade">
-                                      <p:cBhvr>
-                                        <p:cTn id="42" dur="500"/>
-                                        <p:tgtEl>
-                                          <p:spTgt spid="12"/>
-                                        </p:tgtEl>
-                                      </p:cBhvr>
-                                    </p:animEffect>
-                                    <p:set>
-                                      <p:cBhvr>
-                                        <p:cTn id="43" dur="1" fill="hold">
-                                          <p:stCondLst>
-                                            <p:cond delay="499"/>
-                                          </p:stCondLst>
-                                        </p:cTn>
-                                        <p:tgtEl>
-                                          <p:spTgt spid="12"/>
-                                        </p:tgtEl>
-                                        <p:attrNameLst>
-                                          <p:attrName>style.visibility</p:attrName>
-                                        </p:attrNameLst>
-                                      </p:cBhvr>
-                                      <p:to>
-                                        <p:strVal val="hidden"/>
-                                      </p:to>
-                                    </p:set>
-                                  </p:childTnLst>
-                                </p:cTn>
-                              </p:par>
-                            </p:childTnLst>
-                          </p:cTn>
-                        </p:par>
-                      </p:childTnLst>
-                    </p:cTn>
-                  </p:par>
-                  <p:par>
-                    <p:cTn id="44" fill="hold">
-                      <p:stCondLst>
-                        <p:cond delay="indefinite"/>
-                      </p:stCondLst>
-                      <p:childTnLst>
-                        <p:par>
-                          <p:cTn id="45" fill="hold">
-                            <p:stCondLst>
-                              <p:cond delay="0"/>
-                            </p:stCondLst>
-                            <p:childTnLst>
-                              <p:par>
-                                <p:cTn id="46" presetID="10" presetClass="entr" presetSubtype="0" fill="hold" grpId="0" nodeType="clickEffect">
+                                <p:cTn id="38" presetID="10" presetClass="entr" presetSubtype="0" fill="hold" grpId="0" nodeType="clickEffect">
                                   <p:stCondLst>
                                     <p:cond delay="0"/>
                                   </p:stCondLst>
                                   <p:childTnLst>
                                     <p:set>
                                       <p:cBhvr>
-                                        <p:cTn id="47" dur="1" fill="hold">
+                                        <p:cTn id="39" dur="1" fill="hold">
                                           <p:stCondLst>
                                             <p:cond delay="0"/>
                                           </p:stCondLst>
@@ -18074,7 +18449,7 @@
                                     </p:set>
                                     <p:animEffect transition="in" filter="fade">
                                       <p:cBhvr>
-                                        <p:cTn id="48" dur="500"/>
+                                        <p:cTn id="40" dur="500"/>
                                         <p:tgtEl>
                                           <p:spTgt spid="17"/>
                                         </p:tgtEl>
@@ -18090,26 +18465,26 @@
                     </p:cTn>
                   </p:par>
                   <p:par>
-                    <p:cTn id="49" fill="hold">
+                    <p:cTn id="41" fill="hold">
                       <p:stCondLst>
                         <p:cond delay="indefinite"/>
                       </p:stCondLst>
                       <p:childTnLst>
                         <p:par>
-                          <p:cTn id="50" fill="hold">
+                          <p:cTn id="42" fill="hold">
                             <p:stCondLst>
                               <p:cond delay="0"/>
                             </p:stCondLst>
                             <p:childTnLst>
                               <p:par>
-                                <p:cTn id="51" presetID="10" presetClass="exit" presetSubtype="0" fill="hold" grpId="0" nodeType="clickEffect">
+                                <p:cTn id="43" presetID="10" presetClass="exit" presetSubtype="0" fill="hold" grpId="0" nodeType="clickEffect">
                                   <p:stCondLst>
                                     <p:cond delay="0"/>
                                   </p:stCondLst>
                                   <p:childTnLst>
                                     <p:animEffect transition="out" filter="fade">
                                       <p:cBhvr>
-                                        <p:cTn id="52" dur="500"/>
+                                        <p:cTn id="44" dur="500"/>
                                         <p:tgtEl>
                                           <p:spTgt spid="13"/>
                                         </p:tgtEl>
@@ -18117,7 +18492,7 @@
                                     </p:animEffect>
                                     <p:set>
                                       <p:cBhvr>
-                                        <p:cTn id="53" dur="1" fill="hold">
+                                        <p:cTn id="45" dur="1" fill="hold">
                                           <p:stCondLst>
                                             <p:cond delay="499"/>
                                           </p:stCondLst>
@@ -18137,14 +18512,14 @@
                                 </p:cTn>
                               </p:par>
                               <p:par>
-                                <p:cTn id="54" presetID="10" presetClass="exit" presetSubtype="0" fill="hold" grpId="0" nodeType="withEffect">
+                                <p:cTn id="46" presetID="10" presetClass="exit" presetSubtype="0" fill="hold" grpId="0" nodeType="withEffect">
                                   <p:stCondLst>
                                     <p:cond delay="0"/>
                                   </p:stCondLst>
                                   <p:childTnLst>
                                     <p:animEffect transition="out" filter="fade">
                                       <p:cBhvr>
-                                        <p:cTn id="55" dur="500"/>
+                                        <p:cTn id="47" dur="500"/>
                                         <p:tgtEl>
                                           <p:spTgt spid="14"/>
                                         </p:tgtEl>
@@ -18152,7 +18527,7 @@
                                     </p:animEffect>
                                     <p:set>
                                       <p:cBhvr>
-                                        <p:cTn id="56" dur="1" fill="hold">
+                                        <p:cTn id="48" dur="1" fill="hold">
                                           <p:stCondLst>
                                             <p:cond delay="499"/>
                                           </p:stCondLst>
@@ -18203,8 +18578,6 @@
       <p:bldP spid="8" grpId="0" animBg="1"/>
       <p:bldP spid="9" grpId="0" animBg="1"/>
       <p:bldP spid="10" grpId="0" animBg="1"/>
-      <p:bldP spid="11" grpId="0" animBg="1"/>
-      <p:bldP spid="12" grpId="0" animBg="1"/>
       <p:bldP spid="13" grpId="0" animBg="1"/>
       <p:bldP spid="14" grpId="0" animBg="1"/>
       <p:bldP spid="6" grpId="0"/>

--- a/M5/inverse kinematics/denavit hartenberg kinematics.pptx
+++ b/M5/inverse kinematics/denavit hartenberg kinematics.pptx
@@ -245,7 +245,7 @@
             <a:fld id="{B26E7FAE-22AD-49BB-86F5-047CE39CD866}" type="datetimeFigureOut">
               <a:rPr lang="id-ID" smtClean="0"/>
               <a:pPr/>
-              <a:t>18/04/2019</a:t>
+              <a:t>26/06/2019</a:t>
             </a:fld>
             <a:endParaRPr lang="id-ID"/>
           </a:p>
@@ -592,6 +592,91 @@
     <p:extLst>
       <p:ext uri="{BB962C8B-B14F-4D97-AF65-F5344CB8AC3E}">
         <p14:creationId xmlns:p14="http://schemas.microsoft.com/office/powerpoint/2010/main" val="1827456218"/>
+      </p:ext>
+    </p:extLst>
+  </p:cSld>
+  <p:clrMapOvr>
+    <a:masterClrMapping/>
+  </p:clrMapOvr>
+</p:notes>
+</file>
+
+<file path=ppt/notesSlides/notesSlide2.xml><?xml version="1.0" encoding="utf-8"?>
+<p:notes xmlns:a="http://schemas.openxmlformats.org/drawingml/2006/main" xmlns:r="http://schemas.openxmlformats.org/officeDocument/2006/relationships" xmlns:p="http://schemas.openxmlformats.org/presentationml/2006/main">
+  <p:cSld>
+    <p:spTree>
+      <p:nvGrpSpPr>
+        <p:cNvPr id="1" name=""/>
+        <p:cNvGrpSpPr/>
+        <p:nvPr/>
+      </p:nvGrpSpPr>
+      <p:grpSpPr>
+        <a:xfrm>
+          <a:off x="0" y="0"/>
+          <a:ext cx="0" cy="0"/>
+          <a:chOff x="0" y="0"/>
+          <a:chExt cx="0" cy="0"/>
+        </a:xfrm>
+      </p:grpSpPr>
+      <p:sp>
+        <p:nvSpPr>
+          <p:cNvPr id="2" name="Slide Image Placeholder 1"/>
+          <p:cNvSpPr>
+            <a:spLocks noGrp="1" noRot="1" noChangeAspect="1"/>
+          </p:cNvSpPr>
+          <p:nvPr>
+            <p:ph type="sldImg"/>
+          </p:nvPr>
+        </p:nvSpPr>
+        <p:spPr/>
+      </p:sp>
+      <p:sp>
+        <p:nvSpPr>
+          <p:cNvPr id="3" name="Notes Placeholder 2"/>
+          <p:cNvSpPr>
+            <a:spLocks noGrp="1"/>
+          </p:cNvSpPr>
+          <p:nvPr>
+            <p:ph type="body" idx="1"/>
+          </p:nvPr>
+        </p:nvSpPr>
+        <p:spPr/>
+        <p:txBody>
+          <a:bodyPr/>
+          <a:lstStyle/>
+          <a:p>
+            <a:endParaRPr lang="en-US" dirty="0"/>
+          </a:p>
+        </p:txBody>
+      </p:sp>
+      <p:sp>
+        <p:nvSpPr>
+          <p:cNvPr id="4" name="Slide Number Placeholder 3"/>
+          <p:cNvSpPr>
+            <a:spLocks noGrp="1"/>
+          </p:cNvSpPr>
+          <p:nvPr>
+            <p:ph type="sldNum" sz="quarter" idx="5"/>
+          </p:nvPr>
+        </p:nvSpPr>
+        <p:spPr/>
+        <p:txBody>
+          <a:bodyPr/>
+          <a:lstStyle/>
+          <a:p>
+            <a:fld id="{DBBC0349-B7A6-45EE-83DA-061AFE286935}" type="slidenum">
+              <a:rPr lang="id-ID" smtClean="0"/>
+              <a:pPr/>
+              <a:t>8</a:t>
+            </a:fld>
+            <a:endParaRPr lang="id-ID"/>
+          </a:p>
+        </p:txBody>
+      </p:sp>
+    </p:spTree>
+    <p:extLst>
+      <p:ext uri="{BB962C8B-B14F-4D97-AF65-F5344CB8AC3E}">
+        <p14:creationId xmlns:p14="http://schemas.microsoft.com/office/powerpoint/2010/main" val="1115981620"/>
       </p:ext>
     </p:extLst>
   </p:cSld>
@@ -4040,7 +4125,7 @@
         </p:blipFill>
         <p:spPr>
           <a:xfrm>
-            <a:off x="433917" y="2749463"/>
+            <a:off x="433917" y="2609851"/>
             <a:ext cx="8276165" cy="3619499"/>
           </a:xfrm>
           <a:prstGeom prst="rect">
@@ -4072,6 +4157,35 @@
           <a:xfrm>
             <a:off x="3296433" y="1447800"/>
             <a:ext cx="2551134" cy="990600"/>
+          </a:xfrm>
+          <a:prstGeom prst="rect">
+            <a:avLst/>
+          </a:prstGeom>
+        </p:spPr>
+      </p:pic>
+      <p:pic>
+        <p:nvPicPr>
+          <p:cNvPr id="6" name="Picture 5">
+            <a:extLst>
+              <a:ext uri="{FF2B5EF4-FFF2-40B4-BE49-F238E27FC236}">
+                <a16:creationId xmlns:a16="http://schemas.microsoft.com/office/drawing/2014/main" id="{05076E8C-FA26-479A-9C4E-90A53481D0EB}"/>
+              </a:ext>
+            </a:extLst>
+          </p:cNvPr>
+          <p:cNvPicPr>
+            <a:picLocks noChangeAspect="1"/>
+          </p:cNvPicPr>
+          <p:nvPr/>
+        </p:nvPicPr>
+        <p:blipFill rotWithShape="1">
+          <a:blip r:embed="rId3"/>
+          <a:srcRect r="67144"/>
+          <a:stretch/>
+        </p:blipFill>
+        <p:spPr>
+          <a:xfrm>
+            <a:off x="304800" y="3048000"/>
+            <a:ext cx="838200" cy="990600"/>
           </a:xfrm>
           <a:prstGeom prst="rect">
             <a:avLst/>
@@ -5507,7 +5621,7 @@
                                   <p:childTnLst>
                                     <p:cmd type="call" cmd="playFrom(0.0)">
                                       <p:cBhvr>
-                                        <p:cTn id="10" dur="1" fill="hold"/>
+                                        <p:cTn id="10" dur="7800" fill="hold"/>
                                         <p:tgtEl>
                                           <p:spTgt spid="11"/>
                                         </p:tgtEl>
@@ -16622,7 +16736,7 @@
           <p:nvPr/>
         </p:nvPicPr>
         <p:blipFill>
-          <a:blip r:embed="rId2"/>
+          <a:blip r:embed="rId3"/>
           <a:stretch>
             <a:fillRect/>
           </a:stretch>
@@ -16652,7 +16766,7 @@
           <p:nvPr/>
         </p:nvPicPr>
         <p:blipFill>
-          <a:blip r:embed="rId3"/>
+          <a:blip r:embed="rId4"/>
           <a:stretch>
             <a:fillRect/>
           </a:stretch>
@@ -16713,7 +16827,7 @@
           <a:lstStyle/>
           <a:p>
             <a:pPr algn="ctr"/>
-            <a:endParaRPr lang="en-US"/>
+            <a:endParaRPr lang="en-US" dirty="0"/>
           </a:p>
         </p:txBody>
       </p:sp>
@@ -17221,7 +17335,7 @@
                 <a:avLst/>
               </a:prstGeom>
               <a:blipFill>
-                <a:blip r:embed="rId4"/>
+                <a:blip r:embed="rId5"/>
                 <a:stretch>
                   <a:fillRect/>
                 </a:stretch>
@@ -17572,7 +17686,7 @@
                 <a:avLst/>
               </a:prstGeom>
               <a:blipFill>
-                <a:blip r:embed="rId5"/>
+                <a:blip r:embed="rId6"/>
                 <a:stretch>
                   <a:fillRect/>
                 </a:stretch>
@@ -17847,7 +17961,7 @@
                 <a:avLst/>
               </a:prstGeom>
               <a:blipFill>
-                <a:blip r:embed="rId6"/>
+                <a:blip r:embed="rId7"/>
                 <a:stretch>
                   <a:fillRect b="-4636"/>
                 </a:stretch>
@@ -18019,7 +18133,7 @@
                 <a:avLst/>
               </a:prstGeom>
               <a:blipFill>
-                <a:blip r:embed="rId7"/>
+                <a:blip r:embed="rId8"/>
                 <a:stretch>
                   <a:fillRect b="-14754"/>
                 </a:stretch>
